--- a/docs/Presentation.pptx
+++ b/docs/Presentation.pptx
@@ -211,7 +211,7 @@
           <a:p>
             <a:fld id="{6E6D9DCE-A04C-4D8C-8931-135BCE43B3A4}" type="datetimeFigureOut">
               <a:rPr lang="ru-RU" smtClean="0"/>
-              <a:t>31.05.2022</a:t>
+              <a:t>05.06.2022</a:t>
             </a:fld>
             <a:endParaRPr lang="ru-RU"/>
           </a:p>
@@ -789,7 +789,7 @@
           <a:p>
             <a:fld id="{03C8B24E-9072-4A63-9CF3-2091FBEE0926}" type="datetime1">
               <a:rPr lang="ru-RU" smtClean="0"/>
-              <a:t>31.05.2022</a:t>
+              <a:t>05.06.2022</a:t>
             </a:fld>
             <a:endParaRPr lang="ru-RU"/>
           </a:p>
@@ -997,7 +997,7 @@
           <a:p>
             <a:fld id="{A2DF9016-3B0A-48DB-AA68-59A340F15C97}" type="datetime1">
               <a:rPr lang="ru-RU" smtClean="0"/>
-              <a:t>31.05.2022</a:t>
+              <a:t>05.06.2022</a:t>
             </a:fld>
             <a:endParaRPr lang="ru-RU"/>
           </a:p>
@@ -1253,7 +1253,7 @@
           <a:p>
             <a:fld id="{ED610CF0-5587-4445-8FAA-D1C14AACBF04}" type="datetime1">
               <a:rPr lang="ru-RU" smtClean="0"/>
-              <a:t>31.05.2022</a:t>
+              <a:t>05.06.2022</a:t>
             </a:fld>
             <a:endParaRPr lang="ru-RU"/>
           </a:p>
@@ -1427,7 +1427,7 @@
           <a:p>
             <a:fld id="{7D08D0F9-4486-4C0D-A4C3-9DF41EB36BAE}" type="datetime1">
               <a:rPr lang="ru-RU" smtClean="0"/>
-              <a:t>31.05.2022</a:t>
+              <a:t>05.06.2022</a:t>
             </a:fld>
             <a:endParaRPr lang="ru-RU"/>
           </a:p>
@@ -1770,7 +1770,7 @@
           <a:p>
             <a:fld id="{DCBAD543-8B65-47C4-9868-AF907E0250FD}" type="datetime1">
               <a:rPr lang="ru-RU" smtClean="0"/>
-              <a:t>31.05.2022</a:t>
+              <a:t>05.06.2022</a:t>
             </a:fld>
             <a:endParaRPr lang="ru-RU"/>
           </a:p>
@@ -2045,7 +2045,7 @@
           <a:p>
             <a:fld id="{D011704B-73F3-4C9F-8E51-784348AA7A81}" type="datetime1">
               <a:rPr lang="ru-RU" smtClean="0"/>
-              <a:t>31.05.2022</a:t>
+              <a:t>05.06.2022</a:t>
             </a:fld>
             <a:endParaRPr lang="ru-RU"/>
           </a:p>
@@ -2424,7 +2424,7 @@
           <a:p>
             <a:fld id="{0ECF71ED-13A9-4254-AC52-66FE8A8F1C23}" type="datetime1">
               <a:rPr lang="ru-RU" smtClean="0"/>
-              <a:t>31.05.2022</a:t>
+              <a:t>05.06.2022</a:t>
             </a:fld>
             <a:endParaRPr lang="ru-RU"/>
           </a:p>
@@ -2542,7 +2542,7 @@
           <a:p>
             <a:fld id="{D4D53A68-8569-454A-A05A-DDDF27B07A9D}" type="datetime1">
               <a:rPr lang="ru-RU" smtClean="0"/>
-              <a:t>31.05.2022</a:t>
+              <a:t>05.06.2022</a:t>
             </a:fld>
             <a:endParaRPr lang="ru-RU"/>
           </a:p>
@@ -2713,7 +2713,7 @@
           <a:p>
             <a:fld id="{DEBD3B65-C67D-4788-8DD4-B5879859E161}" type="datetime1">
               <a:rPr lang="ru-RU" smtClean="0"/>
-              <a:t>31.05.2022</a:t>
+              <a:t>05.06.2022</a:t>
             </a:fld>
             <a:endParaRPr lang="ru-RU"/>
           </a:p>
@@ -3067,7 +3067,7 @@
           <a:p>
             <a:fld id="{A7D08EAE-43AF-44C1-A7D9-E10A9ACFDA1E}" type="datetime1">
               <a:rPr lang="ru-RU" smtClean="0"/>
-              <a:t>31.05.2022</a:t>
+              <a:t>05.06.2022</a:t>
             </a:fld>
             <a:endParaRPr lang="ru-RU"/>
           </a:p>
@@ -3449,7 +3449,7 @@
           <a:p>
             <a:fld id="{4AC49E42-2C28-4AEE-A493-6691E23865B3}" type="datetime1">
               <a:rPr lang="ru-RU" smtClean="0"/>
-              <a:t>31.05.2022</a:t>
+              <a:t>05.06.2022</a:t>
             </a:fld>
             <a:endParaRPr lang="ru-RU"/>
           </a:p>
@@ -3736,7 +3736,7 @@
           <a:p>
             <a:fld id="{E56321EE-D23F-4780-B318-01CDAA890F27}" type="datetime1">
               <a:rPr lang="ru-RU" smtClean="0"/>
-              <a:t>31.05.2022</a:t>
+              <a:t>05.06.2022</a:t>
             </a:fld>
             <a:endParaRPr lang="ru-RU"/>
           </a:p>
@@ -4320,7 +4320,15 @@
                   <a:schemeClr val="tx1"/>
                 </a:solidFill>
               </a:rPr>
-              <a:t>Студент: Малышев Иван Алексеевич </a:t>
+              <a:t>Студент: Малышев Иван Алексеевич ИУ7-</a:t>
+            </a:r>
+            <a:r>
+              <a:rPr lang="en-US" sz="2000" b="1" cap="none" spc="0" dirty="0" smtClean="0">
+                <a:solidFill>
+                  <a:schemeClr val="tx1"/>
+                </a:solidFill>
+              </a:rPr>
+              <a:t>6</a:t>
             </a:r>
             <a:r>
               <a:rPr lang="ru-RU" sz="2000" b="1" cap="none" spc="0" dirty="0" smtClean="0">
@@ -4328,29 +4336,8 @@
                   <a:schemeClr val="tx1"/>
                 </a:solidFill>
               </a:rPr>
-              <a:t>ИУ7-</a:t>
-            </a:r>
-            <a:r>
-              <a:rPr lang="en-US" sz="2000" b="1" cap="none" spc="0" dirty="0" smtClean="0">
-                <a:solidFill>
-                  <a:schemeClr val="tx1"/>
-                </a:solidFill>
-              </a:rPr>
-              <a:t>6</a:t>
-            </a:r>
-            <a:r>
-              <a:rPr lang="ru-RU" sz="2000" b="1" cap="none" spc="0" dirty="0" smtClean="0">
-                <a:solidFill>
-                  <a:schemeClr val="tx1"/>
-                </a:solidFill>
-              </a:rPr>
               <a:t>1Б</a:t>
             </a:r>
-            <a:endParaRPr lang="ru-RU" sz="2000" b="1" cap="none" spc="0" dirty="0" smtClean="0">
-              <a:solidFill>
-                <a:schemeClr val="tx1"/>
-              </a:solidFill>
-            </a:endParaRPr>
           </a:p>
           <a:p>
             <a:r>
@@ -4853,18 +4840,28 @@
         </p:nvSpPr>
         <p:spPr/>
         <p:txBody>
-          <a:bodyPr/>
-          <a:lstStyle/>
-          <a:p>
-            <a:r>
-              <a:rPr lang="ru-RU" dirty="0" smtClean="0">
-                <a:solidFill>
-                  <a:schemeClr val="tx1"/>
-                </a:solidFill>
-              </a:rPr>
-              <a:t>Интерфейс программы</a:t>
-            </a:r>
-            <a:endParaRPr lang="ru-RU" dirty="0">
+          <a:bodyPr>
+            <a:normAutofit/>
+          </a:bodyPr>
+          <a:lstStyle/>
+          <a:p>
+            <a:r>
+              <a:rPr lang="ru-RU" sz="4000" dirty="0" smtClean="0">
+                <a:solidFill>
+                  <a:schemeClr val="tx1"/>
+                </a:solidFill>
+              </a:rPr>
+              <a:t>Интерфейс </a:t>
+            </a:r>
+            <a:r>
+              <a:rPr lang="ru-RU" sz="4000" dirty="0" smtClean="0">
+                <a:solidFill>
+                  <a:schemeClr val="tx1"/>
+                </a:solidFill>
+              </a:rPr>
+              <a:t>программы в режиме пользователя</a:t>
+            </a:r>
+            <a:endParaRPr lang="ru-RU" sz="4000" dirty="0">
               <a:solidFill>
                 <a:schemeClr val="tx1"/>
               </a:solidFill>
@@ -5023,18 +5020,28 @@
         </p:nvSpPr>
         <p:spPr/>
         <p:txBody>
-          <a:bodyPr/>
-          <a:lstStyle/>
-          <a:p>
-            <a:r>
-              <a:rPr lang="ru-RU" dirty="0" smtClean="0">
-                <a:solidFill>
-                  <a:schemeClr val="tx1"/>
-                </a:solidFill>
-              </a:rPr>
-              <a:t>Интерфейс программы</a:t>
-            </a:r>
-            <a:endParaRPr lang="ru-RU" dirty="0">
+          <a:bodyPr>
+            <a:normAutofit/>
+          </a:bodyPr>
+          <a:lstStyle/>
+          <a:p>
+            <a:r>
+              <a:rPr lang="ru-RU" sz="4000" dirty="0" smtClean="0">
+                <a:solidFill>
+                  <a:schemeClr val="tx1"/>
+                </a:solidFill>
+              </a:rPr>
+              <a:t>Интерфейс </a:t>
+            </a:r>
+            <a:r>
+              <a:rPr lang="ru-RU" sz="4000" dirty="0" smtClean="0">
+                <a:solidFill>
+                  <a:schemeClr val="tx1"/>
+                </a:solidFill>
+              </a:rPr>
+              <a:t>программы в режиме аналитика</a:t>
+            </a:r>
+            <a:endParaRPr lang="ru-RU" sz="4000" dirty="0">
               <a:solidFill>
                 <a:schemeClr val="tx1"/>
               </a:solidFill>
@@ -5193,18 +5200,28 @@
         </p:nvSpPr>
         <p:spPr/>
         <p:txBody>
-          <a:bodyPr/>
-          <a:lstStyle/>
-          <a:p>
-            <a:r>
-              <a:rPr lang="ru-RU" dirty="0" smtClean="0">
-                <a:solidFill>
-                  <a:schemeClr val="tx1"/>
-                </a:solidFill>
-              </a:rPr>
-              <a:t>Интерфейс программы</a:t>
-            </a:r>
-            <a:endParaRPr lang="ru-RU" dirty="0">
+          <a:bodyPr>
+            <a:normAutofit/>
+          </a:bodyPr>
+          <a:lstStyle/>
+          <a:p>
+            <a:r>
+              <a:rPr lang="ru-RU" sz="3700" dirty="0" smtClean="0">
+                <a:solidFill>
+                  <a:schemeClr val="tx1"/>
+                </a:solidFill>
+              </a:rPr>
+              <a:t>Интерфейс </a:t>
+            </a:r>
+            <a:r>
+              <a:rPr lang="ru-RU" sz="3700" dirty="0" smtClean="0">
+                <a:solidFill>
+                  <a:schemeClr val="tx1"/>
+                </a:solidFill>
+              </a:rPr>
+              <a:t>программы в режиме администратора</a:t>
+            </a:r>
+            <a:endParaRPr lang="ru-RU" sz="3700" dirty="0">
               <a:solidFill>
                 <a:schemeClr val="tx1"/>
               </a:solidFill>
@@ -5382,9 +5399,38 @@
           </a:p>
         </p:txBody>
       </p:sp>
+      <p:sp>
+        <p:nvSpPr>
+          <p:cNvPr id="5" name="Номер слайда 4"/>
+          <p:cNvSpPr>
+            <a:spLocks noGrp="1"/>
+          </p:cNvSpPr>
+          <p:nvPr>
+            <p:ph type="sldNum" sz="quarter" idx="12"/>
+          </p:nvPr>
+        </p:nvSpPr>
+        <p:spPr/>
+        <p:txBody>
+          <a:bodyPr/>
+          <a:lstStyle/>
+          <a:p>
+            <a:fld id="{C4F09F00-B2EF-4E92-A50A-EB2934570B6C}" type="slidenum">
+              <a:rPr lang="ru-RU" sz="1800" smtClean="0">
+                <a:latin typeface="Times New Roman" panose="02020603050405020304" pitchFamily="18" charset="0"/>
+                <a:cs typeface="Times New Roman" panose="02020603050405020304" pitchFamily="18" charset="0"/>
+              </a:rPr>
+              <a:t>13</a:t>
+            </a:fld>
+            <a:endParaRPr lang="ru-RU" dirty="0">
+              <a:latin typeface="Times New Roman" panose="02020603050405020304" pitchFamily="18" charset="0"/>
+              <a:cs typeface="Times New Roman" panose="02020603050405020304" pitchFamily="18" charset="0"/>
+            </a:endParaRPr>
+          </a:p>
+        </p:txBody>
+      </p:sp>
       <p:pic>
         <p:nvPicPr>
-          <p:cNvPr id="6" name="Объект 5"/>
+          <p:cNvPr id="4" name="Объект 3"/>
           <p:cNvPicPr>
             <a:picLocks noGrp="1" noChangeAspect="1"/>
           </p:cNvPicPr>
@@ -5393,50 +5439,24 @@
           </p:nvPr>
         </p:nvPicPr>
         <p:blipFill>
-          <a:blip r:embed="rId2"/>
+          <a:blip r:embed="rId2">
+            <a:extLst>
+              <a:ext uri="{28A0092B-C50C-407E-A947-70E740481C1C}">
+                <a14:useLocalDpi xmlns:a14="http://schemas.microsoft.com/office/drawing/2010/main" val="0"/>
+              </a:ext>
+            </a:extLst>
+          </a:blip>
           <a:stretch>
             <a:fillRect/>
           </a:stretch>
         </p:blipFill>
         <p:spPr>
           <a:xfrm>
-            <a:off x="4660292" y="1805074"/>
-            <a:ext cx="2932376" cy="4022725"/>
+            <a:off x="2329556" y="1821550"/>
+            <a:ext cx="7593848" cy="4022725"/>
           </a:xfrm>
-          <a:prstGeom prst="rect">
-            <a:avLst/>
-          </a:prstGeom>
         </p:spPr>
       </p:pic>
-      <p:sp>
-        <p:nvSpPr>
-          <p:cNvPr id="5" name="Номер слайда 4"/>
-          <p:cNvSpPr>
-            <a:spLocks noGrp="1"/>
-          </p:cNvSpPr>
-          <p:nvPr>
-            <p:ph type="sldNum" sz="quarter" idx="12"/>
-          </p:nvPr>
-        </p:nvSpPr>
-        <p:spPr/>
-        <p:txBody>
-          <a:bodyPr/>
-          <a:lstStyle/>
-          <a:p>
-            <a:fld id="{C4F09F00-B2EF-4E92-A50A-EB2934570B6C}" type="slidenum">
-              <a:rPr lang="ru-RU" sz="1800" smtClean="0">
-                <a:latin typeface="Times New Roman" panose="02020603050405020304" pitchFamily="18" charset="0"/>
-                <a:cs typeface="Times New Roman" panose="02020603050405020304" pitchFamily="18" charset="0"/>
-              </a:rPr>
-              <a:t>13</a:t>
-            </a:fld>
-            <a:endParaRPr lang="ru-RU" dirty="0">
-              <a:latin typeface="Times New Roman" panose="02020603050405020304" pitchFamily="18" charset="0"/>
-              <a:cs typeface="Times New Roman" panose="02020603050405020304" pitchFamily="18" charset="0"/>
-            </a:endParaRPr>
-          </a:p>
-        </p:txBody>
-      </p:sp>
     </p:spTree>
     <p:extLst>
       <p:ext uri="{BB962C8B-B14F-4D97-AF65-F5344CB8AC3E}">
@@ -5525,12 +5545,63 @@
               <a:buChar char="•"/>
             </a:pPr>
             <a:r>
+              <a:rPr lang="ru-RU" dirty="0">
+                <a:solidFill>
+                  <a:schemeClr val="tx1"/>
+                </a:solidFill>
+              </a:rPr>
+              <a:t>Б</a:t>
+            </a:r>
+            <a:r>
               <a:rPr lang="ru-RU" dirty="0" smtClean="0">
                 <a:solidFill>
                   <a:schemeClr val="tx1"/>
                 </a:solidFill>
               </a:rPr>
-              <a:t>Разработана база данных для хранения информации о магазинах, товарах в них, товарных чека и их позиций и истории цен товаров.</a:t>
+              <a:t>ыл </a:t>
+            </a:r>
+            <a:r>
+              <a:rPr lang="ru-RU" dirty="0">
+                <a:solidFill>
+                  <a:schemeClr val="tx1"/>
+                </a:solidFill>
+              </a:rPr>
+              <a:t>проведен анализ предметной области, описана ролевая модель, рассмотрены существующие СУБД и методы построения линии </a:t>
+            </a:r>
+            <a:r>
+              <a:rPr lang="ru-RU" dirty="0" smtClean="0">
+                <a:solidFill>
+                  <a:schemeClr val="tx1"/>
+                </a:solidFill>
+              </a:rPr>
+              <a:t>тренда.</a:t>
+            </a:r>
+            <a:endParaRPr lang="en-US" dirty="0" smtClean="0">
+              <a:solidFill>
+                <a:schemeClr val="tx1"/>
+              </a:solidFill>
+            </a:endParaRPr>
+          </a:p>
+          <a:p>
+            <a:pPr lvl="1" algn="just">
+              <a:buFont typeface="Arial" panose="020B0604020202020204" pitchFamily="34" charset="0"/>
+              <a:buChar char="•"/>
+            </a:pPr>
+            <a:r>
+              <a:rPr lang="ru-RU" dirty="0" smtClean="0">
+                <a:solidFill>
+                  <a:schemeClr val="tx1"/>
+                </a:solidFill>
+              </a:rPr>
+              <a:t>Разработана </a:t>
+            </a:r>
+            <a:r>
+              <a:rPr lang="ru-RU" dirty="0" smtClean="0">
+                <a:solidFill>
+                  <a:schemeClr val="tx1"/>
+                </a:solidFill>
+              </a:rPr>
+              <a:t>база данных для хранения информации о магазинах, товарах в них, товарных чека и их позиций и истории цен товаров.</a:t>
             </a:r>
             <a:endParaRPr lang="ru-RU" dirty="0">
               <a:solidFill>
@@ -5744,7 +5815,31 @@
                   <a:schemeClr val="tx1"/>
                 </a:solidFill>
               </a:rPr>
-              <a:t>Реализация более качественной модели прогнозирования цен на товары в магазинах.</a:t>
+              <a:t>Реализация более </a:t>
+            </a:r>
+            <a:r>
+              <a:rPr lang="ru-RU" sz="1600" dirty="0" smtClean="0">
+                <a:solidFill>
+                  <a:schemeClr val="tx1"/>
+                </a:solidFill>
+              </a:rPr>
+              <a:t>устойчивой</a:t>
+            </a:r>
+            <a:r>
+              <a:rPr lang="ru-RU" sz="1600" dirty="0" smtClean="0">
+                <a:solidFill>
+                  <a:schemeClr val="tx1"/>
+                </a:solidFill>
+              </a:rPr>
+              <a:t> </a:t>
+            </a:r>
+            <a:r>
+              <a:rPr lang="ru-RU" sz="1600" dirty="0" smtClean="0">
+                <a:solidFill>
+                  <a:schemeClr val="tx1"/>
+                </a:solidFill>
+              </a:rPr>
+              <a:t>модели прогнозирования цен на товары в магазинах.</a:t>
             </a:r>
             <a:endParaRPr lang="ru-RU" sz="1600" dirty="0">
               <a:solidFill>
@@ -5884,15 +5979,7 @@
                   <a:schemeClr val="tx1"/>
                 </a:solidFill>
               </a:rPr>
-              <a:t>: </a:t>
-            </a:r>
-            <a:r>
-              <a:rPr lang="ru-RU" dirty="0">
-                <a:solidFill>
-                  <a:schemeClr val="tx1"/>
-                </a:solidFill>
-              </a:rPr>
-              <a:t>реализовать базу данных, хранящую информацию о покупателях, магазинах, ассортименте товаров в магазинах и историях цен товаров в них, и программное обеспечение для работы с информацией из этой базы данных, а также прогнозирования цен на товары в магазинах посредством построения линии тренда на основе истории цен</a:t>
+              <a:t>: реализовать базу данных, хранящую информацию о покупателях, магазинах, ассортименте товаров в магазинах и историях цен товаров в них, и программное обеспечение для работы с информацией из этой базы данных, а также прогнозирования цен на товары в магазинах посредством построения линии тренда на основе истории цен</a:t>
             </a:r>
             <a:r>
               <a:rPr lang="ru-RU" dirty="0" smtClean="0">
@@ -5941,7 +6028,7 @@
                   <a:schemeClr val="tx1"/>
                 </a:solidFill>
               </a:rPr>
-              <a:t>варианты представления </a:t>
+              <a:t>предметную область решаемой задачи, выделить сущности, их атрибуты и связи, разработать модель предметной </a:t>
             </a:r>
             <a:r>
               <a:rPr lang="ru-RU" dirty="0" smtClean="0">
@@ -5949,69 +6036,7 @@
                   <a:schemeClr val="tx1"/>
                 </a:solidFill>
               </a:rPr>
-              <a:t>данных, </a:t>
-            </a:r>
-            <a:r>
-              <a:rPr lang="ru-RU" dirty="0">
-                <a:solidFill>
-                  <a:schemeClr val="tx1"/>
-                </a:solidFill>
-              </a:rPr>
-              <a:t>системы управления базами данных, методы построения линии тренда и выбрать из них </a:t>
-            </a:r>
-            <a:r>
-              <a:rPr lang="ru-RU" dirty="0" smtClean="0">
-                <a:solidFill>
-                  <a:schemeClr val="tx1"/>
-                </a:solidFill>
-              </a:rPr>
-              <a:t>подходящие </a:t>
-            </a:r>
-            <a:r>
-              <a:rPr lang="ru-RU" dirty="0">
-                <a:solidFill>
-                  <a:schemeClr val="tx1"/>
-                </a:solidFill>
-              </a:rPr>
-              <a:t>для решения </a:t>
-            </a:r>
-            <a:r>
-              <a:rPr lang="ru-RU" dirty="0" smtClean="0">
-                <a:solidFill>
-                  <a:schemeClr val="tx1"/>
-                </a:solidFill>
-              </a:rPr>
-              <a:t>задачи;</a:t>
-            </a:r>
-          </a:p>
-          <a:p>
-            <a:pPr lvl="1" algn="just">
-              <a:buFont typeface="Arial" panose="020B0604020202020204" pitchFamily="34" charset="0"/>
-              <a:buChar char="•"/>
-            </a:pPr>
-            <a:r>
-              <a:rPr lang="ru-RU" dirty="0" smtClean="0">
-                <a:solidFill>
-                  <a:schemeClr val="tx1"/>
-                </a:solidFill>
-              </a:rPr>
-              <a:t>Спроектировать и реализовать </a:t>
-            </a:r>
-            <a:r>
-              <a:rPr lang="ru-RU" dirty="0">
-                <a:solidFill>
-                  <a:schemeClr val="tx1"/>
-                </a:solidFill>
-              </a:rPr>
-              <a:t>базу данных, описать её сущности и </a:t>
-            </a:r>
-            <a:r>
-              <a:rPr lang="ru-RU" dirty="0" smtClean="0">
-                <a:solidFill>
-                  <a:schemeClr val="tx1"/>
-                </a:solidFill>
-              </a:rPr>
-              <a:t>связи;</a:t>
+              <a:t>области;</a:t>
             </a:r>
             <a:endParaRPr lang="ru-RU" dirty="0" smtClean="0">
               <a:solidFill>
@@ -6030,6 +6055,98 @@
                   <a:schemeClr val="tx1"/>
                 </a:solidFill>
               </a:rPr>
+              <a:t>Проанализировать </a:t>
+            </a:r>
+            <a:r>
+              <a:rPr lang="ru-RU" dirty="0">
+                <a:solidFill>
+                  <a:schemeClr val="tx1"/>
+                </a:solidFill>
+              </a:rPr>
+              <a:t>варианты представления </a:t>
+            </a:r>
+            <a:r>
+              <a:rPr lang="ru-RU" dirty="0" smtClean="0">
+                <a:solidFill>
+                  <a:schemeClr val="tx1"/>
+                </a:solidFill>
+              </a:rPr>
+              <a:t>данных, </a:t>
+            </a:r>
+            <a:r>
+              <a:rPr lang="ru-RU" dirty="0">
+                <a:solidFill>
+                  <a:schemeClr val="tx1"/>
+                </a:solidFill>
+              </a:rPr>
+              <a:t>системы управления базами данных, методы построения линии тренда и выбрать из них </a:t>
+            </a:r>
+            <a:r>
+              <a:rPr lang="ru-RU" dirty="0" smtClean="0">
+                <a:solidFill>
+                  <a:schemeClr val="tx1"/>
+                </a:solidFill>
+              </a:rPr>
+              <a:t>подходящие </a:t>
+            </a:r>
+            <a:r>
+              <a:rPr lang="ru-RU" dirty="0">
+                <a:solidFill>
+                  <a:schemeClr val="tx1"/>
+                </a:solidFill>
+              </a:rPr>
+              <a:t>для решения </a:t>
+            </a:r>
+            <a:r>
+              <a:rPr lang="ru-RU" dirty="0" smtClean="0">
+                <a:solidFill>
+                  <a:schemeClr val="tx1"/>
+                </a:solidFill>
+              </a:rPr>
+              <a:t>задачи;</a:t>
+            </a:r>
+          </a:p>
+          <a:p>
+            <a:pPr lvl="1" algn="just">
+              <a:buFont typeface="Arial" panose="020B0604020202020204" pitchFamily="34" charset="0"/>
+              <a:buChar char="•"/>
+            </a:pPr>
+            <a:r>
+              <a:rPr lang="ru-RU" dirty="0" smtClean="0">
+                <a:solidFill>
+                  <a:schemeClr val="tx1"/>
+                </a:solidFill>
+              </a:rPr>
+              <a:t>Спроектировать и реализовать </a:t>
+            </a:r>
+            <a:r>
+              <a:rPr lang="ru-RU" dirty="0">
+                <a:solidFill>
+                  <a:schemeClr val="tx1"/>
+                </a:solidFill>
+              </a:rPr>
+              <a:t>базу данных, описать её сущности и </a:t>
+            </a:r>
+            <a:r>
+              <a:rPr lang="ru-RU" dirty="0" smtClean="0">
+                <a:solidFill>
+                  <a:schemeClr val="tx1"/>
+                </a:solidFill>
+              </a:rPr>
+              <a:t>связи;</a:t>
+            </a:r>
+          </a:p>
+          <a:p>
+            <a:pPr lvl="1" algn="just">
+              <a:buFont typeface="Arial" panose="020B0604020202020204" pitchFamily="34" charset="0"/>
+              <a:buChar char="•"/>
+            </a:pPr>
+            <a:r>
+              <a:rPr lang="ru-RU" dirty="0" smtClean="0">
+                <a:solidFill>
+                  <a:schemeClr val="tx1"/>
+                </a:solidFill>
+              </a:rPr>
               <a:t>Реализовать приложение </a:t>
             </a:r>
             <a:r>
@@ -6056,11 +6173,6 @@
               </a:rPr>
               <a:t>построения линии тренда для прогнозирования цен на товары в магазинах.</a:t>
             </a:r>
-            <a:endParaRPr lang="ru-RU" dirty="0">
-              <a:solidFill>
-                <a:schemeClr val="tx1"/>
-              </a:solidFill>
-            </a:endParaRPr>
           </a:p>
         </p:txBody>
       </p:sp>
@@ -6159,7 +6271,15 @@
                   <a:schemeClr val="tx1"/>
                 </a:solidFill>
               </a:rPr>
-              <a:t>диаграмма сущностей</a:t>
+              <a:t>диаграмма </a:t>
+            </a:r>
+            <a:r>
+              <a:rPr lang="ru-RU" dirty="0">
+                <a:solidFill>
+                  <a:schemeClr val="tx1"/>
+                </a:solidFill>
+              </a:rPr>
+              <a:t>моделируемой области</a:t>
             </a:r>
             <a:endParaRPr lang="ru-RU" dirty="0">
               <a:solidFill>
@@ -6169,9 +6289,77 @@
           </a:p>
         </p:txBody>
       </p:sp>
+      <p:sp>
+        <p:nvSpPr>
+          <p:cNvPr id="4" name="Номер слайда 3"/>
+          <p:cNvSpPr>
+            <a:spLocks noGrp="1"/>
+          </p:cNvSpPr>
+          <p:nvPr>
+            <p:ph type="sldNum" sz="quarter" idx="12"/>
+          </p:nvPr>
+        </p:nvSpPr>
+        <p:spPr/>
+        <p:txBody>
+          <a:bodyPr/>
+          <a:lstStyle/>
+          <a:p>
+            <a:fld id="{C4F09F00-B2EF-4E92-A50A-EB2934570B6C}" type="slidenum">
+              <a:rPr lang="ru-RU" sz="1800" smtClean="0">
+                <a:latin typeface="Times New Roman" panose="02020603050405020304" pitchFamily="18" charset="0"/>
+                <a:cs typeface="Times New Roman" panose="02020603050405020304" pitchFamily="18" charset="0"/>
+              </a:rPr>
+              <a:t>3</a:t>
+            </a:fld>
+            <a:endParaRPr lang="ru-RU" sz="1800" dirty="0">
+              <a:latin typeface="Times New Roman" panose="02020603050405020304" pitchFamily="18" charset="0"/>
+              <a:cs typeface="Times New Roman" panose="02020603050405020304" pitchFamily="18" charset="0"/>
+            </a:endParaRPr>
+          </a:p>
+        </p:txBody>
+      </p:sp>
+      <p:sp>
+        <p:nvSpPr>
+          <p:cNvPr id="7" name="AutoShape 8" descr="https://games.mail.ru/hotbox/content_files/gallery/1a/4f/invizimals_screenshot_589d1ea8.jpeg"/>
+          <p:cNvSpPr>
+            <a:spLocks noChangeAspect="1" noChangeArrowheads="1"/>
+          </p:cNvSpPr>
+          <p:nvPr/>
+        </p:nvSpPr>
+        <p:spPr bwMode="auto">
+          <a:xfrm>
+            <a:off x="155575" y="-144463"/>
+            <a:ext cx="304800" cy="304801"/>
+          </a:xfrm>
+          <a:prstGeom prst="rect">
+            <a:avLst/>
+          </a:prstGeom>
+          <a:noFill/>
+          <a:extLst>
+            <a:ext uri="{909E8E84-426E-40DD-AFC4-6F175D3DCCD1}">
+              <a14:hiddenFill xmlns:a14="http://schemas.microsoft.com/office/drawing/2010/main">
+                <a:solidFill>
+                  <a:srgbClr val="FFFFFF"/>
+                </a:solidFill>
+              </a14:hiddenFill>
+            </a:ext>
+          </a:extLst>
+        </p:spPr>
+        <p:txBody>
+          <a:bodyPr vert="horz" wrap="square" lIns="91440" tIns="45720" rIns="91440" bIns="45720" numCol="1" anchor="t" anchorCtr="0" compatLnSpc="1">
+            <a:prstTxWarp prst="textNoShape">
+              <a:avLst/>
+            </a:prstTxWarp>
+          </a:bodyPr>
+          <a:lstStyle/>
+          <a:p>
+            <a:endParaRPr lang="ru-RU"/>
+          </a:p>
+        </p:txBody>
+      </p:sp>
       <p:pic>
         <p:nvPicPr>
-          <p:cNvPr id="5" name="Объект 4"/>
+          <p:cNvPr id="9" name="Объект 8"/>
           <p:cNvPicPr>
             <a:picLocks noGrp="1" noChangeAspect="1"/>
           </p:cNvPicPr>
@@ -6193,79 +6381,11 @@
         </p:blipFill>
         <p:spPr>
           <a:xfrm>
-            <a:off x="3954163" y="1829787"/>
-            <a:ext cx="4349096" cy="4364854"/>
+            <a:off x="3918091" y="1795025"/>
+            <a:ext cx="4416777" cy="4432781"/>
           </a:xfrm>
         </p:spPr>
       </p:pic>
-      <p:sp>
-        <p:nvSpPr>
-          <p:cNvPr id="4" name="Номер слайда 3"/>
-          <p:cNvSpPr>
-            <a:spLocks noGrp="1"/>
-          </p:cNvSpPr>
-          <p:nvPr>
-            <p:ph type="sldNum" sz="quarter" idx="12"/>
-          </p:nvPr>
-        </p:nvSpPr>
-        <p:spPr/>
-        <p:txBody>
-          <a:bodyPr/>
-          <a:lstStyle/>
-          <a:p>
-            <a:fld id="{C4F09F00-B2EF-4E92-A50A-EB2934570B6C}" type="slidenum">
-              <a:rPr lang="ru-RU" sz="1800" smtClean="0">
-                <a:latin typeface="Times New Roman" panose="02020603050405020304" pitchFamily="18" charset="0"/>
-                <a:cs typeface="Times New Roman" panose="02020603050405020304" pitchFamily="18" charset="0"/>
-              </a:rPr>
-              <a:t>3</a:t>
-            </a:fld>
-            <a:endParaRPr lang="ru-RU" sz="1800" dirty="0">
-              <a:latin typeface="Times New Roman" panose="02020603050405020304" pitchFamily="18" charset="0"/>
-              <a:cs typeface="Times New Roman" panose="02020603050405020304" pitchFamily="18" charset="0"/>
-            </a:endParaRPr>
-          </a:p>
-        </p:txBody>
-      </p:sp>
-      <p:sp>
-        <p:nvSpPr>
-          <p:cNvPr id="7" name="AutoShape 8" descr="https://games.mail.ru/hotbox/content_files/gallery/1a/4f/invizimals_screenshot_589d1ea8.jpeg"/>
-          <p:cNvSpPr>
-            <a:spLocks noChangeAspect="1" noChangeArrowheads="1"/>
-          </p:cNvSpPr>
-          <p:nvPr/>
-        </p:nvSpPr>
-        <p:spPr bwMode="auto">
-          <a:xfrm>
-            <a:off x="155575" y="-144463"/>
-            <a:ext cx="304800" cy="304801"/>
-          </a:xfrm>
-          <a:prstGeom prst="rect">
-            <a:avLst/>
-          </a:prstGeom>
-          <a:noFill/>
-          <a:extLst>
-            <a:ext uri="{909E8E84-426E-40DD-AFC4-6F175D3DCCD1}">
-              <a14:hiddenFill xmlns:a14="http://schemas.microsoft.com/office/drawing/2010/main">
-                <a:solidFill>
-                  <a:srgbClr val="FFFFFF"/>
-                </a:solidFill>
-              </a14:hiddenFill>
-            </a:ext>
-          </a:extLst>
-        </p:spPr>
-        <p:txBody>
-          <a:bodyPr vert="horz" wrap="square" lIns="91440" tIns="45720" rIns="91440" bIns="45720" numCol="1" anchor="t" anchorCtr="0" compatLnSpc="1">
-            <a:prstTxWarp prst="textNoShape">
-              <a:avLst/>
-            </a:prstTxWarp>
-          </a:bodyPr>
-          <a:lstStyle/>
-          <a:p>
-            <a:endParaRPr lang="ru-RU"/>
-          </a:p>
-        </p:txBody>
-      </p:sp>
     </p:spTree>
     <p:extLst>
       <p:ext uri="{BB962C8B-B14F-4D97-AF65-F5344CB8AC3E}">
@@ -6449,18 +6569,20 @@
         </p:nvSpPr>
         <p:spPr/>
         <p:txBody>
-          <a:bodyPr/>
-          <a:lstStyle/>
-          <a:p>
-            <a:r>
-              <a:rPr lang="ru-RU" dirty="0">
-                <a:solidFill>
-                  <a:schemeClr val="tx1"/>
-                </a:solidFill>
-              </a:rPr>
-              <a:t>Обзор существующих СУБД</a:t>
-            </a:r>
-            <a:endParaRPr lang="ru-RU" dirty="0">
+          <a:bodyPr>
+            <a:normAutofit/>
+          </a:bodyPr>
+          <a:lstStyle/>
+          <a:p>
+            <a:r>
+              <a:rPr lang="ru-RU" sz="4400" dirty="0" smtClean="0">
+                <a:solidFill>
+                  <a:schemeClr val="tx1"/>
+                </a:solidFill>
+              </a:rPr>
+              <a:t>Классификация СУБД по модели данных</a:t>
+            </a:r>
+            <a:endParaRPr lang="ru-RU" sz="4400" dirty="0">
               <a:solidFill>
                 <a:schemeClr val="tx1"/>
               </a:solidFill>
@@ -6508,9 +6630,9 @@
             </a:r>
           </a:p>
           <a:p>
-            <a:pPr marL="726948" lvl="2" indent="-342900">
+            <a:pPr marL="1024128" lvl="3" indent="-457200">
               <a:buFont typeface="+mj-lt"/>
-              <a:buAutoNum type="arabicPeriod"/>
+              <a:buAutoNum type="arabicParenR"/>
             </a:pPr>
             <a:r>
               <a:rPr lang="ru-RU" sz="2000" dirty="0" smtClean="0">
@@ -6518,13 +6640,13 @@
                   <a:schemeClr val="tx1"/>
                 </a:solidFill>
               </a:rPr>
-              <a:t>Реляционные</a:t>
-            </a:r>
-          </a:p>
-          <a:p>
-            <a:pPr marL="726948" lvl="2" indent="-342900">
+              <a:t>Иерархические</a:t>
+            </a:r>
+          </a:p>
+          <a:p>
+            <a:pPr marL="909828" lvl="3" indent="-342900">
               <a:buFont typeface="+mj-lt"/>
-              <a:buAutoNum type="arabicPeriod"/>
+              <a:buAutoNum type="arabicParenR"/>
             </a:pPr>
             <a:r>
               <a:rPr lang="ru-RU" sz="2000" dirty="0" smtClean="0">
@@ -6532,7 +6654,7 @@
                   <a:schemeClr val="tx1"/>
                 </a:solidFill>
               </a:rPr>
-              <a:t>Постреляционные</a:t>
+              <a:t>  Сетевые</a:t>
             </a:r>
             <a:endParaRPr lang="ru-RU" sz="2000" dirty="0" smtClean="0">
               <a:solidFill>
@@ -6541,7 +6663,88 @@
             </a:endParaRPr>
           </a:p>
           <a:p>
-            <a:pPr lvl="1"/>
+            <a:pPr marL="726948" lvl="2" indent="-342900">
+              <a:buFont typeface="+mj-lt"/>
+              <a:buAutoNum type="arabicPeriod"/>
+            </a:pPr>
+            <a:r>
+              <a:rPr lang="ru-RU" sz="2000" dirty="0" smtClean="0">
+                <a:solidFill>
+                  <a:schemeClr val="tx1"/>
+                </a:solidFill>
+              </a:rPr>
+              <a:t>Реляционные</a:t>
+            </a:r>
+          </a:p>
+          <a:p>
+            <a:pPr marL="726948" lvl="2" indent="-342900">
+              <a:buFont typeface="+mj-lt"/>
+              <a:buAutoNum type="arabicPeriod"/>
+            </a:pPr>
+            <a:r>
+              <a:rPr lang="ru-RU" sz="2000" dirty="0" smtClean="0">
+                <a:solidFill>
+                  <a:schemeClr val="tx1"/>
+                </a:solidFill>
+              </a:rPr>
+              <a:t>Постреляционные</a:t>
+            </a:r>
+          </a:p>
+          <a:p>
+            <a:pPr marL="909828" lvl="3" indent="-342900">
+              <a:buFont typeface="+mj-lt"/>
+              <a:buAutoNum type="arabicParenR"/>
+            </a:pPr>
+            <a:r>
+              <a:rPr lang="ru-RU" sz="2000" dirty="0" smtClean="0">
+                <a:solidFill>
+                  <a:schemeClr val="tx1"/>
+                </a:solidFill>
+              </a:rPr>
+              <a:t>  Объектно-ориентированные</a:t>
+            </a:r>
+            <a:endParaRPr lang="ru-RU" sz="2000" dirty="0">
+              <a:solidFill>
+                <a:schemeClr val="tx1"/>
+              </a:solidFill>
+            </a:endParaRPr>
+          </a:p>
+          <a:p>
+            <a:pPr marL="1024128" lvl="3" indent="-457200">
+              <a:buFont typeface="+mj-lt"/>
+              <a:buAutoNum type="arabicParenR"/>
+            </a:pPr>
+            <a:r>
+              <a:rPr lang="ru-RU" sz="2000" dirty="0">
+                <a:solidFill>
+                  <a:schemeClr val="tx1"/>
+                </a:solidFill>
+              </a:rPr>
+              <a:t>Объектно-реляционные</a:t>
+            </a:r>
+          </a:p>
+          <a:p>
+            <a:pPr marL="566928" lvl="3" indent="0">
+              <a:buNone/>
+            </a:pPr>
+            <a:endParaRPr lang="ru-RU" sz="2000" dirty="0" smtClean="0">
+              <a:solidFill>
+                <a:schemeClr val="tx1"/>
+              </a:solidFill>
+            </a:endParaRPr>
+          </a:p>
+          <a:p>
+            <a:pPr marL="566928" lvl="3" indent="0">
+              <a:buNone/>
+            </a:pPr>
+            <a:r>
+              <a:rPr lang="ru-RU" sz="2000" dirty="0" smtClean="0">
+                <a:solidFill>
+                  <a:schemeClr val="tx1"/>
+                </a:solidFill>
+              </a:rPr>
+              <a:t>	</a:t>
+            </a:r>
             <a:endParaRPr lang="ru-RU" dirty="0" smtClean="0"/>
           </a:p>
           <a:p>
@@ -6960,20 +7163,12 @@
           <a:lstStyle/>
           <a:p>
             <a:r>
-              <a:rPr lang="en-US" dirty="0" smtClean="0">
-                <a:solidFill>
-                  <a:schemeClr val="tx1"/>
-                </a:solidFill>
-              </a:rPr>
-              <a:t>ER-</a:t>
-            </a:r>
-            <a:r>
               <a:rPr lang="ru-RU" dirty="0" smtClean="0">
                 <a:solidFill>
                   <a:schemeClr val="tx1"/>
                 </a:solidFill>
               </a:rPr>
-              <a:t>диаграмма сущностей БД</a:t>
+              <a:t>Схема БД</a:t>
             </a:r>
             <a:endParaRPr lang="ru-RU" dirty="0">
               <a:solidFill>
@@ -7294,8 +7489,204 @@
                   <a:schemeClr val="tx1"/>
                 </a:solidFill>
               </a:rPr>
-              <a:t>Хранимые функции для выборки</a:t>
-            </a:r>
+              <a:t>Хранимые функции для </a:t>
+            </a:r>
+            <a:r>
+              <a:rPr lang="ru-RU" dirty="0" smtClean="0">
+                <a:solidFill>
+                  <a:schemeClr val="tx1"/>
+                </a:solidFill>
+              </a:rPr>
+              <a:t>выборки</a:t>
+            </a:r>
+          </a:p>
+          <a:p>
+            <a:pPr lvl="2">
+              <a:buFont typeface="Arial" panose="020B0604020202020204" pitchFamily="34" charset="0"/>
+              <a:buChar char="•"/>
+            </a:pPr>
+            <a:r>
+              <a:rPr lang="en-US" dirty="0" err="1" smtClean="0">
+                <a:solidFill>
+                  <a:schemeClr val="tx1"/>
+                </a:solidFill>
+              </a:rPr>
+              <a:t>get_products_by_shopid</a:t>
+            </a:r>
+            <a:r>
+              <a:rPr lang="en-US" dirty="0" smtClean="0">
+                <a:solidFill>
+                  <a:schemeClr val="tx1"/>
+                </a:solidFill>
+              </a:rPr>
+              <a:t>(</a:t>
+            </a:r>
+            <a:r>
+              <a:rPr lang="en-US" dirty="0" err="1" smtClean="0">
+                <a:solidFill>
+                  <a:schemeClr val="tx1"/>
+                </a:solidFill>
+              </a:rPr>
+              <a:t>shop_id</a:t>
+            </a:r>
+            <a:r>
+              <a:rPr lang="en-US" dirty="0" smtClean="0">
+                <a:solidFill>
+                  <a:schemeClr val="tx1"/>
+                </a:solidFill>
+              </a:rPr>
+              <a:t>)</a:t>
+            </a:r>
+            <a:endParaRPr lang="en-US" dirty="0">
+              <a:solidFill>
+                <a:schemeClr val="tx1"/>
+              </a:solidFill>
+            </a:endParaRPr>
+          </a:p>
+          <a:p>
+            <a:pPr lvl="2">
+              <a:buFont typeface="Arial" panose="020B0604020202020204" pitchFamily="34" charset="0"/>
+              <a:buChar char="•"/>
+            </a:pPr>
+            <a:r>
+              <a:rPr lang="en-US" dirty="0" err="1" smtClean="0">
+                <a:solidFill>
+                  <a:schemeClr val="tx1"/>
+                </a:solidFill>
+              </a:rPr>
+              <a:t>get_coststory_by_shopid_prodid</a:t>
+            </a:r>
+            <a:r>
+              <a:rPr lang="en-US" dirty="0" smtClean="0">
+                <a:solidFill>
+                  <a:schemeClr val="tx1"/>
+                </a:solidFill>
+              </a:rPr>
+              <a:t>(</a:t>
+            </a:r>
+            <a:r>
+              <a:rPr lang="en-US" dirty="0" err="1" smtClean="0">
+                <a:solidFill>
+                  <a:schemeClr val="tx1"/>
+                </a:solidFill>
+              </a:rPr>
+              <a:t>shop_id</a:t>
+            </a:r>
+            <a:r>
+              <a:rPr lang="en-US" dirty="0" smtClean="0">
+                <a:solidFill>
+                  <a:schemeClr val="tx1"/>
+                </a:solidFill>
+              </a:rPr>
+              <a:t>, </a:t>
+            </a:r>
+            <a:r>
+              <a:rPr lang="en-US" dirty="0" err="1" smtClean="0">
+                <a:solidFill>
+                  <a:schemeClr val="tx1"/>
+                </a:solidFill>
+              </a:rPr>
+              <a:t>prod_id</a:t>
+            </a:r>
+            <a:r>
+              <a:rPr lang="en-US" dirty="0" smtClean="0">
+                <a:solidFill>
+                  <a:schemeClr val="tx1"/>
+                </a:solidFill>
+              </a:rPr>
+              <a:t>)</a:t>
+            </a:r>
+            <a:endParaRPr lang="en-US" dirty="0">
+              <a:solidFill>
+                <a:schemeClr val="tx1"/>
+              </a:solidFill>
+            </a:endParaRPr>
+          </a:p>
+          <a:p>
+            <a:pPr lvl="2">
+              <a:buFont typeface="Arial" panose="020B0604020202020204" pitchFamily="34" charset="0"/>
+              <a:buChar char="•"/>
+            </a:pPr>
+            <a:r>
+              <a:rPr lang="en-US" dirty="0" err="1" smtClean="0">
+                <a:solidFill>
+                  <a:schemeClr val="tx1"/>
+                </a:solidFill>
+              </a:rPr>
+              <a:t>get_salereceipts_by_shopid</a:t>
+            </a:r>
+            <a:r>
+              <a:rPr lang="en-US" dirty="0" smtClean="0">
+                <a:solidFill>
+                  <a:schemeClr val="tx1"/>
+                </a:solidFill>
+              </a:rPr>
+              <a:t>(</a:t>
+            </a:r>
+            <a:r>
+              <a:rPr lang="en-US" dirty="0" err="1" smtClean="0">
+                <a:solidFill>
+                  <a:schemeClr val="tx1"/>
+                </a:solidFill>
+              </a:rPr>
+              <a:t>shop_id</a:t>
+            </a:r>
+            <a:r>
+              <a:rPr lang="en-US" dirty="0" smtClean="0">
+                <a:solidFill>
+                  <a:schemeClr val="tx1"/>
+                </a:solidFill>
+              </a:rPr>
+              <a:t>)</a:t>
+            </a:r>
+            <a:endParaRPr lang="en-US" dirty="0">
+              <a:solidFill>
+                <a:schemeClr val="tx1"/>
+              </a:solidFill>
+            </a:endParaRPr>
+          </a:p>
+          <a:p>
+            <a:pPr lvl="2">
+              <a:buFont typeface="Arial" panose="020B0604020202020204" pitchFamily="34" charset="0"/>
+              <a:buChar char="•"/>
+            </a:pPr>
+            <a:r>
+              <a:rPr lang="en-US" dirty="0" err="1" smtClean="0">
+                <a:solidFill>
+                  <a:schemeClr val="tx1"/>
+                </a:solidFill>
+              </a:rPr>
+              <a:t>get_content_from_salereceipt</a:t>
+            </a:r>
+            <a:r>
+              <a:rPr lang="en-US" dirty="0" smtClean="0">
+                <a:solidFill>
+                  <a:schemeClr val="tx1"/>
+                </a:solidFill>
+              </a:rPr>
+              <a:t>(</a:t>
+            </a:r>
+            <a:r>
+              <a:rPr lang="en-US" dirty="0" err="1" smtClean="0">
+                <a:solidFill>
+                  <a:schemeClr val="tx1"/>
+                </a:solidFill>
+              </a:rPr>
+              <a:t>sr_id</a:t>
+            </a:r>
+            <a:r>
+              <a:rPr lang="en-US" dirty="0" smtClean="0">
+                <a:solidFill>
+                  <a:schemeClr val="tx1"/>
+                </a:solidFill>
+              </a:rPr>
+              <a:t>)</a:t>
+            </a:r>
+            <a:endParaRPr lang="ru-RU" dirty="0" smtClean="0">
+              <a:solidFill>
+                <a:schemeClr val="tx1"/>
+              </a:solidFill>
+            </a:endParaRPr>
           </a:p>
           <a:p>
             <a:pPr lvl="1">
@@ -7308,8 +7699,43 @@
                   <a:schemeClr val="tx1"/>
                 </a:solidFill>
               </a:rPr>
-              <a:t>Триггер для обновления истории цен</a:t>
-            </a:r>
+              <a:t>Триггер для обновления истории </a:t>
+            </a:r>
+            <a:r>
+              <a:rPr lang="ru-RU" dirty="0" smtClean="0">
+                <a:solidFill>
+                  <a:schemeClr val="tx1"/>
+                </a:solidFill>
+              </a:rPr>
+              <a:t>цен</a:t>
+            </a:r>
+          </a:p>
+          <a:p>
+            <a:pPr lvl="2">
+              <a:buFont typeface="Arial" panose="020B0604020202020204" pitchFamily="34" charset="0"/>
+              <a:buChar char="•"/>
+            </a:pPr>
+            <a:r>
+              <a:rPr lang="en-US" dirty="0" err="1">
+                <a:solidFill>
+                  <a:schemeClr val="tx1"/>
+                </a:solidFill>
+              </a:rPr>
+              <a:t>r</a:t>
+            </a:r>
+            <a:r>
+              <a:rPr lang="en-US" dirty="0" err="1" smtClean="0">
+                <a:solidFill>
+                  <a:schemeClr val="tx1"/>
+                </a:solidFill>
+              </a:rPr>
+              <a:t>emove_too_old_coststory</a:t>
+            </a:r>
+            <a:endParaRPr lang="ru-RU" dirty="0" smtClean="0">
+              <a:solidFill>
+                <a:schemeClr val="tx1"/>
+              </a:solidFill>
+            </a:endParaRPr>
           </a:p>
         </p:txBody>
       </p:sp>

--- a/docs/Presentation.pptx
+++ b/docs/Presentation.pptx
@@ -5,7 +5,7 @@
     <p:sldMasterId id="2147483677" r:id="rId1"/>
   </p:sldMasterIdLst>
   <p:notesMasterIdLst>
-    <p:notesMasterId r:id="rId17"/>
+    <p:notesMasterId r:id="rId19"/>
   </p:notesMasterIdLst>
   <p:sldIdLst>
     <p:sldId id="256" r:id="rId2"/>
@@ -15,14 +15,16 @@
     <p:sldId id="272" r:id="rId6"/>
     <p:sldId id="273" r:id="rId7"/>
     <p:sldId id="282" r:id="rId8"/>
-    <p:sldId id="274" r:id="rId9"/>
-    <p:sldId id="281" r:id="rId10"/>
-    <p:sldId id="277" r:id="rId11"/>
-    <p:sldId id="284" r:id="rId12"/>
-    <p:sldId id="283" r:id="rId13"/>
-    <p:sldId id="279" r:id="rId14"/>
-    <p:sldId id="268" r:id="rId15"/>
-    <p:sldId id="280" r:id="rId16"/>
+    <p:sldId id="281" r:id="rId9"/>
+    <p:sldId id="286" r:id="rId10"/>
+    <p:sldId id="274" r:id="rId11"/>
+    <p:sldId id="285" r:id="rId12"/>
+    <p:sldId id="277" r:id="rId13"/>
+    <p:sldId id="284" r:id="rId14"/>
+    <p:sldId id="283" r:id="rId15"/>
+    <p:sldId id="279" r:id="rId16"/>
+    <p:sldId id="268" r:id="rId17"/>
+    <p:sldId id="280" r:id="rId18"/>
   </p:sldIdLst>
   <p:sldSz cx="12192000" cy="6858000"/>
   <p:notesSz cx="6858000" cy="9144000"/>
@@ -211,7 +213,7 @@
           <a:p>
             <a:fld id="{6E6D9DCE-A04C-4D8C-8931-135BCE43B3A4}" type="datetimeFigureOut">
               <a:rPr lang="ru-RU" smtClean="0"/>
-              <a:t>05.06.2022</a:t>
+              <a:t>07.06.2022</a:t>
             </a:fld>
             <a:endParaRPr lang="ru-RU"/>
           </a:p>
@@ -789,7 +791,7 @@
           <a:p>
             <a:fld id="{03C8B24E-9072-4A63-9CF3-2091FBEE0926}" type="datetime1">
               <a:rPr lang="ru-RU" smtClean="0"/>
-              <a:t>05.06.2022</a:t>
+              <a:t>07.06.2022</a:t>
             </a:fld>
             <a:endParaRPr lang="ru-RU"/>
           </a:p>
@@ -997,7 +999,7 @@
           <a:p>
             <a:fld id="{A2DF9016-3B0A-48DB-AA68-59A340F15C97}" type="datetime1">
               <a:rPr lang="ru-RU" smtClean="0"/>
-              <a:t>05.06.2022</a:t>
+              <a:t>07.06.2022</a:t>
             </a:fld>
             <a:endParaRPr lang="ru-RU"/>
           </a:p>
@@ -1253,7 +1255,7 @@
           <a:p>
             <a:fld id="{ED610CF0-5587-4445-8FAA-D1C14AACBF04}" type="datetime1">
               <a:rPr lang="ru-RU" smtClean="0"/>
-              <a:t>05.06.2022</a:t>
+              <a:t>07.06.2022</a:t>
             </a:fld>
             <a:endParaRPr lang="ru-RU"/>
           </a:p>
@@ -1427,7 +1429,7 @@
           <a:p>
             <a:fld id="{7D08D0F9-4486-4C0D-A4C3-9DF41EB36BAE}" type="datetime1">
               <a:rPr lang="ru-RU" smtClean="0"/>
-              <a:t>05.06.2022</a:t>
+              <a:t>07.06.2022</a:t>
             </a:fld>
             <a:endParaRPr lang="ru-RU"/>
           </a:p>
@@ -1770,7 +1772,7 @@
           <a:p>
             <a:fld id="{DCBAD543-8B65-47C4-9868-AF907E0250FD}" type="datetime1">
               <a:rPr lang="ru-RU" smtClean="0"/>
-              <a:t>05.06.2022</a:t>
+              <a:t>07.06.2022</a:t>
             </a:fld>
             <a:endParaRPr lang="ru-RU"/>
           </a:p>
@@ -2045,7 +2047,7 @@
           <a:p>
             <a:fld id="{D011704B-73F3-4C9F-8E51-784348AA7A81}" type="datetime1">
               <a:rPr lang="ru-RU" smtClean="0"/>
-              <a:t>05.06.2022</a:t>
+              <a:t>07.06.2022</a:t>
             </a:fld>
             <a:endParaRPr lang="ru-RU"/>
           </a:p>
@@ -2424,7 +2426,7 @@
           <a:p>
             <a:fld id="{0ECF71ED-13A9-4254-AC52-66FE8A8F1C23}" type="datetime1">
               <a:rPr lang="ru-RU" smtClean="0"/>
-              <a:t>05.06.2022</a:t>
+              <a:t>07.06.2022</a:t>
             </a:fld>
             <a:endParaRPr lang="ru-RU"/>
           </a:p>
@@ -2542,7 +2544,7 @@
           <a:p>
             <a:fld id="{D4D53A68-8569-454A-A05A-DDDF27B07A9D}" type="datetime1">
               <a:rPr lang="ru-RU" smtClean="0"/>
-              <a:t>05.06.2022</a:t>
+              <a:t>07.06.2022</a:t>
             </a:fld>
             <a:endParaRPr lang="ru-RU"/>
           </a:p>
@@ -2713,7 +2715,7 @@
           <a:p>
             <a:fld id="{DEBD3B65-C67D-4788-8DD4-B5879859E161}" type="datetime1">
               <a:rPr lang="ru-RU" smtClean="0"/>
-              <a:t>05.06.2022</a:t>
+              <a:t>07.06.2022</a:t>
             </a:fld>
             <a:endParaRPr lang="ru-RU"/>
           </a:p>
@@ -3067,7 +3069,7 @@
           <a:p>
             <a:fld id="{A7D08EAE-43AF-44C1-A7D9-E10A9ACFDA1E}" type="datetime1">
               <a:rPr lang="ru-RU" smtClean="0"/>
-              <a:t>05.06.2022</a:t>
+              <a:t>07.06.2022</a:t>
             </a:fld>
             <a:endParaRPr lang="ru-RU"/>
           </a:p>
@@ -3449,7 +3451,7 @@
           <a:p>
             <a:fld id="{4AC49E42-2C28-4AEE-A493-6691E23865B3}" type="datetime1">
               <a:rPr lang="ru-RU" smtClean="0"/>
-              <a:t>05.06.2022</a:t>
+              <a:t>07.06.2022</a:t>
             </a:fld>
             <a:endParaRPr lang="ru-RU"/>
           </a:p>
@@ -3736,7 +3738,7 @@
           <a:p>
             <a:fld id="{E56321EE-D23F-4780-B318-01CDAA890F27}" type="datetime1">
               <a:rPr lang="ru-RU" smtClean="0"/>
-              <a:t>05.06.2022</a:t>
+              <a:t>07.06.2022</a:t>
             </a:fld>
             <a:endParaRPr lang="ru-RU"/>
           </a:p>
@@ -4840,61 +4842,22 @@
         </p:nvSpPr>
         <p:spPr/>
         <p:txBody>
-          <a:bodyPr>
-            <a:normAutofit/>
-          </a:bodyPr>
-          <a:lstStyle/>
-          <a:p>
-            <a:r>
-              <a:rPr lang="ru-RU" sz="4000" dirty="0" smtClean="0">
-                <a:solidFill>
-                  <a:schemeClr val="tx1"/>
-                </a:solidFill>
-              </a:rPr>
-              <a:t>Интерфейс </a:t>
-            </a:r>
-            <a:r>
-              <a:rPr lang="ru-RU" sz="4000" dirty="0" smtClean="0">
-                <a:solidFill>
-                  <a:schemeClr val="tx1"/>
-                </a:solidFill>
-              </a:rPr>
-              <a:t>программы в режиме пользователя</a:t>
-            </a:r>
-            <a:endParaRPr lang="ru-RU" sz="4000" dirty="0">
+          <a:bodyPr/>
+          <a:lstStyle/>
+          <a:p>
+            <a:r>
+              <a:rPr lang="ru-RU" dirty="0" smtClean="0">
+                <a:solidFill>
+                  <a:schemeClr val="tx1"/>
+                </a:solidFill>
+              </a:rPr>
+              <a:t>Сравнение существующих СУБД</a:t>
+            </a:r>
+            <a:endParaRPr lang="ru-RU" dirty="0">
               <a:solidFill>
                 <a:schemeClr val="tx1"/>
               </a:solidFill>
             </a:endParaRPr>
-          </a:p>
-        </p:txBody>
-      </p:sp>
-      <p:sp>
-        <p:nvSpPr>
-          <p:cNvPr id="3" name="Объект 2"/>
-          <p:cNvSpPr>
-            <a:spLocks noGrp="1"/>
-          </p:cNvSpPr>
-          <p:nvPr>
-            <p:ph idx="1"/>
-          </p:nvPr>
-        </p:nvSpPr>
-        <p:spPr/>
-        <p:txBody>
-          <a:bodyPr rIns="3600000">
-            <a:normAutofit/>
-          </a:bodyPr>
-          <a:lstStyle/>
-          <a:p>
-            <a:pPr lvl="1"/>
-            <a:endParaRPr lang="ru-RU" sz="2000" dirty="0">
-              <a:solidFill>
-                <a:schemeClr val="tx1"/>
-              </a:solidFill>
-            </a:endParaRPr>
-          </a:p>
-          <a:p>
-            <a:endParaRPr lang="ru-RU" dirty="0"/>
           </a:p>
         </p:txBody>
       </p:sp>
@@ -4929,52 +4892,32 @@
       </p:sp>
       <p:pic>
         <p:nvPicPr>
-          <p:cNvPr id="6" name="Рисунок 5"/>
+          <p:cNvPr id="3" name="Рисунок 2"/>
           <p:cNvPicPr>
             <a:picLocks noChangeAspect="1"/>
           </p:cNvPicPr>
           <p:nvPr/>
         </p:nvPicPr>
         <p:blipFill>
-          <a:blip r:embed="rId2" cstate="print">
-            <a:extLst>
-              <a:ext uri="{28A0092B-C50C-407E-A947-70E740481C1C}">
-                <a14:useLocalDpi xmlns:a14="http://schemas.microsoft.com/office/drawing/2010/main" val="0"/>
-              </a:ext>
-            </a:extLst>
-          </a:blip>
+          <a:blip r:embed="rId2"/>
           <a:stretch>
             <a:fillRect/>
           </a:stretch>
         </p:blipFill>
         <p:spPr>
           <a:xfrm>
-            <a:off x="2250577" y="1965544"/>
-            <a:ext cx="7751806" cy="4198895"/>
+            <a:off x="2954655" y="2507262"/>
+            <a:ext cx="6343650" cy="1876425"/>
           </a:xfrm>
           <a:prstGeom prst="rect">
             <a:avLst/>
           </a:prstGeom>
-          <a:ln w="38100" cap="sq">
-            <a:solidFill>
-              <a:srgbClr val="000000"/>
-            </a:solidFill>
-            <a:prstDash val="solid"/>
-            <a:miter lim="800000"/>
-          </a:ln>
-          <a:effectLst>
-            <a:outerShdw blurRad="50800" dist="38100" dir="2700000" algn="tl" rotWithShape="0">
-              <a:srgbClr val="000000">
-                <a:alpha val="43000"/>
-              </a:srgbClr>
-            </a:outerShdw>
-          </a:effectLst>
         </p:spPr>
       </p:pic>
     </p:spTree>
     <p:extLst>
       <p:ext uri="{BB962C8B-B14F-4D97-AF65-F5344CB8AC3E}">
-        <p14:creationId xmlns:p14="http://schemas.microsoft.com/office/powerpoint/2010/main" val="2313457748"/>
+        <p14:creationId xmlns:p14="http://schemas.microsoft.com/office/powerpoint/2010/main" val="4077157964"/>
       </p:ext>
     </p:extLst>
   </p:cSld>
@@ -5020,28 +4963,18 @@
         </p:nvSpPr>
         <p:spPr/>
         <p:txBody>
-          <a:bodyPr>
-            <a:normAutofit/>
-          </a:bodyPr>
-          <a:lstStyle/>
-          <a:p>
-            <a:r>
-              <a:rPr lang="ru-RU" sz="4000" dirty="0" smtClean="0">
-                <a:solidFill>
-                  <a:schemeClr val="tx1"/>
-                </a:solidFill>
-              </a:rPr>
-              <a:t>Интерфейс </a:t>
-            </a:r>
-            <a:r>
-              <a:rPr lang="ru-RU" sz="4000" dirty="0" smtClean="0">
-                <a:solidFill>
-                  <a:schemeClr val="tx1"/>
-                </a:solidFill>
-              </a:rPr>
-              <a:t>программы в режиме аналитика</a:t>
-            </a:r>
-            <a:endParaRPr lang="ru-RU" sz="4000" dirty="0">
+          <a:bodyPr/>
+          <a:lstStyle/>
+          <a:p>
+            <a:r>
+              <a:rPr lang="ru-RU" dirty="0" smtClean="0">
+                <a:solidFill>
+                  <a:schemeClr val="tx1"/>
+                </a:solidFill>
+              </a:rPr>
+              <a:t>Состав классов ПО</a:t>
+            </a:r>
+            <a:endParaRPr lang="ru-RU" dirty="0">
               <a:solidFill>
                 <a:schemeClr val="tx1"/>
               </a:solidFill>
@@ -5049,74 +4982,18 @@
           </a:p>
         </p:txBody>
       </p:sp>
-      <p:sp>
-        <p:nvSpPr>
-          <p:cNvPr id="3" name="Объект 2"/>
-          <p:cNvSpPr>
-            <a:spLocks noGrp="1"/>
-          </p:cNvSpPr>
-          <p:nvPr>
-            <p:ph idx="1"/>
-          </p:nvPr>
-        </p:nvSpPr>
-        <p:spPr/>
-        <p:txBody>
-          <a:bodyPr rIns="3600000">
-            <a:normAutofit/>
-          </a:bodyPr>
-          <a:lstStyle/>
-          <a:p>
-            <a:pPr lvl="1"/>
-            <a:endParaRPr lang="ru-RU" sz="2000" dirty="0">
-              <a:solidFill>
-                <a:schemeClr val="tx1"/>
-              </a:solidFill>
-            </a:endParaRPr>
-          </a:p>
-          <a:p>
-            <a:endParaRPr lang="ru-RU" dirty="0"/>
-          </a:p>
-        </p:txBody>
-      </p:sp>
-      <p:sp>
-        <p:nvSpPr>
-          <p:cNvPr id="4" name="Номер слайда 3"/>
-          <p:cNvSpPr>
-            <a:spLocks noGrp="1"/>
-          </p:cNvSpPr>
-          <p:nvPr>
-            <p:ph type="sldNum" sz="quarter" idx="12"/>
-          </p:nvPr>
-        </p:nvSpPr>
-        <p:spPr/>
-        <p:txBody>
-          <a:bodyPr/>
-          <a:lstStyle/>
-          <a:p>
-            <a:fld id="{C4F09F00-B2EF-4E92-A50A-EB2934570B6C}" type="slidenum">
-              <a:rPr lang="ru-RU" sz="1800" smtClean="0">
-                <a:latin typeface="Times New Roman" panose="02020603050405020304" pitchFamily="18" charset="0"/>
-                <a:cs typeface="Times New Roman" panose="02020603050405020304" pitchFamily="18" charset="0"/>
-              </a:rPr>
-              <a:t>11</a:t>
-            </a:fld>
-            <a:endParaRPr lang="ru-RU" sz="1800" dirty="0">
-              <a:latin typeface="Times New Roman" panose="02020603050405020304" pitchFamily="18" charset="0"/>
-              <a:cs typeface="Times New Roman" panose="02020603050405020304" pitchFamily="18" charset="0"/>
-            </a:endParaRPr>
-          </a:p>
-        </p:txBody>
-      </p:sp>
       <p:pic>
         <p:nvPicPr>
-          <p:cNvPr id="5" name="Рисунок 4"/>
+          <p:cNvPr id="5" name="Объект 4"/>
           <p:cNvPicPr>
-            <a:picLocks noChangeAspect="1"/>
+            <a:picLocks noGrp="1" noChangeAspect="1"/>
           </p:cNvPicPr>
-          <p:nvPr/>
+          <p:nvPr>
+            <p:ph idx="1"/>
+          </p:nvPr>
         </p:nvPicPr>
         <p:blipFill>
-          <a:blip r:embed="rId2" cstate="print">
+          <a:blip r:embed="rId2">
             <a:extLst>
               <a:ext uri="{28A0092B-C50C-407E-A947-70E740481C1C}">
                 <a14:useLocalDpi xmlns:a14="http://schemas.microsoft.com/office/drawing/2010/main" val="0"/>
@@ -5129,8 +5006,119 @@
         </p:blipFill>
         <p:spPr>
           <a:xfrm>
-            <a:off x="2402027" y="1942644"/>
-            <a:ext cx="7448906" cy="4034824"/>
+            <a:off x="5907315" y="3997540"/>
+            <a:ext cx="5305168" cy="2081909"/>
+          </a:xfrm>
+          <a:prstGeom prst="rect">
+            <a:avLst/>
+          </a:prstGeom>
+          <a:ln w="38100" cap="sq">
+            <a:solidFill>
+              <a:srgbClr val="000000"/>
+            </a:solidFill>
+            <a:prstDash val="solid"/>
+            <a:miter lim="800000"/>
+          </a:ln>
+          <a:effectLst>
+            <a:outerShdw blurRad="50800" dist="38100" dir="2700000" algn="tl" rotWithShape="0">
+              <a:srgbClr val="000000">
+                <a:alpha val="43000"/>
+              </a:srgbClr>
+            </a:outerShdw>
+          </a:effectLst>
+        </p:spPr>
+      </p:pic>
+      <p:sp>
+        <p:nvSpPr>
+          <p:cNvPr id="4" name="Номер слайда 3"/>
+          <p:cNvSpPr>
+            <a:spLocks noGrp="1"/>
+          </p:cNvSpPr>
+          <p:nvPr>
+            <p:ph type="sldNum" sz="quarter" idx="12"/>
+          </p:nvPr>
+        </p:nvSpPr>
+        <p:spPr/>
+        <p:txBody>
+          <a:bodyPr/>
+          <a:lstStyle/>
+          <a:p>
+            <a:fld id="{C4F09F00-B2EF-4E92-A50A-EB2934570B6C}" type="slidenum">
+              <a:rPr lang="ru-RU" smtClean="0"/>
+              <a:t>11</a:t>
+            </a:fld>
+            <a:endParaRPr lang="ru-RU"/>
+          </a:p>
+        </p:txBody>
+      </p:sp>
+      <p:pic>
+        <p:nvPicPr>
+          <p:cNvPr id="6" name="Рисунок 5"/>
+          <p:cNvPicPr>
+            <a:picLocks noChangeAspect="1"/>
+          </p:cNvPicPr>
+          <p:nvPr/>
+        </p:nvPicPr>
+        <p:blipFill>
+          <a:blip r:embed="rId3">
+            <a:extLst>
+              <a:ext uri="{28A0092B-C50C-407E-A947-70E740481C1C}">
+                <a14:useLocalDpi xmlns:a14="http://schemas.microsoft.com/office/drawing/2010/main" val="0"/>
+              </a:ext>
+            </a:extLst>
+          </a:blip>
+          <a:stretch>
+            <a:fillRect/>
+          </a:stretch>
+        </p:blipFill>
+        <p:spPr>
+          <a:xfrm>
+            <a:off x="5907315" y="2209019"/>
+            <a:ext cx="5713841" cy="1598353"/>
+          </a:xfrm>
+          <a:prstGeom prst="rect">
+            <a:avLst/>
+          </a:prstGeom>
+          <a:ln w="38100" cap="sq">
+            <a:solidFill>
+              <a:srgbClr val="000000"/>
+            </a:solidFill>
+            <a:prstDash val="solid"/>
+            <a:miter lim="800000"/>
+          </a:ln>
+          <a:effectLst>
+            <a:outerShdw blurRad="50800" dist="38100" dir="2700000" algn="tl" rotWithShape="0">
+              <a:srgbClr val="000000">
+                <a:alpha val="43000"/>
+              </a:srgbClr>
+            </a:outerShdw>
+          </a:effectLst>
+        </p:spPr>
+      </p:pic>
+      <p:pic>
+        <p:nvPicPr>
+          <p:cNvPr id="7" name="Рисунок 6"/>
+          <p:cNvPicPr>
+            <a:picLocks noChangeAspect="1"/>
+          </p:cNvPicPr>
+          <p:nvPr/>
+        </p:nvPicPr>
+        <p:blipFill>
+          <a:blip r:embed="rId4">
+            <a:extLst>
+              <a:ext uri="{28A0092B-C50C-407E-A947-70E740481C1C}">
+                <a14:useLocalDpi xmlns:a14="http://schemas.microsoft.com/office/drawing/2010/main" val="0"/>
+              </a:ext>
+            </a:extLst>
+          </a:blip>
+          <a:stretch>
+            <a:fillRect/>
+          </a:stretch>
+        </p:blipFill>
+        <p:spPr>
+          <a:xfrm>
+            <a:off x="321251" y="2400115"/>
+            <a:ext cx="5177391" cy="2975147"/>
           </a:xfrm>
           <a:prstGeom prst="rect">
             <a:avLst/>
@@ -5154,7 +5142,7 @@
     </p:spTree>
     <p:extLst>
       <p:ext uri="{BB962C8B-B14F-4D97-AF65-F5344CB8AC3E}">
-        <p14:creationId xmlns:p14="http://schemas.microsoft.com/office/powerpoint/2010/main" val="412553635"/>
+        <p14:creationId xmlns:p14="http://schemas.microsoft.com/office/powerpoint/2010/main" val="3453185520"/>
       </p:ext>
     </p:extLst>
   </p:cSld>
@@ -5206,22 +5194,14 @@
           <a:lstStyle/>
           <a:p>
             <a:r>
-              <a:rPr lang="ru-RU" sz="3700" dirty="0" smtClean="0">
-                <a:solidFill>
-                  <a:schemeClr val="tx1"/>
-                </a:solidFill>
-              </a:rPr>
-              <a:t>Интерфейс </a:t>
-            </a:r>
-            <a:r>
-              <a:rPr lang="ru-RU" sz="3700" dirty="0" smtClean="0">
-                <a:solidFill>
-                  <a:schemeClr val="tx1"/>
-                </a:solidFill>
-              </a:rPr>
-              <a:t>программы в режиме администратора</a:t>
-            </a:r>
-            <a:endParaRPr lang="ru-RU" sz="3700" dirty="0">
+              <a:rPr lang="ru-RU" sz="4000" dirty="0" smtClean="0">
+                <a:solidFill>
+                  <a:schemeClr val="tx1"/>
+                </a:solidFill>
+              </a:rPr>
+              <a:t>Интерфейс программы в режиме пользователя</a:t>
+            </a:r>
+            <a:endParaRPr lang="ru-RU" sz="4000" dirty="0">
               <a:solidFill>
                 <a:schemeClr val="tx1"/>
               </a:solidFill>
@@ -5296,7 +5276,7 @@
           <p:nvPr/>
         </p:nvPicPr>
         <p:blipFill>
-          <a:blip r:embed="rId2" cstate="print">
+          <a:blip r:embed="rId2">
             <a:extLst>
               <a:ext uri="{28A0092B-C50C-407E-A947-70E740481C1C}">
                 <a14:useLocalDpi xmlns:a14="http://schemas.microsoft.com/office/drawing/2010/main" val="0"/>
@@ -5309,32 +5289,18 @@
         </p:blipFill>
         <p:spPr>
           <a:xfrm>
-            <a:off x="2402977" y="1943674"/>
-            <a:ext cx="7447005" cy="4033794"/>
+            <a:off x="2012391" y="1845734"/>
+            <a:ext cx="8228177" cy="4456929"/>
           </a:xfrm>
           <a:prstGeom prst="rect">
             <a:avLst/>
           </a:prstGeom>
-          <a:ln w="38100" cap="sq">
-            <a:solidFill>
-              <a:srgbClr val="000000"/>
-            </a:solidFill>
-            <a:prstDash val="solid"/>
-            <a:miter lim="800000"/>
-          </a:ln>
-          <a:effectLst>
-            <a:outerShdw blurRad="50800" dist="38100" dir="2700000" algn="tl" rotWithShape="0">
-              <a:srgbClr val="000000">
-                <a:alpha val="43000"/>
-              </a:srgbClr>
-            </a:outerShdw>
-          </a:effectLst>
         </p:spPr>
       </p:pic>
     </p:spTree>
     <p:extLst>
       <p:ext uri="{BB962C8B-B14F-4D97-AF65-F5344CB8AC3E}">
-        <p14:creationId xmlns:p14="http://schemas.microsoft.com/office/powerpoint/2010/main" val="1937649250"/>
+        <p14:creationId xmlns:p14="http://schemas.microsoft.com/office/powerpoint/2010/main" val="2313457748"/>
       </p:ext>
     </p:extLst>
   </p:cSld>
@@ -5380,18 +5346,20 @@
         </p:nvSpPr>
         <p:spPr/>
         <p:txBody>
-          <a:bodyPr/>
-          <a:lstStyle/>
-          <a:p>
-            <a:r>
-              <a:rPr lang="ru-RU" dirty="0" smtClean="0">
-                <a:solidFill>
-                  <a:schemeClr val="tx1"/>
-                </a:solidFill>
-              </a:rPr>
-              <a:t>Результаты исследований</a:t>
-            </a:r>
-            <a:endParaRPr lang="ru-RU" dirty="0">
+          <a:bodyPr>
+            <a:normAutofit/>
+          </a:bodyPr>
+          <a:lstStyle/>
+          <a:p>
+            <a:r>
+              <a:rPr lang="ru-RU" sz="4000" dirty="0" smtClean="0">
+                <a:solidFill>
+                  <a:schemeClr val="tx1"/>
+                </a:solidFill>
+              </a:rPr>
+              <a:t>Интерфейс программы в режиме аналитика</a:t>
+            </a:r>
+            <a:endParaRPr lang="ru-RU" sz="4000" dirty="0">
               <a:solidFill>
                 <a:schemeClr val="tx1"/>
               </a:solidFill>
@@ -5401,7 +5369,36 @@
       </p:sp>
       <p:sp>
         <p:nvSpPr>
-          <p:cNvPr id="5" name="Номер слайда 4"/>
+          <p:cNvPr id="3" name="Объект 2"/>
+          <p:cNvSpPr>
+            <a:spLocks noGrp="1"/>
+          </p:cNvSpPr>
+          <p:nvPr>
+            <p:ph idx="1"/>
+          </p:nvPr>
+        </p:nvSpPr>
+        <p:spPr/>
+        <p:txBody>
+          <a:bodyPr rIns="3600000">
+            <a:normAutofit/>
+          </a:bodyPr>
+          <a:lstStyle/>
+          <a:p>
+            <a:pPr lvl="1"/>
+            <a:endParaRPr lang="ru-RU" sz="2000" dirty="0">
+              <a:solidFill>
+                <a:schemeClr val="tx1"/>
+              </a:solidFill>
+            </a:endParaRPr>
+          </a:p>
+          <a:p>
+            <a:endParaRPr lang="ru-RU" dirty="0"/>
+          </a:p>
+        </p:txBody>
+      </p:sp>
+      <p:sp>
+        <p:nvSpPr>
+          <p:cNvPr id="4" name="Номер слайда 3"/>
           <p:cNvSpPr>
             <a:spLocks noGrp="1"/>
           </p:cNvSpPr>
@@ -5421,7 +5418,7 @@
               </a:rPr>
               <a:t>13</a:t>
             </a:fld>
-            <a:endParaRPr lang="ru-RU" dirty="0">
+            <a:endParaRPr lang="ru-RU" sz="1800" dirty="0">
               <a:latin typeface="Times New Roman" panose="02020603050405020304" pitchFamily="18" charset="0"/>
               <a:cs typeface="Times New Roman" panose="02020603050405020304" pitchFamily="18" charset="0"/>
             </a:endParaRPr>
@@ -5430,13 +5427,11 @@
       </p:sp>
       <p:pic>
         <p:nvPicPr>
-          <p:cNvPr id="4" name="Объект 3"/>
+          <p:cNvPr id="6" name="Рисунок 5"/>
           <p:cNvPicPr>
-            <a:picLocks noGrp="1" noChangeAspect="1"/>
+            <a:picLocks noChangeAspect="1"/>
           </p:cNvPicPr>
-          <p:nvPr>
-            <p:ph idx="1"/>
-          </p:nvPr>
+          <p:nvPr/>
         </p:nvPicPr>
         <p:blipFill>
           <a:blip r:embed="rId2">
@@ -5452,15 +5447,18 @@
         </p:blipFill>
         <p:spPr>
           <a:xfrm>
-            <a:off x="2329556" y="1821550"/>
-            <a:ext cx="7593848" cy="4022725"/>
+            <a:off x="2120672" y="1845734"/>
+            <a:ext cx="8011615" cy="4339625"/>
           </a:xfrm>
+          <a:prstGeom prst="rect">
+            <a:avLst/>
+          </a:prstGeom>
         </p:spPr>
       </p:pic>
     </p:spTree>
     <p:extLst>
       <p:ext uri="{BB962C8B-B14F-4D97-AF65-F5344CB8AC3E}">
-        <p14:creationId xmlns:p14="http://schemas.microsoft.com/office/powerpoint/2010/main" val="2763502521"/>
+        <p14:creationId xmlns:p14="http://schemas.microsoft.com/office/powerpoint/2010/main" val="412553635"/>
       </p:ext>
     </p:extLst>
   </p:cSld>
@@ -5506,18 +5504,20 @@
         </p:nvSpPr>
         <p:spPr/>
         <p:txBody>
-          <a:bodyPr/>
-          <a:lstStyle/>
-          <a:p>
-            <a:r>
-              <a:rPr lang="ru-RU" dirty="0" smtClean="0">
-                <a:solidFill>
-                  <a:schemeClr val="tx1"/>
-                </a:solidFill>
-              </a:rPr>
-              <a:t>Заключение</a:t>
-            </a:r>
-            <a:endParaRPr lang="ru-RU" dirty="0">
+          <a:bodyPr>
+            <a:normAutofit/>
+          </a:bodyPr>
+          <a:lstStyle/>
+          <a:p>
+            <a:r>
+              <a:rPr lang="ru-RU" sz="3700" dirty="0" smtClean="0">
+                <a:solidFill>
+                  <a:schemeClr val="tx1"/>
+                </a:solidFill>
+              </a:rPr>
+              <a:t>Интерфейс программы в режиме администратора</a:t>
+            </a:r>
+            <a:endParaRPr lang="ru-RU" sz="3700" dirty="0">
               <a:solidFill>
                 <a:schemeClr val="tx1"/>
               </a:solidFill>
@@ -5537,115 +5537,20 @@
         </p:nvSpPr>
         <p:spPr/>
         <p:txBody>
-          <a:bodyPr/>
-          <a:lstStyle/>
-          <a:p>
-            <a:pPr lvl="1" algn="just">
-              <a:buFont typeface="Arial" panose="020B0604020202020204" pitchFamily="34" charset="0"/>
-              <a:buChar char="•"/>
-            </a:pPr>
-            <a:r>
-              <a:rPr lang="ru-RU" dirty="0">
-                <a:solidFill>
-                  <a:schemeClr val="tx1"/>
-                </a:solidFill>
-              </a:rPr>
-              <a:t>Б</a:t>
-            </a:r>
-            <a:r>
-              <a:rPr lang="ru-RU" dirty="0" smtClean="0">
-                <a:solidFill>
-                  <a:schemeClr val="tx1"/>
-                </a:solidFill>
-              </a:rPr>
-              <a:t>ыл </a:t>
-            </a:r>
-            <a:r>
-              <a:rPr lang="ru-RU" dirty="0">
-                <a:solidFill>
-                  <a:schemeClr val="tx1"/>
-                </a:solidFill>
-              </a:rPr>
-              <a:t>проведен анализ предметной области, описана ролевая модель, рассмотрены существующие СУБД и методы построения линии </a:t>
-            </a:r>
-            <a:r>
-              <a:rPr lang="ru-RU" dirty="0" smtClean="0">
-                <a:solidFill>
-                  <a:schemeClr val="tx1"/>
-                </a:solidFill>
-              </a:rPr>
-              <a:t>тренда.</a:t>
-            </a:r>
-            <a:endParaRPr lang="en-US" dirty="0" smtClean="0">
+          <a:bodyPr rIns="3600000">
+            <a:normAutofit/>
+          </a:bodyPr>
+          <a:lstStyle/>
+          <a:p>
+            <a:pPr lvl="1"/>
+            <a:endParaRPr lang="ru-RU" sz="2000" dirty="0">
               <a:solidFill>
                 <a:schemeClr val="tx1"/>
               </a:solidFill>
             </a:endParaRPr>
           </a:p>
           <a:p>
-            <a:pPr lvl="1" algn="just">
-              <a:buFont typeface="Arial" panose="020B0604020202020204" pitchFamily="34" charset="0"/>
-              <a:buChar char="•"/>
-            </a:pPr>
-            <a:r>
-              <a:rPr lang="ru-RU" dirty="0" smtClean="0">
-                <a:solidFill>
-                  <a:schemeClr val="tx1"/>
-                </a:solidFill>
-              </a:rPr>
-              <a:t>Разработана </a:t>
-            </a:r>
-            <a:r>
-              <a:rPr lang="ru-RU" dirty="0" smtClean="0">
-                <a:solidFill>
-                  <a:schemeClr val="tx1"/>
-                </a:solidFill>
-              </a:rPr>
-              <a:t>база данных для хранения информации о магазинах, товарах в них, товарных чека и их позиций и истории цен товаров.</a:t>
-            </a:r>
-            <a:endParaRPr lang="ru-RU" dirty="0">
-              <a:solidFill>
-                <a:schemeClr val="tx1"/>
-              </a:solidFill>
-            </a:endParaRPr>
-          </a:p>
-          <a:p>
-            <a:pPr lvl="1" algn="just">
-              <a:buFont typeface="Arial" panose="020B0604020202020204" pitchFamily="34" charset="0"/>
-              <a:buChar char="•"/>
-            </a:pPr>
-            <a:r>
-              <a:rPr lang="ru-RU" dirty="0" smtClean="0">
-                <a:solidFill>
-                  <a:schemeClr val="tx1"/>
-                </a:solidFill>
-              </a:rPr>
-              <a:t>Реализовано программное обеспечение для работы с информацией из базы данных.</a:t>
-            </a:r>
-            <a:endParaRPr lang="ru-RU" dirty="0">
-              <a:solidFill>
-                <a:schemeClr val="tx1"/>
-              </a:solidFill>
-            </a:endParaRPr>
-          </a:p>
-          <a:p>
-            <a:pPr lvl="1" algn="just">
-              <a:buFont typeface="Arial" panose="020B0604020202020204" pitchFamily="34" charset="0"/>
-              <a:buChar char="•"/>
-            </a:pPr>
-            <a:r>
-              <a:rPr lang="ru-RU" dirty="0" smtClean="0">
-                <a:solidFill>
-                  <a:schemeClr val="tx1"/>
-                </a:solidFill>
-              </a:rPr>
-              <a:t>Реализована возможность прогнозирования цен на товары в магазинах.</a:t>
-            </a:r>
-            <a:endParaRPr lang="ru-RU" dirty="0">
-              <a:solidFill>
-                <a:schemeClr val="tx1"/>
-              </a:solidFill>
-            </a:endParaRPr>
+            <a:endParaRPr lang="ru-RU" dirty="0"/>
           </a:p>
         </p:txBody>
       </p:sp>
@@ -5671,17 +5576,47 @@
               </a:rPr>
               <a:t>14</a:t>
             </a:fld>
-            <a:endParaRPr lang="ru-RU" dirty="0">
+            <a:endParaRPr lang="ru-RU" sz="1800" dirty="0">
               <a:latin typeface="Times New Roman" panose="02020603050405020304" pitchFamily="18" charset="0"/>
               <a:cs typeface="Times New Roman" panose="02020603050405020304" pitchFamily="18" charset="0"/>
             </a:endParaRPr>
           </a:p>
         </p:txBody>
       </p:sp>
+      <p:pic>
+        <p:nvPicPr>
+          <p:cNvPr id="6" name="Рисунок 5"/>
+          <p:cNvPicPr>
+            <a:picLocks noChangeAspect="1"/>
+          </p:cNvPicPr>
+          <p:nvPr/>
+        </p:nvPicPr>
+        <p:blipFill>
+          <a:blip r:embed="rId2">
+            <a:extLst>
+              <a:ext uri="{28A0092B-C50C-407E-A947-70E740481C1C}">
+                <a14:useLocalDpi xmlns:a14="http://schemas.microsoft.com/office/drawing/2010/main" val="0"/>
+              </a:ext>
+            </a:extLst>
+          </a:blip>
+          <a:stretch>
+            <a:fillRect/>
+          </a:stretch>
+        </p:blipFill>
+        <p:spPr>
+          <a:xfrm>
+            <a:off x="2101472" y="1845734"/>
+            <a:ext cx="8050015" cy="4360425"/>
+          </a:xfrm>
+          <a:prstGeom prst="rect">
+            <a:avLst/>
+          </a:prstGeom>
+        </p:spPr>
+      </p:pic>
     </p:spTree>
     <p:extLst>
       <p:ext uri="{BB962C8B-B14F-4D97-AF65-F5344CB8AC3E}">
-        <p14:creationId xmlns:p14="http://schemas.microsoft.com/office/powerpoint/2010/main" val="990386606"/>
+        <p14:creationId xmlns:p14="http://schemas.microsoft.com/office/powerpoint/2010/main" val="1937649250"/>
       </p:ext>
     </p:extLst>
   </p:cSld>
@@ -5736,6 +5671,345 @@
                   <a:schemeClr val="tx1"/>
                 </a:solidFill>
               </a:rPr>
+              <a:t>Результаты исследований</a:t>
+            </a:r>
+            <a:endParaRPr lang="ru-RU" dirty="0">
+              <a:solidFill>
+                <a:schemeClr val="tx1"/>
+              </a:solidFill>
+            </a:endParaRPr>
+          </a:p>
+        </p:txBody>
+      </p:sp>
+      <p:sp>
+        <p:nvSpPr>
+          <p:cNvPr id="5" name="Номер слайда 4"/>
+          <p:cNvSpPr>
+            <a:spLocks noGrp="1"/>
+          </p:cNvSpPr>
+          <p:nvPr>
+            <p:ph type="sldNum" sz="quarter" idx="12"/>
+          </p:nvPr>
+        </p:nvSpPr>
+        <p:spPr/>
+        <p:txBody>
+          <a:bodyPr/>
+          <a:lstStyle/>
+          <a:p>
+            <a:fld id="{C4F09F00-B2EF-4E92-A50A-EB2934570B6C}" type="slidenum">
+              <a:rPr lang="ru-RU" sz="1800" smtClean="0">
+                <a:latin typeface="Times New Roman" panose="02020603050405020304" pitchFamily="18" charset="0"/>
+                <a:cs typeface="Times New Roman" panose="02020603050405020304" pitchFamily="18" charset="0"/>
+              </a:rPr>
+              <a:t>15</a:t>
+            </a:fld>
+            <a:endParaRPr lang="ru-RU" dirty="0">
+              <a:latin typeface="Times New Roman" panose="02020603050405020304" pitchFamily="18" charset="0"/>
+              <a:cs typeface="Times New Roman" panose="02020603050405020304" pitchFamily="18" charset="0"/>
+            </a:endParaRPr>
+          </a:p>
+        </p:txBody>
+      </p:sp>
+      <p:pic>
+        <p:nvPicPr>
+          <p:cNvPr id="6" name="Объект 5"/>
+          <p:cNvPicPr>
+            <a:picLocks noGrp="1" noChangeAspect="1"/>
+          </p:cNvPicPr>
+          <p:nvPr>
+            <p:ph idx="1"/>
+          </p:nvPr>
+        </p:nvPicPr>
+        <p:blipFill>
+          <a:blip r:embed="rId2" cstate="print">
+            <a:extLst>
+              <a:ext uri="{28A0092B-C50C-407E-A947-70E740481C1C}">
+                <a14:useLocalDpi xmlns:a14="http://schemas.microsoft.com/office/drawing/2010/main" val="0"/>
+              </a:ext>
+            </a:extLst>
+          </a:blip>
+          <a:stretch>
+            <a:fillRect/>
+          </a:stretch>
+        </p:blipFill>
+        <p:spPr>
+          <a:xfrm>
+            <a:off x="2165326" y="1846263"/>
+            <a:ext cx="7921673" cy="4022725"/>
+          </a:xfrm>
+        </p:spPr>
+      </p:pic>
+    </p:spTree>
+    <p:extLst>
+      <p:ext uri="{BB962C8B-B14F-4D97-AF65-F5344CB8AC3E}">
+        <p14:creationId xmlns:p14="http://schemas.microsoft.com/office/powerpoint/2010/main" val="2763502521"/>
+      </p:ext>
+    </p:extLst>
+  </p:cSld>
+  <p:clrMapOvr>
+    <a:masterClrMapping/>
+  </p:clrMapOvr>
+  <p:timing>
+    <p:tnLst>
+      <p:par>
+        <p:cTn id="1" dur="indefinite" restart="never" nodeType="tmRoot"/>
+      </p:par>
+    </p:tnLst>
+  </p:timing>
+</p:sld>
+</file>
+
+<file path=ppt/slides/slide16.xml><?xml version="1.0" encoding="utf-8"?>
+<p:sld xmlns:a="http://schemas.openxmlformats.org/drawingml/2006/main" xmlns:r="http://schemas.openxmlformats.org/officeDocument/2006/relationships" xmlns:p="http://schemas.openxmlformats.org/presentationml/2006/main">
+  <p:cSld>
+    <p:spTree>
+      <p:nvGrpSpPr>
+        <p:cNvPr id="1" name=""/>
+        <p:cNvGrpSpPr/>
+        <p:nvPr/>
+      </p:nvGrpSpPr>
+      <p:grpSpPr>
+        <a:xfrm>
+          <a:off x="0" y="0"/>
+          <a:ext cx="0" cy="0"/>
+          <a:chOff x="0" y="0"/>
+          <a:chExt cx="0" cy="0"/>
+        </a:xfrm>
+      </p:grpSpPr>
+      <p:sp>
+        <p:nvSpPr>
+          <p:cNvPr id="2" name="Заголовок 1"/>
+          <p:cNvSpPr>
+            <a:spLocks noGrp="1"/>
+          </p:cNvSpPr>
+          <p:nvPr>
+            <p:ph type="title"/>
+          </p:nvPr>
+        </p:nvSpPr>
+        <p:spPr/>
+        <p:txBody>
+          <a:bodyPr/>
+          <a:lstStyle/>
+          <a:p>
+            <a:r>
+              <a:rPr lang="ru-RU" dirty="0" smtClean="0">
+                <a:solidFill>
+                  <a:schemeClr val="tx1"/>
+                </a:solidFill>
+              </a:rPr>
+              <a:t>Заключение</a:t>
+            </a:r>
+            <a:endParaRPr lang="ru-RU" dirty="0">
+              <a:solidFill>
+                <a:schemeClr val="tx1"/>
+              </a:solidFill>
+            </a:endParaRPr>
+          </a:p>
+        </p:txBody>
+      </p:sp>
+      <p:sp>
+        <p:nvSpPr>
+          <p:cNvPr id="3" name="Объект 2"/>
+          <p:cNvSpPr>
+            <a:spLocks noGrp="1"/>
+          </p:cNvSpPr>
+          <p:nvPr>
+            <p:ph idx="1"/>
+          </p:nvPr>
+        </p:nvSpPr>
+        <p:spPr/>
+        <p:txBody>
+          <a:bodyPr/>
+          <a:lstStyle/>
+          <a:p>
+            <a:pPr lvl="1" algn="just">
+              <a:buFont typeface="Arial" panose="020B0604020202020204" pitchFamily="34" charset="0"/>
+              <a:buChar char="•"/>
+            </a:pPr>
+            <a:r>
+              <a:rPr lang="ru-RU" dirty="0">
+                <a:solidFill>
+                  <a:schemeClr val="tx1"/>
+                </a:solidFill>
+              </a:rPr>
+              <a:t>Б</a:t>
+            </a:r>
+            <a:r>
+              <a:rPr lang="ru-RU" dirty="0" smtClean="0">
+                <a:solidFill>
+                  <a:schemeClr val="tx1"/>
+                </a:solidFill>
+              </a:rPr>
+              <a:t>ыл </a:t>
+            </a:r>
+            <a:r>
+              <a:rPr lang="ru-RU" dirty="0">
+                <a:solidFill>
+                  <a:schemeClr val="tx1"/>
+                </a:solidFill>
+              </a:rPr>
+              <a:t>проведен анализ предметной области, описана ролевая модель, рассмотрены существующие СУБД и методы построения линии </a:t>
+            </a:r>
+            <a:r>
+              <a:rPr lang="ru-RU" dirty="0" smtClean="0">
+                <a:solidFill>
+                  <a:schemeClr val="tx1"/>
+                </a:solidFill>
+              </a:rPr>
+              <a:t>тренда.</a:t>
+            </a:r>
+            <a:endParaRPr lang="en-US" dirty="0" smtClean="0">
+              <a:solidFill>
+                <a:schemeClr val="tx1"/>
+              </a:solidFill>
+            </a:endParaRPr>
+          </a:p>
+          <a:p>
+            <a:pPr lvl="1" algn="just">
+              <a:buFont typeface="Arial" panose="020B0604020202020204" pitchFamily="34" charset="0"/>
+              <a:buChar char="•"/>
+            </a:pPr>
+            <a:r>
+              <a:rPr lang="ru-RU" dirty="0" smtClean="0">
+                <a:solidFill>
+                  <a:schemeClr val="tx1"/>
+                </a:solidFill>
+              </a:rPr>
+              <a:t>Разработана база данных для хранения информации о магазинах, товарах в них, товарных чека и их позиций и истории цен товаров.</a:t>
+            </a:r>
+            <a:endParaRPr lang="ru-RU" dirty="0">
+              <a:solidFill>
+                <a:schemeClr val="tx1"/>
+              </a:solidFill>
+            </a:endParaRPr>
+          </a:p>
+          <a:p>
+            <a:pPr lvl="1" algn="just">
+              <a:buFont typeface="Arial" panose="020B0604020202020204" pitchFamily="34" charset="0"/>
+              <a:buChar char="•"/>
+            </a:pPr>
+            <a:r>
+              <a:rPr lang="ru-RU" dirty="0" smtClean="0">
+                <a:solidFill>
+                  <a:schemeClr val="tx1"/>
+                </a:solidFill>
+              </a:rPr>
+              <a:t>Реализовано программное обеспечение для работы с информацией из базы данных.</a:t>
+            </a:r>
+            <a:endParaRPr lang="ru-RU" dirty="0">
+              <a:solidFill>
+                <a:schemeClr val="tx1"/>
+              </a:solidFill>
+            </a:endParaRPr>
+          </a:p>
+          <a:p>
+            <a:pPr lvl="1" algn="just">
+              <a:buFont typeface="Arial" panose="020B0604020202020204" pitchFamily="34" charset="0"/>
+              <a:buChar char="•"/>
+            </a:pPr>
+            <a:r>
+              <a:rPr lang="ru-RU" dirty="0" smtClean="0">
+                <a:solidFill>
+                  <a:schemeClr val="tx1"/>
+                </a:solidFill>
+              </a:rPr>
+              <a:t>Реализована возможность прогнозирования цен на товары в магазинах.</a:t>
+            </a:r>
+            <a:endParaRPr lang="ru-RU" dirty="0">
+              <a:solidFill>
+                <a:schemeClr val="tx1"/>
+              </a:solidFill>
+            </a:endParaRPr>
+          </a:p>
+        </p:txBody>
+      </p:sp>
+      <p:sp>
+        <p:nvSpPr>
+          <p:cNvPr id="4" name="Номер слайда 3"/>
+          <p:cNvSpPr>
+            <a:spLocks noGrp="1"/>
+          </p:cNvSpPr>
+          <p:nvPr>
+            <p:ph type="sldNum" sz="quarter" idx="12"/>
+          </p:nvPr>
+        </p:nvSpPr>
+        <p:spPr/>
+        <p:txBody>
+          <a:bodyPr/>
+          <a:lstStyle/>
+          <a:p>
+            <a:fld id="{C4F09F00-B2EF-4E92-A50A-EB2934570B6C}" type="slidenum">
+              <a:rPr lang="ru-RU" sz="1800" smtClean="0">
+                <a:latin typeface="Times New Roman" panose="02020603050405020304" pitchFamily="18" charset="0"/>
+                <a:cs typeface="Times New Roman" panose="02020603050405020304" pitchFamily="18" charset="0"/>
+              </a:rPr>
+              <a:t>16</a:t>
+            </a:fld>
+            <a:endParaRPr lang="ru-RU" dirty="0">
+              <a:latin typeface="Times New Roman" panose="02020603050405020304" pitchFamily="18" charset="0"/>
+              <a:cs typeface="Times New Roman" panose="02020603050405020304" pitchFamily="18" charset="0"/>
+            </a:endParaRPr>
+          </a:p>
+        </p:txBody>
+      </p:sp>
+    </p:spTree>
+    <p:extLst>
+      <p:ext uri="{BB962C8B-B14F-4D97-AF65-F5344CB8AC3E}">
+        <p14:creationId xmlns:p14="http://schemas.microsoft.com/office/powerpoint/2010/main" val="990386606"/>
+      </p:ext>
+    </p:extLst>
+  </p:cSld>
+  <p:clrMapOvr>
+    <a:masterClrMapping/>
+  </p:clrMapOvr>
+  <p:timing>
+    <p:tnLst>
+      <p:par>
+        <p:cTn id="1" dur="indefinite" restart="never" nodeType="tmRoot"/>
+      </p:par>
+    </p:tnLst>
+  </p:timing>
+</p:sld>
+</file>
+
+<file path=ppt/slides/slide17.xml><?xml version="1.0" encoding="utf-8"?>
+<p:sld xmlns:a="http://schemas.openxmlformats.org/drawingml/2006/main" xmlns:r="http://schemas.openxmlformats.org/officeDocument/2006/relationships" xmlns:p="http://schemas.openxmlformats.org/presentationml/2006/main">
+  <p:cSld>
+    <p:spTree>
+      <p:nvGrpSpPr>
+        <p:cNvPr id="1" name=""/>
+        <p:cNvGrpSpPr/>
+        <p:nvPr/>
+      </p:nvGrpSpPr>
+      <p:grpSpPr>
+        <a:xfrm>
+          <a:off x="0" y="0"/>
+          <a:ext cx="0" cy="0"/>
+          <a:chOff x="0" y="0"/>
+          <a:chExt cx="0" cy="0"/>
+        </a:xfrm>
+      </p:grpSpPr>
+      <p:sp>
+        <p:nvSpPr>
+          <p:cNvPr id="2" name="Заголовок 1"/>
+          <p:cNvSpPr>
+            <a:spLocks noGrp="1"/>
+          </p:cNvSpPr>
+          <p:nvPr>
+            <p:ph type="title"/>
+          </p:nvPr>
+        </p:nvSpPr>
+        <p:spPr/>
+        <p:txBody>
+          <a:bodyPr/>
+          <a:lstStyle/>
+          <a:p>
+            <a:r>
+              <a:rPr lang="ru-RU" dirty="0" smtClean="0">
+                <a:solidFill>
+                  <a:schemeClr val="tx1"/>
+                </a:solidFill>
+              </a:rPr>
               <a:t>Развитие проекта</a:t>
             </a:r>
             <a:endParaRPr lang="ru-RU" dirty="0">
@@ -5815,7 +6089,7 @@
                   <a:schemeClr val="tx1"/>
                 </a:solidFill>
               </a:rPr>
-              <a:t>Реализация более </a:t>
+              <a:t>Реализация </a:t>
             </a:r>
             <a:r>
               <a:rPr lang="ru-RU" sz="1600" dirty="0" smtClean="0">
@@ -5823,7 +6097,7 @@
                   <a:schemeClr val="tx1"/>
                 </a:solidFill>
               </a:rPr>
-              <a:t>устойчивой</a:t>
+              <a:t>более качественной и </a:t>
             </a:r>
             <a:r>
               <a:rPr lang="ru-RU" sz="1600" dirty="0" smtClean="0">
@@ -5831,15 +6105,7 @@
                   <a:schemeClr val="tx1"/>
                 </a:solidFill>
               </a:rPr>
-              <a:t> </a:t>
-            </a:r>
-            <a:r>
-              <a:rPr lang="ru-RU" sz="1600" dirty="0" smtClean="0">
-                <a:solidFill>
-                  <a:schemeClr val="tx1"/>
-                </a:solidFill>
-              </a:rPr>
-              <a:t>модели прогнозирования цен на товары в магазинах.</a:t>
+              <a:t>устойчивой модели прогнозирования цен на товары в магазинах.</a:t>
             </a:r>
             <a:endParaRPr lang="ru-RU" sz="1600" dirty="0">
               <a:solidFill>
@@ -5872,7 +6138,7 @@
                 <a:latin typeface="Times New Roman" panose="02020603050405020304" pitchFamily="18" charset="0"/>
                 <a:cs typeface="Times New Roman" panose="02020603050405020304" pitchFamily="18" charset="0"/>
               </a:rPr>
-              <a:t>15</a:t>
+              <a:t>17</a:t>
             </a:fld>
             <a:endParaRPr lang="ru-RU" dirty="0">
               <a:latin typeface="Times New Roman" panose="02020603050405020304" pitchFamily="18" charset="0"/>
@@ -6038,11 +6304,6 @@
               </a:rPr>
               <a:t>области;</a:t>
             </a:r>
-            <a:endParaRPr lang="ru-RU" dirty="0" smtClean="0">
-              <a:solidFill>
-                <a:schemeClr val="tx1"/>
-              </a:solidFill>
-            </a:endParaRPr>
           </a:p>
           <a:p>
             <a:pPr lvl="1" algn="just">
@@ -6271,21 +6532,8 @@
                   <a:schemeClr val="tx1"/>
                 </a:solidFill>
               </a:rPr>
-              <a:t>диаграмма </a:t>
-            </a:r>
-            <a:r>
-              <a:rPr lang="ru-RU" dirty="0">
-                <a:solidFill>
-                  <a:schemeClr val="tx1"/>
-                </a:solidFill>
-              </a:rPr>
-              <a:t>моделируемой области</a:t>
-            </a:r>
-            <a:endParaRPr lang="ru-RU" dirty="0">
-              <a:solidFill>
-                <a:schemeClr val="tx1"/>
-              </a:solidFill>
-            </a:endParaRPr>
+              <a:t>диаграмма моделируемой области</a:t>
+            </a:r>
           </a:p>
         </p:txBody>
       </p:sp>
@@ -6359,7 +6607,7 @@
       </p:sp>
       <p:pic>
         <p:nvPicPr>
-          <p:cNvPr id="9" name="Объект 8"/>
+          <p:cNvPr id="5" name="Объект 4"/>
           <p:cNvPicPr>
             <a:picLocks noGrp="1" noChangeAspect="1"/>
           </p:cNvPicPr>
@@ -6381,8 +6629,8 @@
         </p:blipFill>
         <p:spPr>
           <a:xfrm>
-            <a:off x="3918091" y="1795025"/>
-            <a:ext cx="4416777" cy="4432781"/>
+            <a:off x="4122379" y="1969831"/>
+            <a:ext cx="4008202" cy="4022725"/>
           </a:xfrm>
         </p:spPr>
       </p:pic>
@@ -6439,20 +6687,12 @@
           <a:lstStyle/>
           <a:p>
             <a:r>
-              <a:rPr lang="en-US" dirty="0" smtClean="0">
-                <a:solidFill>
-                  <a:schemeClr val="tx1"/>
-                </a:solidFill>
-              </a:rPr>
-              <a:t>Use-case-</a:t>
-            </a:r>
-            <a:r>
-              <a:rPr lang="ru-RU" dirty="0" smtClean="0">
-                <a:solidFill>
-                  <a:schemeClr val="tx1"/>
-                </a:solidFill>
-              </a:rPr>
-              <a:t>диаграмма</a:t>
+              <a:rPr lang="ru-RU" dirty="0">
+                <a:solidFill>
+                  <a:schemeClr val="tx1"/>
+                </a:solidFill>
+              </a:rPr>
+              <a:t>Диаграмма вариантов использования</a:t>
             </a:r>
             <a:endParaRPr lang="ru-RU" dirty="0">
               <a:solidFill>
@@ -6656,11 +6896,6 @@
               </a:rPr>
               <a:t>  Сетевые</a:t>
             </a:r>
-            <a:endParaRPr lang="ru-RU" sz="2000" dirty="0" smtClean="0">
-              <a:solidFill>
-                <a:schemeClr val="tx1"/>
-              </a:solidFill>
-            </a:endParaRPr>
           </a:p>
           <a:p>
             <a:pPr marL="726948" lvl="2" indent="-342900">
@@ -7286,7 +7521,9 @@
         </p:nvSpPr>
         <p:spPr/>
         <p:txBody>
-          <a:bodyPr/>
+          <a:bodyPr>
+            <a:normAutofit/>
+          </a:bodyPr>
           <a:lstStyle/>
           <a:p>
             <a:r>
@@ -7295,7 +7532,7 @@
                   <a:schemeClr val="tx1"/>
                 </a:solidFill>
               </a:rPr>
-              <a:t>Сравнение существующих СУБД</a:t>
+              <a:t>Объекты БД</a:t>
             </a:r>
             <a:endParaRPr lang="ru-RU" dirty="0">
               <a:solidFill>
@@ -7334,34 +7571,276 @@
           </a:p>
         </p:txBody>
       </p:sp>
-      <p:pic>
-        <p:nvPicPr>
-          <p:cNvPr id="3" name="Рисунок 2"/>
-          <p:cNvPicPr>
-            <a:picLocks noChangeAspect="1"/>
-          </p:cNvPicPr>
-          <p:nvPr/>
-        </p:nvPicPr>
-        <p:blipFill>
-          <a:blip r:embed="rId2"/>
-          <a:stretch>
-            <a:fillRect/>
-          </a:stretch>
-        </p:blipFill>
-        <p:spPr>
-          <a:xfrm>
-            <a:off x="2954655" y="2507262"/>
-            <a:ext cx="6343650" cy="1876425"/>
-          </a:xfrm>
-          <a:prstGeom prst="rect">
-            <a:avLst/>
-          </a:prstGeom>
-        </p:spPr>
-      </p:pic>
+      <p:sp>
+        <p:nvSpPr>
+          <p:cNvPr id="3" name="Объект 2"/>
+          <p:cNvSpPr>
+            <a:spLocks noGrp="1"/>
+          </p:cNvSpPr>
+          <p:nvPr>
+            <p:ph idx="1"/>
+          </p:nvPr>
+        </p:nvSpPr>
+        <p:spPr/>
+        <p:txBody>
+          <a:bodyPr/>
+          <a:lstStyle/>
+          <a:p>
+            <a:pPr lvl="1">
+              <a:buFont typeface="Arial" panose="020B0604020202020204" pitchFamily="34" charset="0"/>
+              <a:buChar char="•"/>
+            </a:pPr>
+            <a:endParaRPr lang="ru-RU" dirty="0" smtClean="0"/>
+          </a:p>
+          <a:p>
+            <a:pPr lvl="1">
+              <a:buFont typeface="Arial" panose="020B0604020202020204" pitchFamily="34" charset="0"/>
+              <a:buChar char="•"/>
+            </a:pPr>
+            <a:r>
+              <a:rPr lang="ru-RU" dirty="0" smtClean="0">
+                <a:solidFill>
+                  <a:schemeClr val="tx1"/>
+                </a:solidFill>
+              </a:rPr>
+              <a:t>Хранимые функции для выборки</a:t>
+            </a:r>
+          </a:p>
+          <a:p>
+            <a:pPr lvl="2">
+              <a:buFont typeface="Arial" panose="020B0604020202020204" pitchFamily="34" charset="0"/>
+              <a:buChar char="•"/>
+            </a:pPr>
+            <a:r>
+              <a:rPr lang="en-US" dirty="0" err="1" smtClean="0">
+                <a:solidFill>
+                  <a:schemeClr val="tx1"/>
+                </a:solidFill>
+              </a:rPr>
+              <a:t>get_products_by_shopid</a:t>
+            </a:r>
+            <a:r>
+              <a:rPr lang="en-US" dirty="0" smtClean="0">
+                <a:solidFill>
+                  <a:schemeClr val="tx1"/>
+                </a:solidFill>
+              </a:rPr>
+              <a:t>(</a:t>
+            </a:r>
+            <a:r>
+              <a:rPr lang="en-US" dirty="0" err="1" smtClean="0">
+                <a:solidFill>
+                  <a:schemeClr val="tx1"/>
+                </a:solidFill>
+              </a:rPr>
+              <a:t>shop_id</a:t>
+            </a:r>
+            <a:r>
+              <a:rPr lang="en-US" dirty="0" smtClean="0">
+                <a:solidFill>
+                  <a:schemeClr val="tx1"/>
+                </a:solidFill>
+              </a:rPr>
+              <a:t>)</a:t>
+            </a:r>
+            <a:endParaRPr lang="en-US" dirty="0">
+              <a:solidFill>
+                <a:schemeClr val="tx1"/>
+              </a:solidFill>
+            </a:endParaRPr>
+          </a:p>
+          <a:p>
+            <a:pPr lvl="2">
+              <a:buFont typeface="Arial" panose="020B0604020202020204" pitchFamily="34" charset="0"/>
+              <a:buChar char="•"/>
+            </a:pPr>
+            <a:r>
+              <a:rPr lang="en-US" dirty="0" err="1" smtClean="0">
+                <a:solidFill>
+                  <a:schemeClr val="tx1"/>
+                </a:solidFill>
+              </a:rPr>
+              <a:t>get_coststory_by_shopid_prodid</a:t>
+            </a:r>
+            <a:r>
+              <a:rPr lang="en-US" dirty="0" smtClean="0">
+                <a:solidFill>
+                  <a:schemeClr val="tx1"/>
+                </a:solidFill>
+              </a:rPr>
+              <a:t>(</a:t>
+            </a:r>
+            <a:r>
+              <a:rPr lang="en-US" dirty="0" err="1" smtClean="0">
+                <a:solidFill>
+                  <a:schemeClr val="tx1"/>
+                </a:solidFill>
+              </a:rPr>
+              <a:t>shop_id</a:t>
+            </a:r>
+            <a:r>
+              <a:rPr lang="en-US" dirty="0" smtClean="0">
+                <a:solidFill>
+                  <a:schemeClr val="tx1"/>
+                </a:solidFill>
+              </a:rPr>
+              <a:t>, </a:t>
+            </a:r>
+            <a:r>
+              <a:rPr lang="en-US" dirty="0" err="1" smtClean="0">
+                <a:solidFill>
+                  <a:schemeClr val="tx1"/>
+                </a:solidFill>
+              </a:rPr>
+              <a:t>prod_id</a:t>
+            </a:r>
+            <a:r>
+              <a:rPr lang="en-US" dirty="0" smtClean="0">
+                <a:solidFill>
+                  <a:schemeClr val="tx1"/>
+                </a:solidFill>
+              </a:rPr>
+              <a:t>)</a:t>
+            </a:r>
+            <a:endParaRPr lang="en-US" dirty="0">
+              <a:solidFill>
+                <a:schemeClr val="tx1"/>
+              </a:solidFill>
+            </a:endParaRPr>
+          </a:p>
+          <a:p>
+            <a:pPr lvl="2">
+              <a:buFont typeface="Arial" panose="020B0604020202020204" pitchFamily="34" charset="0"/>
+              <a:buChar char="•"/>
+            </a:pPr>
+            <a:r>
+              <a:rPr lang="en-US" dirty="0" err="1" smtClean="0">
+                <a:solidFill>
+                  <a:schemeClr val="tx1"/>
+                </a:solidFill>
+              </a:rPr>
+              <a:t>get_salereceipts_by_shopid</a:t>
+            </a:r>
+            <a:r>
+              <a:rPr lang="en-US" dirty="0" smtClean="0">
+                <a:solidFill>
+                  <a:schemeClr val="tx1"/>
+                </a:solidFill>
+              </a:rPr>
+              <a:t>(</a:t>
+            </a:r>
+            <a:r>
+              <a:rPr lang="en-US" dirty="0" err="1" smtClean="0">
+                <a:solidFill>
+                  <a:schemeClr val="tx1"/>
+                </a:solidFill>
+              </a:rPr>
+              <a:t>shop_id</a:t>
+            </a:r>
+            <a:r>
+              <a:rPr lang="en-US" dirty="0" smtClean="0">
+                <a:solidFill>
+                  <a:schemeClr val="tx1"/>
+                </a:solidFill>
+              </a:rPr>
+              <a:t>)</a:t>
+            </a:r>
+            <a:endParaRPr lang="en-US" dirty="0">
+              <a:solidFill>
+                <a:schemeClr val="tx1"/>
+              </a:solidFill>
+            </a:endParaRPr>
+          </a:p>
+          <a:p>
+            <a:pPr lvl="2">
+              <a:buFont typeface="Arial" panose="020B0604020202020204" pitchFamily="34" charset="0"/>
+              <a:buChar char="•"/>
+            </a:pPr>
+            <a:r>
+              <a:rPr lang="en-US" dirty="0" err="1" smtClean="0">
+                <a:solidFill>
+                  <a:schemeClr val="tx1"/>
+                </a:solidFill>
+              </a:rPr>
+              <a:t>get_content_from_salereceipt</a:t>
+            </a:r>
+            <a:r>
+              <a:rPr lang="en-US" dirty="0" smtClean="0">
+                <a:solidFill>
+                  <a:schemeClr val="tx1"/>
+                </a:solidFill>
+              </a:rPr>
+              <a:t>(</a:t>
+            </a:r>
+            <a:r>
+              <a:rPr lang="en-US" dirty="0" err="1" smtClean="0">
+                <a:solidFill>
+                  <a:schemeClr val="tx1"/>
+                </a:solidFill>
+              </a:rPr>
+              <a:t>sr_id</a:t>
+            </a:r>
+            <a:r>
+              <a:rPr lang="en-US" dirty="0" smtClean="0">
+                <a:solidFill>
+                  <a:schemeClr val="tx1"/>
+                </a:solidFill>
+              </a:rPr>
+              <a:t>)</a:t>
+            </a:r>
+            <a:endParaRPr lang="ru-RU" dirty="0" smtClean="0">
+              <a:solidFill>
+                <a:schemeClr val="tx1"/>
+              </a:solidFill>
+            </a:endParaRPr>
+          </a:p>
+          <a:p>
+            <a:pPr lvl="1">
+              <a:buFont typeface="Arial" panose="020B0604020202020204" pitchFamily="34" charset="0"/>
+              <a:buChar char="•"/>
+            </a:pPr>
+            <a:r>
+              <a:rPr lang="ru-RU" dirty="0" smtClean="0">
+                <a:solidFill>
+                  <a:schemeClr val="tx1"/>
+                </a:solidFill>
+              </a:rPr>
+              <a:t>Триггер для обновления истории цен</a:t>
+            </a:r>
+          </a:p>
+          <a:p>
+            <a:pPr lvl="2">
+              <a:buFont typeface="Arial" panose="020B0604020202020204" pitchFamily="34" charset="0"/>
+              <a:buChar char="•"/>
+            </a:pPr>
+            <a:r>
+              <a:rPr lang="en-US" dirty="0" err="1">
+                <a:solidFill>
+                  <a:schemeClr val="tx1"/>
+                </a:solidFill>
+              </a:rPr>
+              <a:t>r</a:t>
+            </a:r>
+            <a:r>
+              <a:rPr lang="en-US" dirty="0" err="1" smtClean="0">
+                <a:solidFill>
+                  <a:schemeClr val="tx1"/>
+                </a:solidFill>
+              </a:rPr>
+              <a:t>emove_too_old_coststory</a:t>
+            </a:r>
+            <a:endParaRPr lang="ru-RU" dirty="0" smtClean="0">
+              <a:solidFill>
+                <a:schemeClr val="tx1"/>
+              </a:solidFill>
+            </a:endParaRPr>
+          </a:p>
+        </p:txBody>
+      </p:sp>
     </p:spTree>
     <p:extLst>
       <p:ext uri="{BB962C8B-B14F-4D97-AF65-F5344CB8AC3E}">
-        <p14:creationId xmlns:p14="http://schemas.microsoft.com/office/powerpoint/2010/main" val="4077157964"/>
+        <p14:creationId xmlns:p14="http://schemas.microsoft.com/office/powerpoint/2010/main" val="2922407050"/>
       </p:ext>
     </p:extLst>
   </p:cSld>
@@ -7407,9 +7886,7 @@
         </p:nvSpPr>
         <p:spPr/>
         <p:txBody>
-          <a:bodyPr>
-            <a:normAutofit/>
-          </a:bodyPr>
+          <a:bodyPr/>
           <a:lstStyle/>
           <a:p>
             <a:r>
@@ -7418,7 +7895,7 @@
                   <a:schemeClr val="tx1"/>
                 </a:solidFill>
               </a:rPr>
-              <a:t>Объекты БД</a:t>
+              <a:t>Компоненты ПО</a:t>
             </a:r>
             <a:endParaRPr lang="ru-RU" dirty="0">
               <a:solidFill>
@@ -7428,6 +7905,35 @@
           </a:p>
         </p:txBody>
       </p:sp>
+      <p:pic>
+        <p:nvPicPr>
+          <p:cNvPr id="5" name="Объект 4"/>
+          <p:cNvPicPr>
+            <a:picLocks noGrp="1" noChangeAspect="1"/>
+          </p:cNvPicPr>
+          <p:nvPr>
+            <p:ph idx="1"/>
+          </p:nvPr>
+        </p:nvPicPr>
+        <p:blipFill>
+          <a:blip r:embed="rId2">
+            <a:extLst>
+              <a:ext uri="{28A0092B-C50C-407E-A947-70E740481C1C}">
+                <a14:useLocalDpi xmlns:a14="http://schemas.microsoft.com/office/drawing/2010/main" val="0"/>
+              </a:ext>
+            </a:extLst>
+          </a:blip>
+          <a:stretch>
+            <a:fillRect/>
+          </a:stretch>
+        </p:blipFill>
+        <p:spPr>
+          <a:xfrm>
+            <a:off x="2073065" y="1846263"/>
+            <a:ext cx="8106195" cy="4022725"/>
+          </a:xfrm>
+        </p:spPr>
+      </p:pic>
       <p:sp>
         <p:nvSpPr>
           <p:cNvPr id="4" name="Номер слайда 3"/>
@@ -7444,305 +7950,17 @@
           <a:lstStyle/>
           <a:p>
             <a:fld id="{C4F09F00-B2EF-4E92-A50A-EB2934570B6C}" type="slidenum">
-              <a:rPr lang="ru-RU" sz="1800" smtClean="0">
-                <a:latin typeface="Times New Roman" panose="02020603050405020304" pitchFamily="18" charset="0"/>
-                <a:cs typeface="Times New Roman" panose="02020603050405020304" pitchFamily="18" charset="0"/>
-              </a:rPr>
+              <a:rPr lang="ru-RU" smtClean="0"/>
               <a:t>9</a:t>
             </a:fld>
-            <a:endParaRPr lang="ru-RU" sz="1800" dirty="0">
-              <a:latin typeface="Times New Roman" panose="02020603050405020304" pitchFamily="18" charset="0"/>
-              <a:cs typeface="Times New Roman" panose="02020603050405020304" pitchFamily="18" charset="0"/>
-            </a:endParaRPr>
-          </a:p>
-        </p:txBody>
-      </p:sp>
-      <p:sp>
-        <p:nvSpPr>
-          <p:cNvPr id="3" name="Объект 2"/>
-          <p:cNvSpPr>
-            <a:spLocks noGrp="1"/>
-          </p:cNvSpPr>
-          <p:nvPr>
-            <p:ph idx="1"/>
-          </p:nvPr>
-        </p:nvSpPr>
-        <p:spPr/>
-        <p:txBody>
-          <a:bodyPr/>
-          <a:lstStyle/>
-          <a:p>
-            <a:pPr lvl="1">
-              <a:buFont typeface="Arial" panose="020B0604020202020204" pitchFamily="34" charset="0"/>
-              <a:buChar char="•"/>
-            </a:pPr>
-            <a:endParaRPr lang="ru-RU" dirty="0" smtClean="0"/>
-          </a:p>
-          <a:p>
-            <a:pPr lvl="1">
-              <a:buFont typeface="Arial" panose="020B0604020202020204" pitchFamily="34" charset="0"/>
-              <a:buChar char="•"/>
-            </a:pPr>
-            <a:r>
-              <a:rPr lang="ru-RU" dirty="0" smtClean="0">
-                <a:solidFill>
-                  <a:schemeClr val="tx1"/>
-                </a:solidFill>
-              </a:rPr>
-              <a:t>Хранимые функции для </a:t>
-            </a:r>
-            <a:r>
-              <a:rPr lang="ru-RU" dirty="0" smtClean="0">
-                <a:solidFill>
-                  <a:schemeClr val="tx1"/>
-                </a:solidFill>
-              </a:rPr>
-              <a:t>выборки</a:t>
-            </a:r>
-          </a:p>
-          <a:p>
-            <a:pPr lvl="2">
-              <a:buFont typeface="Arial" panose="020B0604020202020204" pitchFamily="34" charset="0"/>
-              <a:buChar char="•"/>
-            </a:pPr>
-            <a:r>
-              <a:rPr lang="en-US" dirty="0" err="1" smtClean="0">
-                <a:solidFill>
-                  <a:schemeClr val="tx1"/>
-                </a:solidFill>
-              </a:rPr>
-              <a:t>get_products_by_shopid</a:t>
-            </a:r>
-            <a:r>
-              <a:rPr lang="en-US" dirty="0" smtClean="0">
-                <a:solidFill>
-                  <a:schemeClr val="tx1"/>
-                </a:solidFill>
-              </a:rPr>
-              <a:t>(</a:t>
-            </a:r>
-            <a:r>
-              <a:rPr lang="en-US" dirty="0" err="1" smtClean="0">
-                <a:solidFill>
-                  <a:schemeClr val="tx1"/>
-                </a:solidFill>
-              </a:rPr>
-              <a:t>shop_id</a:t>
-            </a:r>
-            <a:r>
-              <a:rPr lang="en-US" dirty="0" smtClean="0">
-                <a:solidFill>
-                  <a:schemeClr val="tx1"/>
-                </a:solidFill>
-              </a:rPr>
-              <a:t>)</a:t>
-            </a:r>
-            <a:endParaRPr lang="en-US" dirty="0">
-              <a:solidFill>
-                <a:schemeClr val="tx1"/>
-              </a:solidFill>
-            </a:endParaRPr>
-          </a:p>
-          <a:p>
-            <a:pPr lvl="2">
-              <a:buFont typeface="Arial" panose="020B0604020202020204" pitchFamily="34" charset="0"/>
-              <a:buChar char="•"/>
-            </a:pPr>
-            <a:r>
-              <a:rPr lang="en-US" dirty="0" err="1" smtClean="0">
-                <a:solidFill>
-                  <a:schemeClr val="tx1"/>
-                </a:solidFill>
-              </a:rPr>
-              <a:t>get_coststory_by_shopid_prodid</a:t>
-            </a:r>
-            <a:r>
-              <a:rPr lang="en-US" dirty="0" smtClean="0">
-                <a:solidFill>
-                  <a:schemeClr val="tx1"/>
-                </a:solidFill>
-              </a:rPr>
-              <a:t>(</a:t>
-            </a:r>
-            <a:r>
-              <a:rPr lang="en-US" dirty="0" err="1" smtClean="0">
-                <a:solidFill>
-                  <a:schemeClr val="tx1"/>
-                </a:solidFill>
-              </a:rPr>
-              <a:t>shop_id</a:t>
-            </a:r>
-            <a:r>
-              <a:rPr lang="en-US" dirty="0" smtClean="0">
-                <a:solidFill>
-                  <a:schemeClr val="tx1"/>
-                </a:solidFill>
-              </a:rPr>
-              <a:t>, </a:t>
-            </a:r>
-            <a:r>
-              <a:rPr lang="en-US" dirty="0" err="1" smtClean="0">
-                <a:solidFill>
-                  <a:schemeClr val="tx1"/>
-                </a:solidFill>
-              </a:rPr>
-              <a:t>prod_id</a:t>
-            </a:r>
-            <a:r>
-              <a:rPr lang="en-US" dirty="0" smtClean="0">
-                <a:solidFill>
-                  <a:schemeClr val="tx1"/>
-                </a:solidFill>
-              </a:rPr>
-              <a:t>)</a:t>
-            </a:r>
-            <a:endParaRPr lang="en-US" dirty="0">
-              <a:solidFill>
-                <a:schemeClr val="tx1"/>
-              </a:solidFill>
-            </a:endParaRPr>
-          </a:p>
-          <a:p>
-            <a:pPr lvl="2">
-              <a:buFont typeface="Arial" panose="020B0604020202020204" pitchFamily="34" charset="0"/>
-              <a:buChar char="•"/>
-            </a:pPr>
-            <a:r>
-              <a:rPr lang="en-US" dirty="0" err="1" smtClean="0">
-                <a:solidFill>
-                  <a:schemeClr val="tx1"/>
-                </a:solidFill>
-              </a:rPr>
-              <a:t>get_salereceipts_by_shopid</a:t>
-            </a:r>
-            <a:r>
-              <a:rPr lang="en-US" dirty="0" smtClean="0">
-                <a:solidFill>
-                  <a:schemeClr val="tx1"/>
-                </a:solidFill>
-              </a:rPr>
-              <a:t>(</a:t>
-            </a:r>
-            <a:r>
-              <a:rPr lang="en-US" dirty="0" err="1" smtClean="0">
-                <a:solidFill>
-                  <a:schemeClr val="tx1"/>
-                </a:solidFill>
-              </a:rPr>
-              <a:t>shop_id</a:t>
-            </a:r>
-            <a:r>
-              <a:rPr lang="en-US" dirty="0" smtClean="0">
-                <a:solidFill>
-                  <a:schemeClr val="tx1"/>
-                </a:solidFill>
-              </a:rPr>
-              <a:t>)</a:t>
-            </a:r>
-            <a:endParaRPr lang="en-US" dirty="0">
-              <a:solidFill>
-                <a:schemeClr val="tx1"/>
-              </a:solidFill>
-            </a:endParaRPr>
-          </a:p>
-          <a:p>
-            <a:pPr lvl="2">
-              <a:buFont typeface="Arial" panose="020B0604020202020204" pitchFamily="34" charset="0"/>
-              <a:buChar char="•"/>
-            </a:pPr>
-            <a:r>
-              <a:rPr lang="en-US" dirty="0" err="1" smtClean="0">
-                <a:solidFill>
-                  <a:schemeClr val="tx1"/>
-                </a:solidFill>
-              </a:rPr>
-              <a:t>get_content_from_salereceipt</a:t>
-            </a:r>
-            <a:r>
-              <a:rPr lang="en-US" dirty="0" smtClean="0">
-                <a:solidFill>
-                  <a:schemeClr val="tx1"/>
-                </a:solidFill>
-              </a:rPr>
-              <a:t>(</a:t>
-            </a:r>
-            <a:r>
-              <a:rPr lang="en-US" dirty="0" err="1" smtClean="0">
-                <a:solidFill>
-                  <a:schemeClr val="tx1"/>
-                </a:solidFill>
-              </a:rPr>
-              <a:t>sr_id</a:t>
-            </a:r>
-            <a:r>
-              <a:rPr lang="en-US" dirty="0" smtClean="0">
-                <a:solidFill>
-                  <a:schemeClr val="tx1"/>
-                </a:solidFill>
-              </a:rPr>
-              <a:t>)</a:t>
-            </a:r>
-            <a:endParaRPr lang="ru-RU" dirty="0" smtClean="0">
-              <a:solidFill>
-                <a:schemeClr val="tx1"/>
-              </a:solidFill>
-            </a:endParaRPr>
-          </a:p>
-          <a:p>
-            <a:pPr lvl="1">
-              <a:buFont typeface="Arial" panose="020B0604020202020204" pitchFamily="34" charset="0"/>
-              <a:buChar char="•"/>
-            </a:pPr>
-            <a:r>
-              <a:rPr lang="ru-RU" dirty="0" smtClean="0">
-                <a:solidFill>
-                  <a:schemeClr val="tx1"/>
-                </a:solidFill>
-              </a:rPr>
-              <a:t>Триггер для обновления истории </a:t>
-            </a:r>
-            <a:r>
-              <a:rPr lang="ru-RU" dirty="0" smtClean="0">
-                <a:solidFill>
-                  <a:schemeClr val="tx1"/>
-                </a:solidFill>
-              </a:rPr>
-              <a:t>цен</a:t>
-            </a:r>
-          </a:p>
-          <a:p>
-            <a:pPr lvl="2">
-              <a:buFont typeface="Arial" panose="020B0604020202020204" pitchFamily="34" charset="0"/>
-              <a:buChar char="•"/>
-            </a:pPr>
-            <a:r>
-              <a:rPr lang="en-US" dirty="0" err="1">
-                <a:solidFill>
-                  <a:schemeClr val="tx1"/>
-                </a:solidFill>
-              </a:rPr>
-              <a:t>r</a:t>
-            </a:r>
-            <a:r>
-              <a:rPr lang="en-US" dirty="0" err="1" smtClean="0">
-                <a:solidFill>
-                  <a:schemeClr val="tx1"/>
-                </a:solidFill>
-              </a:rPr>
-              <a:t>emove_too_old_coststory</a:t>
-            </a:r>
-            <a:endParaRPr lang="ru-RU" dirty="0" smtClean="0">
-              <a:solidFill>
-                <a:schemeClr val="tx1"/>
-              </a:solidFill>
-            </a:endParaRPr>
+            <a:endParaRPr lang="ru-RU"/>
           </a:p>
         </p:txBody>
       </p:sp>
     </p:spTree>
     <p:extLst>
       <p:ext uri="{BB962C8B-B14F-4D97-AF65-F5344CB8AC3E}">
-        <p14:creationId xmlns:p14="http://schemas.microsoft.com/office/powerpoint/2010/main" val="2922407050"/>
+        <p14:creationId xmlns:p14="http://schemas.microsoft.com/office/powerpoint/2010/main" val="3166399022"/>
       </p:ext>
     </p:extLst>
   </p:cSld>

--- a/docs/Presentation.pptx
+++ b/docs/Presentation.pptx
@@ -2,7 +2,7 @@
 <file path=ppt/presentation.xml><?xml version="1.0" encoding="utf-8"?>
 <p:presentation xmlns:a="http://schemas.openxmlformats.org/drawingml/2006/main" xmlns:r="http://schemas.openxmlformats.org/officeDocument/2006/relationships" xmlns:p="http://schemas.openxmlformats.org/presentationml/2006/main" showSpecialPlsOnTitleSld="0" saveSubsetFonts="1">
   <p:sldMasterIdLst>
-    <p:sldMasterId id="2147483677" r:id="rId1"/>
+    <p:sldMasterId id="2147483725" r:id="rId1"/>
   </p:sldMasterIdLst>
   <p:notesMasterIdLst>
     <p:notesMasterId r:id="rId19"/>
@@ -566,7 +566,7 @@
 </file>
 
 <file path=ppt/slideLayouts/slideLayout1.xml><?xml version="1.0" encoding="utf-8"?>
-<p:sldLayout xmlns:a="http://schemas.openxmlformats.org/drawingml/2006/main" xmlns:r="http://schemas.openxmlformats.org/officeDocument/2006/relationships" xmlns:p="http://schemas.openxmlformats.org/presentationml/2006/main" showMasterSp="0" type="title" preserve="1">
+<p:sldLayout xmlns:a="http://schemas.openxmlformats.org/drawingml/2006/main" xmlns:r="http://schemas.openxmlformats.org/officeDocument/2006/relationships" xmlns:p="http://schemas.openxmlformats.org/presentationml/2006/main" type="title" preserve="1">
   <p:cSld name="Титульный слайд">
     <p:spTree>
       <p:nvGrpSpPr>
@@ -584,185 +584,90 @@
       </p:grpSpPr>
       <p:sp>
         <p:nvSpPr>
-          <p:cNvPr id="7" name="Rectangle 6"/>
-          <p:cNvSpPr/>
-          <p:nvPr/>
+          <p:cNvPr id="2" name="Заголовок 1"/>
+          <p:cNvSpPr>
+            <a:spLocks noGrp="1"/>
+          </p:cNvSpPr>
+          <p:nvPr>
+            <p:ph type="ctrTitle"/>
+          </p:nvPr>
         </p:nvSpPr>
         <p:spPr>
           <a:xfrm>
-            <a:off x="3175" y="6400800"/>
-            <a:ext cx="12188825" cy="457200"/>
+            <a:off x="1524000" y="1122363"/>
+            <a:ext cx="9144000" cy="2387600"/>
           </a:xfrm>
-          <a:prstGeom prst="rect">
-            <a:avLst/>
-          </a:prstGeom>
-          <a:solidFill>
-            <a:schemeClr val="accent2"/>
-          </a:solidFill>
-          <a:ln>
-            <a:noFill/>
-          </a:ln>
         </p:spPr>
-        <p:style>
-          <a:lnRef idx="2">
-            <a:schemeClr val="accent1">
-              <a:shade val="50000"/>
-            </a:schemeClr>
-          </a:lnRef>
-          <a:fillRef idx="1">
-            <a:schemeClr val="accent1"/>
-          </a:fillRef>
-          <a:effectRef idx="0">
-            <a:schemeClr val="accent1"/>
-          </a:effectRef>
-          <a:fontRef idx="minor">
-            <a:schemeClr val="lt1"/>
-          </a:fontRef>
-        </p:style>
-      </p:sp>
-      <p:sp>
-        <p:nvSpPr>
-          <p:cNvPr id="8" name="Rectangle 7"/>
-          <p:cNvSpPr/>
-          <p:nvPr/>
+        <p:txBody>
+          <a:bodyPr anchor="b"/>
+          <a:lstStyle>
+            <a:lvl1pPr algn="ctr">
+              <a:defRPr sz="6000"/>
+            </a:lvl1pPr>
+          </a:lstStyle>
+          <a:p>
+            <a:r>
+              <a:rPr lang="ru-RU" smtClean="0"/>
+              <a:t>Образец заголовка</a:t>
+            </a:r>
+            <a:endParaRPr lang="ru-RU"/>
+          </a:p>
+        </p:txBody>
+      </p:sp>
+      <p:sp>
+        <p:nvSpPr>
+          <p:cNvPr id="3" name="Подзаголовок 2"/>
+          <p:cNvSpPr>
+            <a:spLocks noGrp="1"/>
+          </p:cNvSpPr>
+          <p:nvPr>
+            <p:ph type="subTitle" idx="1"/>
+          </p:nvPr>
         </p:nvSpPr>
         <p:spPr>
           <a:xfrm>
-            <a:off x="15" y="6334316"/>
-            <a:ext cx="12188825" cy="64008"/>
-          </a:xfrm>
-          <a:prstGeom prst="rect">
-            <a:avLst/>
-          </a:prstGeom>
-          <a:solidFill>
-            <a:schemeClr val="accent1"/>
-          </a:solidFill>
-          <a:ln>
-            <a:noFill/>
-          </a:ln>
-        </p:spPr>
-        <p:style>
-          <a:lnRef idx="2">
-            <a:schemeClr val="accent1">
-              <a:shade val="50000"/>
-            </a:schemeClr>
-          </a:lnRef>
-          <a:fillRef idx="1">
-            <a:schemeClr val="accent1"/>
-          </a:fillRef>
-          <a:effectRef idx="0">
-            <a:schemeClr val="accent1"/>
-          </a:effectRef>
-          <a:fontRef idx="minor">
-            <a:schemeClr val="lt1"/>
-          </a:fontRef>
-        </p:style>
-      </p:sp>
-      <p:sp>
-        <p:nvSpPr>
-          <p:cNvPr id="2" name="Title 1"/>
-          <p:cNvSpPr>
-            <a:spLocks noGrp="1"/>
-          </p:cNvSpPr>
-          <p:nvPr>
-            <p:ph type="ctrTitle"/>
-          </p:nvPr>
-        </p:nvSpPr>
-        <p:spPr>
-          <a:xfrm>
-            <a:off x="1097280" y="758952"/>
-            <a:ext cx="10058400" cy="3566160"/>
+            <a:off x="1524000" y="3602038"/>
+            <a:ext cx="9144000" cy="1655762"/>
           </a:xfrm>
         </p:spPr>
         <p:txBody>
-          <a:bodyPr anchor="b">
-            <a:normAutofit/>
-          </a:bodyPr>
+          <a:bodyPr/>
           <a:lstStyle>
-            <a:lvl1pPr algn="l">
-              <a:lnSpc>
-                <a:spcPct val="85000"/>
-              </a:lnSpc>
-              <a:defRPr sz="8000" spc="-50" baseline="0">
-                <a:solidFill>
-                  <a:schemeClr val="tx1">
-                    <a:lumMod val="85000"/>
-                    <a:lumOff val="15000"/>
-                  </a:schemeClr>
-                </a:solidFill>
-              </a:defRPr>
-            </a:lvl1pPr>
-          </a:lstStyle>
-          <a:p>
-            <a:r>
-              <a:rPr lang="ru-RU" smtClean="0"/>
-              <a:t>Образец заголовка</a:t>
-            </a:r>
-            <a:endParaRPr lang="en-US" dirty="0"/>
-          </a:p>
-        </p:txBody>
-      </p:sp>
-      <p:sp>
-        <p:nvSpPr>
-          <p:cNvPr id="3" name="Subtitle 2"/>
-          <p:cNvSpPr>
-            <a:spLocks noGrp="1"/>
-          </p:cNvSpPr>
-          <p:nvPr>
-            <p:ph type="subTitle" idx="1"/>
-          </p:nvPr>
-        </p:nvSpPr>
-        <p:spPr>
-          <a:xfrm>
-            <a:off x="1100051" y="4455620"/>
-            <a:ext cx="10058400" cy="1143000"/>
-          </a:xfrm>
-        </p:spPr>
-        <p:txBody>
-          <a:bodyPr lIns="91440" rIns="91440">
-            <a:normAutofit/>
-          </a:bodyPr>
-          <a:lstStyle>
-            <a:lvl1pPr marL="0" indent="0" algn="l">
+            <a:lvl1pPr marL="0" indent="0" algn="ctr">
               <a:buNone/>
-              <a:defRPr sz="2400" cap="all" spc="200" baseline="0">
-                <a:solidFill>
-                  <a:schemeClr val="tx2"/>
-                </a:solidFill>
-                <a:latin typeface="+mj-lt"/>
-              </a:defRPr>
+              <a:defRPr sz="2400"/>
             </a:lvl1pPr>
             <a:lvl2pPr marL="457200" indent="0" algn="ctr">
               <a:buNone/>
-              <a:defRPr sz="2400"/>
+              <a:defRPr sz="2000"/>
             </a:lvl2pPr>
             <a:lvl3pPr marL="914400" indent="0" algn="ctr">
               <a:buNone/>
-              <a:defRPr sz="2400"/>
+              <a:defRPr sz="1800"/>
             </a:lvl3pPr>
             <a:lvl4pPr marL="1371600" indent="0" algn="ctr">
               <a:buNone/>
-              <a:defRPr sz="2000"/>
+              <a:defRPr sz="1600"/>
             </a:lvl4pPr>
             <a:lvl5pPr marL="1828800" indent="0" algn="ctr">
               <a:buNone/>
-              <a:defRPr sz="2000"/>
+              <a:defRPr sz="1600"/>
             </a:lvl5pPr>
             <a:lvl6pPr marL="2286000" indent="0" algn="ctr">
               <a:buNone/>
-              <a:defRPr sz="2000"/>
+              <a:defRPr sz="1600"/>
             </a:lvl6pPr>
             <a:lvl7pPr marL="2743200" indent="0" algn="ctr">
               <a:buNone/>
-              <a:defRPr sz="2000"/>
+              <a:defRPr sz="1600"/>
             </a:lvl7pPr>
             <a:lvl8pPr marL="3200400" indent="0" algn="ctr">
               <a:buNone/>
-              <a:defRPr sz="2000"/>
+              <a:defRPr sz="1600"/>
             </a:lvl8pPr>
             <a:lvl9pPr marL="3657600" indent="0" algn="ctr">
               <a:buNone/>
-              <a:defRPr sz="2000"/>
+              <a:defRPr sz="1600"/>
             </a:lvl9pPr>
           </a:lstStyle>
           <a:p>
@@ -770,13 +675,13 @@
               <a:rPr lang="ru-RU" smtClean="0"/>
               <a:t>Образец подзаголовка</a:t>
             </a:r>
-            <a:endParaRPr lang="en-US" dirty="0"/>
-          </a:p>
-        </p:txBody>
-      </p:sp>
-      <p:sp>
-        <p:nvSpPr>
-          <p:cNvPr id="4" name="Date Placeholder 3"/>
+            <a:endParaRPr lang="ru-RU"/>
+          </a:p>
+        </p:txBody>
+      </p:sp>
+      <p:sp>
+        <p:nvSpPr>
+          <p:cNvPr id="4" name="Дата 3"/>
           <p:cNvSpPr>
             <a:spLocks noGrp="1"/>
           </p:cNvSpPr>
@@ -799,7 +704,7 @@
       </p:sp>
       <p:sp>
         <p:nvSpPr>
-          <p:cNvPr id="5" name="Footer Placeholder 4"/>
+          <p:cNvPr id="5" name="Нижний колонтитул 4"/>
           <p:cNvSpPr>
             <a:spLocks noGrp="1"/>
           </p:cNvSpPr>
@@ -818,7 +723,7 @@
       </p:sp>
       <p:sp>
         <p:nvSpPr>
-          <p:cNvPr id="6" name="Slide Number Placeholder 5"/>
+          <p:cNvPr id="6" name="Номер слайда 5"/>
           <p:cNvSpPr>
             <a:spLocks noGrp="1"/>
           </p:cNvSpPr>
@@ -839,48 +744,10 @@
           </a:p>
         </p:txBody>
       </p:sp>
-      <p:cxnSp>
-        <p:nvCxnSpPr>
-          <p:cNvPr id="9" name="Straight Connector 8"/>
-          <p:cNvCxnSpPr/>
-          <p:nvPr/>
-        </p:nvCxnSpPr>
-        <p:spPr>
-          <a:xfrm>
-            <a:off x="1207658" y="4343400"/>
-            <a:ext cx="9875520" cy="0"/>
-          </a:xfrm>
-          <a:prstGeom prst="line">
-            <a:avLst/>
-          </a:prstGeom>
-          <a:ln w="6350">
-            <a:solidFill>
-              <a:schemeClr val="tx1">
-                <a:lumMod val="50000"/>
-                <a:lumOff val="50000"/>
-              </a:schemeClr>
-            </a:solidFill>
-          </a:ln>
-        </p:spPr>
-        <p:style>
-          <a:lnRef idx="1">
-            <a:schemeClr val="accent1"/>
-          </a:lnRef>
-          <a:fillRef idx="0">
-            <a:schemeClr val="accent1"/>
-          </a:fillRef>
-          <a:effectRef idx="0">
-            <a:schemeClr val="accent1"/>
-          </a:effectRef>
-          <a:fontRef idx="minor">
-            <a:schemeClr val="tx1"/>
-          </a:fontRef>
-        </p:style>
-      </p:cxnSp>
     </p:spTree>
     <p:extLst>
       <p:ext uri="{BB962C8B-B14F-4D97-AF65-F5344CB8AC3E}">
-        <p14:creationId xmlns:p14="http://schemas.microsoft.com/office/powerpoint/2010/main" val="1154143776"/>
+        <p14:creationId xmlns:p14="http://schemas.microsoft.com/office/powerpoint/2010/main" val="726624072"/>
       </p:ext>
     </p:extLst>
   </p:cSld>
@@ -909,7 +776,7 @@
       </p:grpSpPr>
       <p:sp>
         <p:nvSpPr>
-          <p:cNvPr id="2" name="Title 1"/>
+          <p:cNvPr id="2" name="Заголовок 1"/>
           <p:cNvSpPr>
             <a:spLocks noGrp="1"/>
           </p:cNvSpPr>
@@ -926,13 +793,13 @@
               <a:rPr lang="ru-RU" smtClean="0"/>
               <a:t>Образец заголовка</a:t>
             </a:r>
-            <a:endParaRPr lang="en-US" dirty="0"/>
-          </a:p>
-        </p:txBody>
-      </p:sp>
-      <p:sp>
-        <p:nvSpPr>
-          <p:cNvPr id="3" name="Vertical Text Placeholder 2"/>
+            <a:endParaRPr lang="ru-RU"/>
+          </a:p>
+        </p:txBody>
+      </p:sp>
+      <p:sp>
+        <p:nvSpPr>
+          <p:cNvPr id="3" name="Вертикальный текст 2"/>
           <p:cNvSpPr>
             <a:spLocks noGrp="1"/>
           </p:cNvSpPr>
@@ -942,7 +809,7 @@
         </p:nvSpPr>
         <p:spPr/>
         <p:txBody>
-          <a:bodyPr vert="eaVert" lIns="45720" tIns="0" rIns="45720" bIns="0"/>
+          <a:bodyPr vert="eaVert"/>
           <a:lstStyle/>
           <a:p>
             <a:pPr lvl="0"/>
@@ -978,13 +845,13 @@
               <a:rPr lang="ru-RU" smtClean="0"/>
               <a:t>Пятый уровень</a:t>
             </a:r>
-            <a:endParaRPr lang="en-US" dirty="0"/>
-          </a:p>
-        </p:txBody>
-      </p:sp>
-      <p:sp>
-        <p:nvSpPr>
-          <p:cNvPr id="4" name="Date Placeholder 3"/>
+            <a:endParaRPr lang="ru-RU"/>
+          </a:p>
+        </p:txBody>
+      </p:sp>
+      <p:sp>
+        <p:nvSpPr>
+          <p:cNvPr id="4" name="Дата 3"/>
           <p:cNvSpPr>
             <a:spLocks noGrp="1"/>
           </p:cNvSpPr>
@@ -1007,7 +874,7 @@
       </p:sp>
       <p:sp>
         <p:nvSpPr>
-          <p:cNvPr id="5" name="Footer Placeholder 4"/>
+          <p:cNvPr id="5" name="Нижний колонтитул 4"/>
           <p:cNvSpPr>
             <a:spLocks noGrp="1"/>
           </p:cNvSpPr>
@@ -1026,7 +893,7 @@
       </p:sp>
       <p:sp>
         <p:nvSpPr>
-          <p:cNvPr id="6" name="Slide Number Placeholder 5"/>
+          <p:cNvPr id="6" name="Номер слайда 5"/>
           <p:cNvSpPr>
             <a:spLocks noGrp="1"/>
           </p:cNvSpPr>
@@ -1050,7 +917,7 @@
     </p:spTree>
     <p:extLst>
       <p:ext uri="{BB962C8B-B14F-4D97-AF65-F5344CB8AC3E}">
-        <p14:creationId xmlns:p14="http://schemas.microsoft.com/office/powerpoint/2010/main" val="568464732"/>
+        <p14:creationId xmlns:p14="http://schemas.microsoft.com/office/powerpoint/2010/main" val="17678658"/>
       </p:ext>
     </p:extLst>
   </p:cSld>
@@ -1061,7 +928,7 @@
 </file>
 
 <file path=ppt/slideLayouts/slideLayout11.xml><?xml version="1.0" encoding="utf-8"?>
-<p:sldLayout xmlns:a="http://schemas.openxmlformats.org/drawingml/2006/main" xmlns:r="http://schemas.openxmlformats.org/officeDocument/2006/relationships" xmlns:p="http://schemas.openxmlformats.org/presentationml/2006/main" showMasterSp="0" type="vertTitleAndTx" preserve="1">
+<p:sldLayout xmlns:a="http://schemas.openxmlformats.org/drawingml/2006/main" xmlns:r="http://schemas.openxmlformats.org/officeDocument/2006/relationships" xmlns:p="http://schemas.openxmlformats.org/presentationml/2006/main" type="vertTitleAndTx" preserve="1">
   <p:cSld name="Вертикальный заголовок и текст">
     <p:spTree>
       <p:nvGrpSpPr>
@@ -1079,128 +946,52 @@
       </p:grpSpPr>
       <p:sp>
         <p:nvSpPr>
-          <p:cNvPr id="7" name="Rectangle 6"/>
-          <p:cNvSpPr/>
-          <p:nvPr/>
+          <p:cNvPr id="2" name="Вертикальный заголовок 1"/>
+          <p:cNvSpPr>
+            <a:spLocks noGrp="1"/>
+          </p:cNvSpPr>
+          <p:nvPr>
+            <p:ph type="title" orient="vert"/>
+          </p:nvPr>
         </p:nvSpPr>
         <p:spPr>
           <a:xfrm>
-            <a:off x="3175" y="6400800"/>
-            <a:ext cx="12188825" cy="457200"/>
+            <a:off x="8724900" y="365125"/>
+            <a:ext cx="2628900" cy="5811838"/>
           </a:xfrm>
-          <a:prstGeom prst="rect">
-            <a:avLst/>
-          </a:prstGeom>
-          <a:solidFill>
-            <a:schemeClr val="accent2"/>
-          </a:solidFill>
-          <a:ln>
-            <a:noFill/>
-          </a:ln>
         </p:spPr>
-        <p:style>
-          <a:lnRef idx="2">
-            <a:schemeClr val="accent1">
-              <a:shade val="50000"/>
-            </a:schemeClr>
-          </a:lnRef>
-          <a:fillRef idx="1">
-            <a:schemeClr val="accent1"/>
-          </a:fillRef>
-          <a:effectRef idx="0">
-            <a:schemeClr val="accent1"/>
-          </a:effectRef>
-          <a:fontRef idx="minor">
-            <a:schemeClr val="lt1"/>
-          </a:fontRef>
-        </p:style>
-      </p:sp>
-      <p:sp>
-        <p:nvSpPr>
-          <p:cNvPr id="8" name="Rectangle 7"/>
-          <p:cNvSpPr/>
-          <p:nvPr/>
+        <p:txBody>
+          <a:bodyPr vert="eaVert"/>
+          <a:lstStyle/>
+          <a:p>
+            <a:r>
+              <a:rPr lang="ru-RU" smtClean="0"/>
+              <a:t>Образец заголовка</a:t>
+            </a:r>
+            <a:endParaRPr lang="ru-RU"/>
+          </a:p>
+        </p:txBody>
+      </p:sp>
+      <p:sp>
+        <p:nvSpPr>
+          <p:cNvPr id="3" name="Вертикальный текст 2"/>
+          <p:cNvSpPr>
+            <a:spLocks noGrp="1"/>
+          </p:cNvSpPr>
+          <p:nvPr>
+            <p:ph type="body" orient="vert" idx="1"/>
+          </p:nvPr>
         </p:nvSpPr>
         <p:spPr>
           <a:xfrm>
-            <a:off x="15" y="6334316"/>
-            <a:ext cx="12188825" cy="64008"/>
-          </a:xfrm>
-          <a:prstGeom prst="rect">
-            <a:avLst/>
-          </a:prstGeom>
-          <a:solidFill>
-            <a:schemeClr val="accent1"/>
-          </a:solidFill>
-          <a:ln>
-            <a:noFill/>
-          </a:ln>
-        </p:spPr>
-        <p:style>
-          <a:lnRef idx="2">
-            <a:schemeClr val="accent1">
-              <a:shade val="50000"/>
-            </a:schemeClr>
-          </a:lnRef>
-          <a:fillRef idx="1">
-            <a:schemeClr val="accent1"/>
-          </a:fillRef>
-          <a:effectRef idx="0">
-            <a:schemeClr val="accent1"/>
-          </a:effectRef>
-          <a:fontRef idx="minor">
-            <a:schemeClr val="lt1"/>
-          </a:fontRef>
-        </p:style>
-      </p:sp>
-      <p:sp>
-        <p:nvSpPr>
-          <p:cNvPr id="2" name="Vertical Title 1"/>
-          <p:cNvSpPr>
-            <a:spLocks noGrp="1"/>
-          </p:cNvSpPr>
-          <p:nvPr>
-            <p:ph type="title" orient="vert"/>
-          </p:nvPr>
-        </p:nvSpPr>
-        <p:spPr>
-          <a:xfrm>
-            <a:off x="8724900" y="414778"/>
-            <a:ext cx="2628900" cy="5757421"/>
+            <a:off x="838200" y="365125"/>
+            <a:ext cx="7734300" cy="5811838"/>
           </a:xfrm>
         </p:spPr>
         <p:txBody>
           <a:bodyPr vert="eaVert"/>
           <a:lstStyle/>
           <a:p>
-            <a:r>
-              <a:rPr lang="ru-RU" smtClean="0"/>
-              <a:t>Образец заголовка</a:t>
-            </a:r>
-            <a:endParaRPr lang="en-US" dirty="0"/>
-          </a:p>
-        </p:txBody>
-      </p:sp>
-      <p:sp>
-        <p:nvSpPr>
-          <p:cNvPr id="3" name="Vertical Text Placeholder 2"/>
-          <p:cNvSpPr>
-            <a:spLocks noGrp="1"/>
-          </p:cNvSpPr>
-          <p:nvPr>
-            <p:ph type="body" orient="vert" idx="1"/>
-          </p:nvPr>
-        </p:nvSpPr>
-        <p:spPr>
-          <a:xfrm>
-            <a:off x="838200" y="414778"/>
-            <a:ext cx="7734300" cy="5757422"/>
-          </a:xfrm>
-        </p:spPr>
-        <p:txBody>
-          <a:bodyPr vert="eaVert" lIns="45720" tIns="0" rIns="45720" bIns="0"/>
-          <a:lstStyle/>
-          <a:p>
             <a:pPr lvl="0"/>
             <a:r>
               <a:rPr lang="ru-RU" smtClean="0"/>
@@ -1234,13 +1025,13 @@
               <a:rPr lang="ru-RU" smtClean="0"/>
               <a:t>Пятый уровень</a:t>
             </a:r>
-            <a:endParaRPr lang="en-US" dirty="0"/>
-          </a:p>
-        </p:txBody>
-      </p:sp>
-      <p:sp>
-        <p:nvSpPr>
-          <p:cNvPr id="4" name="Date Placeholder 3"/>
+            <a:endParaRPr lang="ru-RU"/>
+          </a:p>
+        </p:txBody>
+      </p:sp>
+      <p:sp>
+        <p:nvSpPr>
+          <p:cNvPr id="4" name="Дата 3"/>
           <p:cNvSpPr>
             <a:spLocks noGrp="1"/>
           </p:cNvSpPr>
@@ -1263,7 +1054,7 @@
       </p:sp>
       <p:sp>
         <p:nvSpPr>
-          <p:cNvPr id="5" name="Footer Placeholder 4"/>
+          <p:cNvPr id="5" name="Нижний колонтитул 4"/>
           <p:cNvSpPr>
             <a:spLocks noGrp="1"/>
           </p:cNvSpPr>
@@ -1282,7 +1073,7 @@
       </p:sp>
       <p:sp>
         <p:nvSpPr>
-          <p:cNvPr id="6" name="Slide Number Placeholder 5"/>
+          <p:cNvPr id="6" name="Номер слайда 5"/>
           <p:cNvSpPr>
             <a:spLocks noGrp="1"/>
           </p:cNvSpPr>
@@ -1306,7 +1097,7 @@
     </p:spTree>
     <p:extLst>
       <p:ext uri="{BB962C8B-B14F-4D97-AF65-F5344CB8AC3E}">
-        <p14:creationId xmlns:p14="http://schemas.microsoft.com/office/powerpoint/2010/main" val="2291596236"/>
+        <p14:creationId xmlns:p14="http://schemas.microsoft.com/office/powerpoint/2010/main" val="1449864081"/>
       </p:ext>
     </p:extLst>
   </p:cSld>
@@ -1335,7 +1126,7 @@
       </p:grpSpPr>
       <p:sp>
         <p:nvSpPr>
-          <p:cNvPr id="2" name="Title 1"/>
+          <p:cNvPr id="2" name="Заголовок 1"/>
           <p:cNvSpPr>
             <a:spLocks noGrp="1"/>
           </p:cNvSpPr>
@@ -1346,23 +1137,19 @@
         <p:spPr/>
         <p:txBody>
           <a:bodyPr/>
-          <a:lstStyle>
-            <a:lvl1pPr marL="0">
-              <a:defRPr/>
-            </a:lvl1pPr>
-          </a:lstStyle>
+          <a:lstStyle/>
           <a:p>
             <a:r>
               <a:rPr lang="ru-RU" smtClean="0"/>
               <a:t>Образец заголовка</a:t>
             </a:r>
-            <a:endParaRPr lang="en-US" dirty="0"/>
-          </a:p>
-        </p:txBody>
-      </p:sp>
-      <p:sp>
-        <p:nvSpPr>
-          <p:cNvPr id="3" name="Content Placeholder 2"/>
+            <a:endParaRPr lang="ru-RU"/>
+          </a:p>
+        </p:txBody>
+      </p:sp>
+      <p:sp>
+        <p:nvSpPr>
+          <p:cNvPr id="3" name="Объект 2"/>
           <p:cNvSpPr>
             <a:spLocks noGrp="1"/>
           </p:cNvSpPr>
@@ -1408,13 +1195,13 @@
               <a:rPr lang="ru-RU" smtClean="0"/>
               <a:t>Пятый уровень</a:t>
             </a:r>
-            <a:endParaRPr lang="en-US" dirty="0"/>
-          </a:p>
-        </p:txBody>
-      </p:sp>
-      <p:sp>
-        <p:nvSpPr>
-          <p:cNvPr id="4" name="Date Placeholder 3"/>
+            <a:endParaRPr lang="ru-RU"/>
+          </a:p>
+        </p:txBody>
+      </p:sp>
+      <p:sp>
+        <p:nvSpPr>
+          <p:cNvPr id="4" name="Дата 3"/>
           <p:cNvSpPr>
             <a:spLocks noGrp="1"/>
           </p:cNvSpPr>
@@ -1437,7 +1224,7 @@
       </p:sp>
       <p:sp>
         <p:nvSpPr>
-          <p:cNvPr id="5" name="Footer Placeholder 4"/>
+          <p:cNvPr id="5" name="Нижний колонтитул 4"/>
           <p:cNvSpPr>
             <a:spLocks noGrp="1"/>
           </p:cNvSpPr>
@@ -1456,7 +1243,7 @@
       </p:sp>
       <p:sp>
         <p:nvSpPr>
-          <p:cNvPr id="6" name="Slide Number Placeholder 5"/>
+          <p:cNvPr id="6" name="Номер слайда 5"/>
           <p:cNvSpPr>
             <a:spLocks noGrp="1"/>
           </p:cNvSpPr>
@@ -1480,7 +1267,7 @@
     </p:spTree>
     <p:extLst>
       <p:ext uri="{BB962C8B-B14F-4D97-AF65-F5344CB8AC3E}">
-        <p14:creationId xmlns:p14="http://schemas.microsoft.com/office/powerpoint/2010/main" val="291701990"/>
+        <p14:creationId xmlns:p14="http://schemas.microsoft.com/office/powerpoint/2010/main" val="3482540581"/>
       </p:ext>
     </p:extLst>
   </p:cSld>
@@ -1491,16 +1278,8 @@
 </file>
 
 <file path=ppt/slideLayouts/slideLayout3.xml><?xml version="1.0" encoding="utf-8"?>
-<p:sldLayout xmlns:a="http://schemas.openxmlformats.org/drawingml/2006/main" xmlns:r="http://schemas.openxmlformats.org/officeDocument/2006/relationships" xmlns:p="http://schemas.openxmlformats.org/presentationml/2006/main" showMasterSp="0" type="secHead" preserve="1">
+<p:sldLayout xmlns:a="http://schemas.openxmlformats.org/drawingml/2006/main" xmlns:r="http://schemas.openxmlformats.org/officeDocument/2006/relationships" xmlns:p="http://schemas.openxmlformats.org/presentationml/2006/main" type="secHead" preserve="1">
   <p:cSld name="Заголовок раздела">
-    <p:bg>
-      <p:bgPr>
-        <a:solidFill>
-          <a:schemeClr val="bg1"/>
-        </a:solidFill>
-        <a:effectLst/>
-      </p:bgPr>
-    </p:bg>
     <p:spTree>
       <p:nvGrpSpPr>
         <p:cNvPr id="1" name=""/>
@@ -1517,157 +1296,68 @@
       </p:grpSpPr>
       <p:sp>
         <p:nvSpPr>
-          <p:cNvPr id="7" name="Rectangle 6"/>
-          <p:cNvSpPr/>
-          <p:nvPr/>
+          <p:cNvPr id="2" name="Заголовок 1"/>
+          <p:cNvSpPr>
+            <a:spLocks noGrp="1"/>
+          </p:cNvSpPr>
+          <p:nvPr>
+            <p:ph type="title"/>
+          </p:nvPr>
         </p:nvSpPr>
         <p:spPr>
           <a:xfrm>
-            <a:off x="3175" y="6400800"/>
-            <a:ext cx="12188825" cy="457200"/>
+            <a:off x="831850" y="1709738"/>
+            <a:ext cx="10515600" cy="2852737"/>
           </a:xfrm>
-          <a:prstGeom prst="rect">
-            <a:avLst/>
-          </a:prstGeom>
-          <a:solidFill>
-            <a:schemeClr val="accent2"/>
-          </a:solidFill>
-          <a:ln>
-            <a:noFill/>
-          </a:ln>
         </p:spPr>
-        <p:style>
-          <a:lnRef idx="2">
-            <a:schemeClr val="accent1">
-              <a:shade val="50000"/>
-            </a:schemeClr>
-          </a:lnRef>
-          <a:fillRef idx="1">
-            <a:schemeClr val="accent1"/>
-          </a:fillRef>
-          <a:effectRef idx="0">
-            <a:schemeClr val="accent1"/>
-          </a:effectRef>
-          <a:fontRef idx="minor">
-            <a:schemeClr val="lt1"/>
-          </a:fontRef>
-        </p:style>
-      </p:sp>
-      <p:sp>
-        <p:nvSpPr>
-          <p:cNvPr id="8" name="Rectangle 7"/>
-          <p:cNvSpPr/>
-          <p:nvPr/>
+        <p:txBody>
+          <a:bodyPr anchor="b"/>
+          <a:lstStyle>
+            <a:lvl1pPr>
+              <a:defRPr sz="6000"/>
+            </a:lvl1pPr>
+          </a:lstStyle>
+          <a:p>
+            <a:r>
+              <a:rPr lang="ru-RU" smtClean="0"/>
+              <a:t>Образец заголовка</a:t>
+            </a:r>
+            <a:endParaRPr lang="ru-RU"/>
+          </a:p>
+        </p:txBody>
+      </p:sp>
+      <p:sp>
+        <p:nvSpPr>
+          <p:cNvPr id="3" name="Текст 2"/>
+          <p:cNvSpPr>
+            <a:spLocks noGrp="1"/>
+          </p:cNvSpPr>
+          <p:nvPr>
+            <p:ph type="body" idx="1"/>
+          </p:nvPr>
         </p:nvSpPr>
         <p:spPr>
           <a:xfrm>
-            <a:off x="15" y="6334316"/>
-            <a:ext cx="12188825" cy="64008"/>
-          </a:xfrm>
-          <a:prstGeom prst="rect">
-            <a:avLst/>
-          </a:prstGeom>
-          <a:solidFill>
-            <a:schemeClr val="accent1"/>
-          </a:solidFill>
-          <a:ln>
-            <a:noFill/>
-          </a:ln>
-        </p:spPr>
-        <p:style>
-          <a:lnRef idx="2">
-            <a:schemeClr val="accent1">
-              <a:shade val="50000"/>
-            </a:schemeClr>
-          </a:lnRef>
-          <a:fillRef idx="1">
-            <a:schemeClr val="accent1"/>
-          </a:fillRef>
-          <a:effectRef idx="0">
-            <a:schemeClr val="accent1"/>
-          </a:effectRef>
-          <a:fontRef idx="minor">
-            <a:schemeClr val="lt1"/>
-          </a:fontRef>
-        </p:style>
-      </p:sp>
-      <p:sp>
-        <p:nvSpPr>
-          <p:cNvPr id="2" name="Title 1"/>
-          <p:cNvSpPr>
-            <a:spLocks noGrp="1"/>
-          </p:cNvSpPr>
-          <p:nvPr>
-            <p:ph type="title"/>
-          </p:nvPr>
-        </p:nvSpPr>
-        <p:spPr>
-          <a:xfrm>
-            <a:off x="1097280" y="758952"/>
-            <a:ext cx="10058400" cy="3566160"/>
+            <a:off x="831850" y="4589463"/>
+            <a:ext cx="10515600" cy="1500187"/>
           </a:xfrm>
         </p:spPr>
         <p:txBody>
-          <a:bodyPr anchor="b" anchorCtr="0">
-            <a:normAutofit/>
-          </a:bodyPr>
-          <a:lstStyle>
-            <a:lvl1pPr>
-              <a:lnSpc>
-                <a:spcPct val="85000"/>
-              </a:lnSpc>
-              <a:defRPr sz="8000" b="0">
-                <a:solidFill>
-                  <a:schemeClr val="tx1">
-                    <a:lumMod val="85000"/>
-                    <a:lumOff val="15000"/>
-                  </a:schemeClr>
-                </a:solidFill>
-              </a:defRPr>
-            </a:lvl1pPr>
-          </a:lstStyle>
-          <a:p>
-            <a:r>
-              <a:rPr lang="ru-RU" smtClean="0"/>
-              <a:t>Образец заголовка</a:t>
-            </a:r>
-            <a:endParaRPr lang="en-US" dirty="0"/>
-          </a:p>
-        </p:txBody>
-      </p:sp>
-      <p:sp>
-        <p:nvSpPr>
-          <p:cNvPr id="3" name="Text Placeholder 2"/>
-          <p:cNvSpPr>
-            <a:spLocks noGrp="1"/>
-          </p:cNvSpPr>
-          <p:nvPr>
-            <p:ph type="body" idx="1"/>
-          </p:nvPr>
-        </p:nvSpPr>
-        <p:spPr>
-          <a:xfrm>
-            <a:off x="1097280" y="4453128"/>
-            <a:ext cx="10058400" cy="1143000"/>
-          </a:xfrm>
-        </p:spPr>
-        <p:txBody>
-          <a:bodyPr lIns="91440" rIns="91440" anchor="t" anchorCtr="0">
-            <a:normAutofit/>
-          </a:bodyPr>
+          <a:bodyPr/>
           <a:lstStyle>
             <a:lvl1pPr marL="0" indent="0">
               <a:buNone/>
-              <a:defRPr sz="2400" cap="all" spc="200" baseline="0">
-                <a:solidFill>
-                  <a:schemeClr val="tx2"/>
-                </a:solidFill>
-                <a:latin typeface="+mj-lt"/>
+              <a:defRPr sz="2400">
+                <a:solidFill>
+                  <a:schemeClr val="tx1">
+                    <a:tint val="75000"/>
+                  </a:schemeClr>
+                </a:solidFill>
               </a:defRPr>
             </a:lvl1pPr>
             <a:lvl2pPr marL="457200" indent="0">
               <a:buNone/>
-              <a:defRPr sz="1800">
+              <a:defRPr sz="2000">
                 <a:solidFill>
                   <a:schemeClr val="tx1">
                     <a:tint val="75000"/>
@@ -1677,7 +1367,7 @@
             </a:lvl2pPr>
             <a:lvl3pPr marL="914400" indent="0">
               <a:buNone/>
-              <a:defRPr sz="1600">
+              <a:defRPr sz="1800">
                 <a:solidFill>
                   <a:schemeClr val="tx1">
                     <a:tint val="75000"/>
@@ -1687,7 +1377,7 @@
             </a:lvl3pPr>
             <a:lvl4pPr marL="1371600" indent="0">
               <a:buNone/>
-              <a:defRPr sz="1400">
+              <a:defRPr sz="1600">
                 <a:solidFill>
                   <a:schemeClr val="tx1">
                     <a:tint val="75000"/>
@@ -1697,7 +1387,7 @@
             </a:lvl4pPr>
             <a:lvl5pPr marL="1828800" indent="0">
               <a:buNone/>
-              <a:defRPr sz="1400">
+              <a:defRPr sz="1600">
                 <a:solidFill>
                   <a:schemeClr val="tx1">
                     <a:tint val="75000"/>
@@ -1707,7 +1397,7 @@
             </a:lvl5pPr>
             <a:lvl6pPr marL="2286000" indent="0">
               <a:buNone/>
-              <a:defRPr sz="1400">
+              <a:defRPr sz="1600">
                 <a:solidFill>
                   <a:schemeClr val="tx1">
                     <a:tint val="75000"/>
@@ -1717,7 +1407,7 @@
             </a:lvl6pPr>
             <a:lvl7pPr marL="2743200" indent="0">
               <a:buNone/>
-              <a:defRPr sz="1400">
+              <a:defRPr sz="1600">
                 <a:solidFill>
                   <a:schemeClr val="tx1">
                     <a:tint val="75000"/>
@@ -1727,7 +1417,7 @@
             </a:lvl7pPr>
             <a:lvl8pPr marL="3200400" indent="0">
               <a:buNone/>
-              <a:defRPr sz="1400">
+              <a:defRPr sz="1600">
                 <a:solidFill>
                   <a:schemeClr val="tx1">
                     <a:tint val="75000"/>
@@ -1737,7 +1427,7 @@
             </a:lvl8pPr>
             <a:lvl9pPr marL="3657600" indent="0">
               <a:buNone/>
-              <a:defRPr sz="1400">
+              <a:defRPr sz="1600">
                 <a:solidFill>
                   <a:schemeClr val="tx1">
                     <a:tint val="75000"/>
@@ -1757,7 +1447,7 @@
       </p:sp>
       <p:sp>
         <p:nvSpPr>
-          <p:cNvPr id="4" name="Date Placeholder 3"/>
+          <p:cNvPr id="4" name="Дата 3"/>
           <p:cNvSpPr>
             <a:spLocks noGrp="1"/>
           </p:cNvSpPr>
@@ -1780,7 +1470,7 @@
       </p:sp>
       <p:sp>
         <p:nvSpPr>
-          <p:cNvPr id="5" name="Footer Placeholder 4"/>
+          <p:cNvPr id="5" name="Нижний колонтитул 4"/>
           <p:cNvSpPr>
             <a:spLocks noGrp="1"/>
           </p:cNvSpPr>
@@ -1799,7 +1489,7 @@
       </p:sp>
       <p:sp>
         <p:nvSpPr>
-          <p:cNvPr id="6" name="Slide Number Placeholder 5"/>
+          <p:cNvPr id="6" name="Номер слайда 5"/>
           <p:cNvSpPr>
             <a:spLocks noGrp="1"/>
           </p:cNvSpPr>
@@ -1820,48 +1510,10 @@
           </a:p>
         </p:txBody>
       </p:sp>
-      <p:cxnSp>
-        <p:nvCxnSpPr>
-          <p:cNvPr id="9" name="Straight Connector 8"/>
-          <p:cNvCxnSpPr/>
-          <p:nvPr/>
-        </p:nvCxnSpPr>
-        <p:spPr>
-          <a:xfrm>
-            <a:off x="1207658" y="4343400"/>
-            <a:ext cx="9875520" cy="0"/>
-          </a:xfrm>
-          <a:prstGeom prst="line">
-            <a:avLst/>
-          </a:prstGeom>
-          <a:ln w="6350">
-            <a:solidFill>
-              <a:schemeClr val="tx1">
-                <a:lumMod val="50000"/>
-                <a:lumOff val="50000"/>
-              </a:schemeClr>
-            </a:solidFill>
-          </a:ln>
-        </p:spPr>
-        <p:style>
-          <a:lnRef idx="1">
-            <a:schemeClr val="accent1"/>
-          </a:lnRef>
-          <a:fillRef idx="0">
-            <a:schemeClr val="accent1"/>
-          </a:fillRef>
-          <a:effectRef idx="0">
-            <a:schemeClr val="accent1"/>
-          </a:effectRef>
-          <a:fontRef idx="minor">
-            <a:schemeClr val="tx1"/>
-          </a:fontRef>
-        </p:style>
-      </p:cxnSp>
     </p:spTree>
     <p:extLst>
       <p:ext uri="{BB962C8B-B14F-4D97-AF65-F5344CB8AC3E}">
-        <p14:creationId xmlns:p14="http://schemas.microsoft.com/office/powerpoint/2010/main" val="1921595422"/>
+        <p14:creationId xmlns:p14="http://schemas.microsoft.com/office/powerpoint/2010/main" val="2049478552"/>
       </p:ext>
     </p:extLst>
   </p:cSld>
@@ -1890,46 +1542,98 @@
       </p:grpSpPr>
       <p:sp>
         <p:nvSpPr>
-          <p:cNvPr id="8" name="Title 7"/>
+          <p:cNvPr id="2" name="Заголовок 1"/>
           <p:cNvSpPr>
             <a:spLocks noGrp="1"/>
           </p:cNvSpPr>
           <p:nvPr>
             <p:ph type="title"/>
+          </p:nvPr>
+        </p:nvSpPr>
+        <p:spPr/>
+        <p:txBody>
+          <a:bodyPr/>
+          <a:lstStyle/>
+          <a:p>
+            <a:r>
+              <a:rPr lang="ru-RU" smtClean="0"/>
+              <a:t>Образец заголовка</a:t>
+            </a:r>
+            <a:endParaRPr lang="ru-RU"/>
+          </a:p>
+        </p:txBody>
+      </p:sp>
+      <p:sp>
+        <p:nvSpPr>
+          <p:cNvPr id="3" name="Объект 2"/>
+          <p:cNvSpPr>
+            <a:spLocks noGrp="1"/>
+          </p:cNvSpPr>
+          <p:nvPr>
+            <p:ph sz="half" idx="1"/>
           </p:nvPr>
         </p:nvSpPr>
         <p:spPr>
           <a:xfrm>
-            <a:off x="1097280" y="286603"/>
-            <a:ext cx="10058400" cy="1450757"/>
+            <a:off x="838200" y="1825625"/>
+            <a:ext cx="5181600" cy="4351338"/>
           </a:xfrm>
         </p:spPr>
         <p:txBody>
           <a:bodyPr/>
           <a:lstStyle/>
           <a:p>
-            <a:r>
-              <a:rPr lang="ru-RU" smtClean="0"/>
-              <a:t>Образец заголовка</a:t>
-            </a:r>
-            <a:endParaRPr lang="en-US" dirty="0"/>
-          </a:p>
-        </p:txBody>
-      </p:sp>
-      <p:sp>
-        <p:nvSpPr>
-          <p:cNvPr id="3" name="Content Placeholder 2"/>
-          <p:cNvSpPr>
-            <a:spLocks noGrp="1"/>
-          </p:cNvSpPr>
-          <p:nvPr>
-            <p:ph sz="half" idx="1"/>
+            <a:pPr lvl="0"/>
+            <a:r>
+              <a:rPr lang="ru-RU" smtClean="0"/>
+              <a:t>Образец текста</a:t>
+            </a:r>
+          </a:p>
+          <a:p>
+            <a:pPr lvl="1"/>
+            <a:r>
+              <a:rPr lang="ru-RU" smtClean="0"/>
+              <a:t>Второй уровень</a:t>
+            </a:r>
+          </a:p>
+          <a:p>
+            <a:pPr lvl="2"/>
+            <a:r>
+              <a:rPr lang="ru-RU" smtClean="0"/>
+              <a:t>Третий уровень</a:t>
+            </a:r>
+          </a:p>
+          <a:p>
+            <a:pPr lvl="3"/>
+            <a:r>
+              <a:rPr lang="ru-RU" smtClean="0"/>
+              <a:t>Четвертый уровень</a:t>
+            </a:r>
+          </a:p>
+          <a:p>
+            <a:pPr lvl="4"/>
+            <a:r>
+              <a:rPr lang="ru-RU" smtClean="0"/>
+              <a:t>Пятый уровень</a:t>
+            </a:r>
+            <a:endParaRPr lang="ru-RU"/>
+          </a:p>
+        </p:txBody>
+      </p:sp>
+      <p:sp>
+        <p:nvSpPr>
+          <p:cNvPr id="4" name="Объект 3"/>
+          <p:cNvSpPr>
+            <a:spLocks noGrp="1"/>
+          </p:cNvSpPr>
+          <p:nvPr>
+            <p:ph sz="half" idx="2"/>
           </p:nvPr>
         </p:nvSpPr>
         <p:spPr>
           <a:xfrm>
-            <a:off x="1097279" y="1845734"/>
-            <a:ext cx="4937760" cy="4023360"/>
+            <a:off x="6172200" y="1825625"/>
+            <a:ext cx="5181600" cy="4351338"/>
           </a:xfrm>
         </p:spPr>
         <p:txBody>
@@ -1969,70 +1673,13 @@
               <a:rPr lang="ru-RU" smtClean="0"/>
               <a:t>Пятый уровень</a:t>
             </a:r>
-            <a:endParaRPr lang="en-US" dirty="0"/>
-          </a:p>
-        </p:txBody>
-      </p:sp>
-      <p:sp>
-        <p:nvSpPr>
-          <p:cNvPr id="4" name="Content Placeholder 3"/>
-          <p:cNvSpPr>
-            <a:spLocks noGrp="1"/>
-          </p:cNvSpPr>
-          <p:nvPr>
-            <p:ph sz="half" idx="2"/>
-          </p:nvPr>
-        </p:nvSpPr>
-        <p:spPr>
-          <a:xfrm>
-            <a:off x="6217920" y="1845735"/>
-            <a:ext cx="4937760" cy="4023360"/>
-          </a:xfrm>
-        </p:spPr>
-        <p:txBody>
-          <a:bodyPr/>
-          <a:lstStyle/>
-          <a:p>
-            <a:pPr lvl="0"/>
-            <a:r>
-              <a:rPr lang="ru-RU" smtClean="0"/>
-              <a:t>Образец текста</a:t>
-            </a:r>
-          </a:p>
-          <a:p>
-            <a:pPr lvl="1"/>
-            <a:r>
-              <a:rPr lang="ru-RU" smtClean="0"/>
-              <a:t>Второй уровень</a:t>
-            </a:r>
-          </a:p>
-          <a:p>
-            <a:pPr lvl="2"/>
-            <a:r>
-              <a:rPr lang="ru-RU" smtClean="0"/>
-              <a:t>Третий уровень</a:t>
-            </a:r>
-          </a:p>
-          <a:p>
-            <a:pPr lvl="3"/>
-            <a:r>
-              <a:rPr lang="ru-RU" smtClean="0"/>
-              <a:t>Четвертый уровень</a:t>
-            </a:r>
-          </a:p>
-          <a:p>
-            <a:pPr lvl="4"/>
-            <a:r>
-              <a:rPr lang="ru-RU" smtClean="0"/>
-              <a:t>Пятый уровень</a:t>
-            </a:r>
-            <a:endParaRPr lang="en-US" dirty="0"/>
-          </a:p>
-        </p:txBody>
-      </p:sp>
-      <p:sp>
-        <p:nvSpPr>
-          <p:cNvPr id="5" name="Date Placeholder 4"/>
+            <a:endParaRPr lang="ru-RU"/>
+          </a:p>
+        </p:txBody>
+      </p:sp>
+      <p:sp>
+        <p:nvSpPr>
+          <p:cNvPr id="5" name="Дата 4"/>
           <p:cNvSpPr>
             <a:spLocks noGrp="1"/>
           </p:cNvSpPr>
@@ -2055,7 +1702,7 @@
       </p:sp>
       <p:sp>
         <p:nvSpPr>
-          <p:cNvPr id="6" name="Footer Placeholder 5"/>
+          <p:cNvPr id="6" name="Нижний колонтитул 5"/>
           <p:cNvSpPr>
             <a:spLocks noGrp="1"/>
           </p:cNvSpPr>
@@ -2074,7 +1721,7 @@
       </p:sp>
       <p:sp>
         <p:nvSpPr>
-          <p:cNvPr id="7" name="Slide Number Placeholder 6"/>
+          <p:cNvPr id="7" name="Номер слайда 6"/>
           <p:cNvSpPr>
             <a:spLocks noGrp="1"/>
           </p:cNvSpPr>
@@ -2098,7 +1745,7 @@
     </p:spTree>
     <p:extLst>
       <p:ext uri="{BB962C8B-B14F-4D97-AF65-F5344CB8AC3E}">
-        <p14:creationId xmlns:p14="http://schemas.microsoft.com/office/powerpoint/2010/main" val="3637607059"/>
+        <p14:creationId xmlns:p14="http://schemas.microsoft.com/office/powerpoint/2010/main" val="1981938034"/>
       </p:ext>
     </p:extLst>
   </p:cSld>
@@ -2127,7 +1774,7 @@
       </p:grpSpPr>
       <p:sp>
         <p:nvSpPr>
-          <p:cNvPr id="10" name="Title 9"/>
+          <p:cNvPr id="2" name="Заголовок 1"/>
           <p:cNvSpPr>
             <a:spLocks noGrp="1"/>
           </p:cNvSpPr>
@@ -2137,8 +1784,8 @@
         </p:nvSpPr>
         <p:spPr>
           <a:xfrm>
-            <a:off x="1097280" y="286603"/>
-            <a:ext cx="10058400" cy="1450757"/>
+            <a:off x="839788" y="365125"/>
+            <a:ext cx="10515600" cy="1325563"/>
           </a:xfrm>
         </p:spPr>
         <p:txBody>
@@ -2149,13 +1796,13 @@
               <a:rPr lang="ru-RU" smtClean="0"/>
               <a:t>Образец заголовка</a:t>
             </a:r>
-            <a:endParaRPr lang="en-US" dirty="0"/>
-          </a:p>
-        </p:txBody>
-      </p:sp>
-      <p:sp>
-        <p:nvSpPr>
-          <p:cNvPr id="3" name="Text Placeholder 2"/>
+            <a:endParaRPr lang="ru-RU"/>
+          </a:p>
+        </p:txBody>
+      </p:sp>
+      <p:sp>
+        <p:nvSpPr>
+          <p:cNvPr id="3" name="Текст 2"/>
           <p:cNvSpPr>
             <a:spLocks noGrp="1"/>
           </p:cNvSpPr>
@@ -2165,22 +1812,16 @@
         </p:nvSpPr>
         <p:spPr>
           <a:xfrm>
-            <a:off x="1097280" y="1846052"/>
-            <a:ext cx="4937760" cy="736282"/>
+            <a:off x="839788" y="1681163"/>
+            <a:ext cx="5157787" cy="823912"/>
           </a:xfrm>
         </p:spPr>
         <p:txBody>
-          <a:bodyPr lIns="91440" rIns="91440" anchor="ctr">
-            <a:normAutofit/>
-          </a:bodyPr>
+          <a:bodyPr anchor="b"/>
           <a:lstStyle>
             <a:lvl1pPr marL="0" indent="0">
               <a:buNone/>
-              <a:defRPr sz="2000" b="0" cap="all" baseline="0">
-                <a:solidFill>
-                  <a:schemeClr val="tx2"/>
-                </a:solidFill>
-              </a:defRPr>
+              <a:defRPr sz="2400" b="1"/>
             </a:lvl1pPr>
             <a:lvl2pPr marL="457200" indent="0">
               <a:buNone/>
@@ -2226,7 +1867,7 @@
       </p:sp>
       <p:sp>
         <p:nvSpPr>
-          <p:cNvPr id="4" name="Content Placeholder 3"/>
+          <p:cNvPr id="4" name="Объект 3"/>
           <p:cNvSpPr>
             <a:spLocks noGrp="1"/>
           </p:cNvSpPr>
@@ -2236,8 +1877,8 @@
         </p:nvSpPr>
         <p:spPr>
           <a:xfrm>
-            <a:off x="1097280" y="2582334"/>
-            <a:ext cx="4937760" cy="3378200"/>
+            <a:off x="839788" y="2505075"/>
+            <a:ext cx="5157787" cy="3684588"/>
           </a:xfrm>
         </p:spPr>
         <p:txBody>
@@ -2277,13 +1918,13 @@
               <a:rPr lang="ru-RU" smtClean="0"/>
               <a:t>Пятый уровень</a:t>
             </a:r>
-            <a:endParaRPr lang="en-US" dirty="0"/>
-          </a:p>
-        </p:txBody>
-      </p:sp>
-      <p:sp>
-        <p:nvSpPr>
-          <p:cNvPr id="5" name="Text Placeholder 4"/>
+            <a:endParaRPr lang="ru-RU"/>
+          </a:p>
+        </p:txBody>
+      </p:sp>
+      <p:sp>
+        <p:nvSpPr>
+          <p:cNvPr id="5" name="Текст 4"/>
           <p:cNvSpPr>
             <a:spLocks noGrp="1"/>
           </p:cNvSpPr>
@@ -2293,22 +1934,16 @@
         </p:nvSpPr>
         <p:spPr>
           <a:xfrm>
-            <a:off x="6217920" y="1846052"/>
-            <a:ext cx="4937760" cy="736282"/>
+            <a:off x="6172200" y="1681163"/>
+            <a:ext cx="5183188" cy="823912"/>
           </a:xfrm>
         </p:spPr>
         <p:txBody>
-          <a:bodyPr lIns="91440" rIns="91440" anchor="ctr">
-            <a:normAutofit/>
-          </a:bodyPr>
+          <a:bodyPr anchor="b"/>
           <a:lstStyle>
             <a:lvl1pPr marL="0" indent="0">
               <a:buNone/>
-              <a:defRPr sz="2000" b="0" cap="all" baseline="0">
-                <a:solidFill>
-                  <a:schemeClr val="tx2"/>
-                </a:solidFill>
-              </a:defRPr>
+              <a:defRPr sz="2400" b="1"/>
             </a:lvl1pPr>
             <a:lvl2pPr marL="457200" indent="0">
               <a:buNone/>
@@ -2354,7 +1989,7 @@
       </p:sp>
       <p:sp>
         <p:nvSpPr>
-          <p:cNvPr id="6" name="Content Placeholder 5"/>
+          <p:cNvPr id="6" name="Объект 5"/>
           <p:cNvSpPr>
             <a:spLocks noGrp="1"/>
           </p:cNvSpPr>
@@ -2364,8 +1999,8 @@
         </p:nvSpPr>
         <p:spPr>
           <a:xfrm>
-            <a:off x="6217920" y="2582334"/>
-            <a:ext cx="4937760" cy="3378200"/>
+            <a:off x="6172200" y="2505075"/>
+            <a:ext cx="5183188" cy="3684588"/>
           </a:xfrm>
         </p:spPr>
         <p:txBody>
@@ -2405,13 +2040,13 @@
               <a:rPr lang="ru-RU" smtClean="0"/>
               <a:t>Пятый уровень</a:t>
             </a:r>
-            <a:endParaRPr lang="en-US" dirty="0"/>
-          </a:p>
-        </p:txBody>
-      </p:sp>
-      <p:sp>
-        <p:nvSpPr>
-          <p:cNvPr id="7" name="Date Placeholder 6"/>
+            <a:endParaRPr lang="ru-RU"/>
+          </a:p>
+        </p:txBody>
+      </p:sp>
+      <p:sp>
+        <p:nvSpPr>
+          <p:cNvPr id="7" name="Дата 6"/>
           <p:cNvSpPr>
             <a:spLocks noGrp="1"/>
           </p:cNvSpPr>
@@ -2434,7 +2069,7 @@
       </p:sp>
       <p:sp>
         <p:nvSpPr>
-          <p:cNvPr id="8" name="Footer Placeholder 7"/>
+          <p:cNvPr id="8" name="Нижний колонтитул 7"/>
           <p:cNvSpPr>
             <a:spLocks noGrp="1"/>
           </p:cNvSpPr>
@@ -2453,7 +2088,7 @@
       </p:sp>
       <p:sp>
         <p:nvSpPr>
-          <p:cNvPr id="9" name="Slide Number Placeholder 8"/>
+          <p:cNvPr id="9" name="Номер слайда 8"/>
           <p:cNvSpPr>
             <a:spLocks noGrp="1"/>
           </p:cNvSpPr>
@@ -2477,7 +2112,7 @@
     </p:spTree>
     <p:extLst>
       <p:ext uri="{BB962C8B-B14F-4D97-AF65-F5344CB8AC3E}">
-        <p14:creationId xmlns:p14="http://schemas.microsoft.com/office/powerpoint/2010/main" val="274390546"/>
+        <p14:creationId xmlns:p14="http://schemas.microsoft.com/office/powerpoint/2010/main" val="1620914826"/>
       </p:ext>
     </p:extLst>
   </p:cSld>
@@ -2506,7 +2141,7 @@
       </p:grpSpPr>
       <p:sp>
         <p:nvSpPr>
-          <p:cNvPr id="2" name="Title 1"/>
+          <p:cNvPr id="2" name="Заголовок 1"/>
           <p:cNvSpPr>
             <a:spLocks noGrp="1"/>
           </p:cNvSpPr>
@@ -2523,13 +2158,13 @@
               <a:rPr lang="ru-RU" smtClean="0"/>
               <a:t>Образец заголовка</a:t>
             </a:r>
-            <a:endParaRPr lang="en-US" dirty="0"/>
-          </a:p>
-        </p:txBody>
-      </p:sp>
-      <p:sp>
-        <p:nvSpPr>
-          <p:cNvPr id="3" name="Date Placeholder 2"/>
+            <a:endParaRPr lang="ru-RU"/>
+          </a:p>
+        </p:txBody>
+      </p:sp>
+      <p:sp>
+        <p:nvSpPr>
+          <p:cNvPr id="3" name="Дата 2"/>
           <p:cNvSpPr>
             <a:spLocks noGrp="1"/>
           </p:cNvSpPr>
@@ -2552,7 +2187,7 @@
       </p:sp>
       <p:sp>
         <p:nvSpPr>
-          <p:cNvPr id="4" name="Footer Placeholder 3"/>
+          <p:cNvPr id="4" name="Нижний колонтитул 3"/>
           <p:cNvSpPr>
             <a:spLocks noGrp="1"/>
           </p:cNvSpPr>
@@ -2571,7 +2206,7 @@
       </p:sp>
       <p:sp>
         <p:nvSpPr>
-          <p:cNvPr id="5" name="Slide Number Placeholder 4"/>
+          <p:cNvPr id="5" name="Номер слайда 4"/>
           <p:cNvSpPr>
             <a:spLocks noGrp="1"/>
           </p:cNvSpPr>
@@ -2595,7 +2230,7 @@
     </p:spTree>
     <p:extLst>
       <p:ext uri="{BB962C8B-B14F-4D97-AF65-F5344CB8AC3E}">
-        <p14:creationId xmlns:p14="http://schemas.microsoft.com/office/powerpoint/2010/main" val="1904480316"/>
+        <p14:creationId xmlns:p14="http://schemas.microsoft.com/office/powerpoint/2010/main" val="2722854522"/>
       </p:ext>
     </p:extLst>
   </p:cSld>
@@ -2606,7 +2241,7 @@
 </file>
 
 <file path=ppt/slideLayouts/slideLayout7.xml><?xml version="1.0" encoding="utf-8"?>
-<p:sldLayout xmlns:a="http://schemas.openxmlformats.org/drawingml/2006/main" xmlns:r="http://schemas.openxmlformats.org/officeDocument/2006/relationships" xmlns:p="http://schemas.openxmlformats.org/presentationml/2006/main" showMasterSp="0" type="blank" preserve="1">
+<p:sldLayout xmlns:a="http://schemas.openxmlformats.org/drawingml/2006/main" xmlns:r="http://schemas.openxmlformats.org/officeDocument/2006/relationships" xmlns:p="http://schemas.openxmlformats.org/presentationml/2006/main" type="blank" preserve="1">
   <p:cSld name="Пустой слайд">
     <p:spTree>
       <p:nvGrpSpPr>
@@ -2624,83 +2259,7 @@
       </p:grpSpPr>
       <p:sp>
         <p:nvSpPr>
-          <p:cNvPr id="5" name="Rectangle 4"/>
-          <p:cNvSpPr/>
-          <p:nvPr/>
-        </p:nvSpPr>
-        <p:spPr>
-          <a:xfrm>
-            <a:off x="3175" y="6400800"/>
-            <a:ext cx="12188825" cy="457200"/>
-          </a:xfrm>
-          <a:prstGeom prst="rect">
-            <a:avLst/>
-          </a:prstGeom>
-          <a:solidFill>
-            <a:schemeClr val="accent2"/>
-          </a:solidFill>
-          <a:ln>
-            <a:noFill/>
-          </a:ln>
-        </p:spPr>
-        <p:style>
-          <a:lnRef idx="2">
-            <a:schemeClr val="accent1">
-              <a:shade val="50000"/>
-            </a:schemeClr>
-          </a:lnRef>
-          <a:fillRef idx="1">
-            <a:schemeClr val="accent1"/>
-          </a:fillRef>
-          <a:effectRef idx="0">
-            <a:schemeClr val="accent1"/>
-          </a:effectRef>
-          <a:fontRef idx="minor">
-            <a:schemeClr val="lt1"/>
-          </a:fontRef>
-        </p:style>
-      </p:sp>
-      <p:sp>
-        <p:nvSpPr>
-          <p:cNvPr id="6" name="Rectangle 5"/>
-          <p:cNvSpPr/>
-          <p:nvPr/>
-        </p:nvSpPr>
-        <p:spPr>
-          <a:xfrm>
-            <a:off x="15" y="6334316"/>
-            <a:ext cx="12188825" cy="64008"/>
-          </a:xfrm>
-          <a:prstGeom prst="rect">
-            <a:avLst/>
-          </a:prstGeom>
-          <a:solidFill>
-            <a:schemeClr val="accent1"/>
-          </a:solidFill>
-          <a:ln>
-            <a:noFill/>
-          </a:ln>
-        </p:spPr>
-        <p:style>
-          <a:lnRef idx="2">
-            <a:schemeClr val="accent1">
-              <a:shade val="50000"/>
-            </a:schemeClr>
-          </a:lnRef>
-          <a:fillRef idx="1">
-            <a:schemeClr val="accent1"/>
-          </a:fillRef>
-          <a:effectRef idx="0">
-            <a:schemeClr val="accent1"/>
-          </a:effectRef>
-          <a:fontRef idx="minor">
-            <a:schemeClr val="lt1"/>
-          </a:fontRef>
-        </p:style>
-      </p:sp>
-      <p:sp>
-        <p:nvSpPr>
-          <p:cNvPr id="7" name="Date Placeholder 6"/>
+          <p:cNvPr id="2" name="Дата 1"/>
           <p:cNvSpPr>
             <a:spLocks noGrp="1"/>
           </p:cNvSpPr>
@@ -2723,7 +2282,7 @@
       </p:sp>
       <p:sp>
         <p:nvSpPr>
-          <p:cNvPr id="8" name="Footer Placeholder 7"/>
+          <p:cNvPr id="3" name="Нижний колонтитул 2"/>
           <p:cNvSpPr>
             <a:spLocks noGrp="1"/>
           </p:cNvSpPr>
@@ -2734,15 +2293,7 @@
         <p:spPr/>
         <p:txBody>
           <a:bodyPr/>
-          <a:lstStyle>
-            <a:lvl1pPr>
-              <a:defRPr>
-                <a:solidFill>
-                  <a:srgbClr val="FFFFFF"/>
-                </a:solidFill>
-              </a:defRPr>
-            </a:lvl1pPr>
-          </a:lstStyle>
+          <a:lstStyle/>
           <a:p>
             <a:endParaRPr lang="ru-RU"/>
           </a:p>
@@ -2750,7 +2301,7 @@
       </p:sp>
       <p:sp>
         <p:nvSpPr>
-          <p:cNvPr id="9" name="Slide Number Placeholder 8"/>
+          <p:cNvPr id="4" name="Номер слайда 3"/>
           <p:cNvSpPr>
             <a:spLocks noGrp="1"/>
           </p:cNvSpPr>
@@ -2774,7 +2325,7 @@
     </p:spTree>
     <p:extLst>
       <p:ext uri="{BB962C8B-B14F-4D97-AF65-F5344CB8AC3E}">
-        <p14:creationId xmlns:p14="http://schemas.microsoft.com/office/powerpoint/2010/main" val="2892336842"/>
+        <p14:creationId xmlns:p14="http://schemas.microsoft.com/office/powerpoint/2010/main" val="497433885"/>
       </p:ext>
     </p:extLst>
   </p:cSld>
@@ -2785,7 +2336,7 @@
 </file>
 
 <file path=ppt/slideLayouts/slideLayout8.xml><?xml version="1.0" encoding="utf-8"?>
-<p:sldLayout xmlns:a="http://schemas.openxmlformats.org/drawingml/2006/main" xmlns:r="http://schemas.openxmlformats.org/officeDocument/2006/relationships" xmlns:p="http://schemas.openxmlformats.org/presentationml/2006/main" showMasterSp="0" type="objTx" preserve="1">
+<p:sldLayout xmlns:a="http://schemas.openxmlformats.org/drawingml/2006/main" xmlns:r="http://schemas.openxmlformats.org/officeDocument/2006/relationships" xmlns:p="http://schemas.openxmlformats.org/presentationml/2006/main" type="objTx" preserve="1">
   <p:cSld name="Объект с подписью">
     <p:spTree>
       <p:nvGrpSpPr>
@@ -2803,235 +2354,175 @@
       </p:grpSpPr>
       <p:sp>
         <p:nvSpPr>
-          <p:cNvPr id="8" name="Rectangle 7"/>
-          <p:cNvSpPr/>
-          <p:nvPr/>
+          <p:cNvPr id="2" name="Заголовок 1"/>
+          <p:cNvSpPr>
+            <a:spLocks noGrp="1"/>
+          </p:cNvSpPr>
+          <p:nvPr>
+            <p:ph type="title"/>
+          </p:nvPr>
         </p:nvSpPr>
         <p:spPr>
           <a:xfrm>
-            <a:off x="16" y="0"/>
-            <a:ext cx="4050791" cy="6858000"/>
+            <a:off x="839788" y="457200"/>
+            <a:ext cx="3932237" cy="1600200"/>
           </a:xfrm>
-          <a:prstGeom prst="rect">
-            <a:avLst/>
-          </a:prstGeom>
-          <a:solidFill>
-            <a:schemeClr val="accent2"/>
-          </a:solidFill>
-          <a:ln>
-            <a:noFill/>
-          </a:ln>
         </p:spPr>
-        <p:style>
-          <a:lnRef idx="2">
-            <a:schemeClr val="accent1">
-              <a:shade val="50000"/>
-            </a:schemeClr>
-          </a:lnRef>
-          <a:fillRef idx="1">
-            <a:schemeClr val="accent1"/>
-          </a:fillRef>
-          <a:effectRef idx="0">
-            <a:schemeClr val="accent1"/>
-          </a:effectRef>
-          <a:fontRef idx="minor">
-            <a:schemeClr val="lt1"/>
-          </a:fontRef>
-        </p:style>
-      </p:sp>
-      <p:sp>
-        <p:nvSpPr>
-          <p:cNvPr id="9" name="Rectangle 8"/>
-          <p:cNvSpPr/>
-          <p:nvPr/>
+        <p:txBody>
+          <a:bodyPr anchor="b"/>
+          <a:lstStyle>
+            <a:lvl1pPr>
+              <a:defRPr sz="3200"/>
+            </a:lvl1pPr>
+          </a:lstStyle>
+          <a:p>
+            <a:r>
+              <a:rPr lang="ru-RU" smtClean="0"/>
+              <a:t>Образец заголовка</a:t>
+            </a:r>
+            <a:endParaRPr lang="ru-RU"/>
+          </a:p>
+        </p:txBody>
+      </p:sp>
+      <p:sp>
+        <p:nvSpPr>
+          <p:cNvPr id="3" name="Объект 2"/>
+          <p:cNvSpPr>
+            <a:spLocks noGrp="1"/>
+          </p:cNvSpPr>
+          <p:nvPr>
+            <p:ph idx="1"/>
+          </p:nvPr>
         </p:nvSpPr>
         <p:spPr>
           <a:xfrm>
-            <a:off x="4040071" y="0"/>
-            <a:ext cx="64008" cy="6858000"/>
+            <a:off x="5183188" y="987425"/>
+            <a:ext cx="6172200" cy="4873625"/>
           </a:xfrm>
-          <a:prstGeom prst="rect">
-            <a:avLst/>
-          </a:prstGeom>
-          <a:solidFill>
-            <a:schemeClr val="accent1"/>
-          </a:solidFill>
-          <a:ln>
-            <a:noFill/>
-          </a:ln>
         </p:spPr>
-        <p:style>
-          <a:lnRef idx="2">
-            <a:schemeClr val="accent1">
-              <a:shade val="50000"/>
-            </a:schemeClr>
-          </a:lnRef>
-          <a:fillRef idx="1">
-            <a:schemeClr val="accent1"/>
-          </a:fillRef>
-          <a:effectRef idx="0">
-            <a:schemeClr val="accent1"/>
-          </a:effectRef>
-          <a:fontRef idx="minor">
-            <a:schemeClr val="lt1"/>
-          </a:fontRef>
-        </p:style>
-      </p:sp>
-      <p:sp>
-        <p:nvSpPr>
-          <p:cNvPr id="2" name="Title 1"/>
-          <p:cNvSpPr>
-            <a:spLocks noGrp="1"/>
-          </p:cNvSpPr>
-          <p:nvPr>
-            <p:ph type="title"/>
+        <p:txBody>
+          <a:bodyPr/>
+          <a:lstStyle>
+            <a:lvl1pPr>
+              <a:defRPr sz="3200"/>
+            </a:lvl1pPr>
+            <a:lvl2pPr>
+              <a:defRPr sz="2800"/>
+            </a:lvl2pPr>
+            <a:lvl3pPr>
+              <a:defRPr sz="2400"/>
+            </a:lvl3pPr>
+            <a:lvl4pPr>
+              <a:defRPr sz="2000"/>
+            </a:lvl4pPr>
+            <a:lvl5pPr>
+              <a:defRPr sz="2000"/>
+            </a:lvl5pPr>
+            <a:lvl6pPr>
+              <a:defRPr sz="2000"/>
+            </a:lvl6pPr>
+            <a:lvl7pPr>
+              <a:defRPr sz="2000"/>
+            </a:lvl7pPr>
+            <a:lvl8pPr>
+              <a:defRPr sz="2000"/>
+            </a:lvl8pPr>
+            <a:lvl9pPr>
+              <a:defRPr sz="2000"/>
+            </a:lvl9pPr>
+          </a:lstStyle>
+          <a:p>
+            <a:pPr lvl="0"/>
+            <a:r>
+              <a:rPr lang="ru-RU" smtClean="0"/>
+              <a:t>Образец текста</a:t>
+            </a:r>
+          </a:p>
+          <a:p>
+            <a:pPr lvl="1"/>
+            <a:r>
+              <a:rPr lang="ru-RU" smtClean="0"/>
+              <a:t>Второй уровень</a:t>
+            </a:r>
+          </a:p>
+          <a:p>
+            <a:pPr lvl="2"/>
+            <a:r>
+              <a:rPr lang="ru-RU" smtClean="0"/>
+              <a:t>Третий уровень</a:t>
+            </a:r>
+          </a:p>
+          <a:p>
+            <a:pPr lvl="3"/>
+            <a:r>
+              <a:rPr lang="ru-RU" smtClean="0"/>
+              <a:t>Четвертый уровень</a:t>
+            </a:r>
+          </a:p>
+          <a:p>
+            <a:pPr lvl="4"/>
+            <a:r>
+              <a:rPr lang="ru-RU" smtClean="0"/>
+              <a:t>Пятый уровень</a:t>
+            </a:r>
+            <a:endParaRPr lang="ru-RU"/>
+          </a:p>
+        </p:txBody>
+      </p:sp>
+      <p:sp>
+        <p:nvSpPr>
+          <p:cNvPr id="4" name="Текст 3"/>
+          <p:cNvSpPr>
+            <a:spLocks noGrp="1"/>
+          </p:cNvSpPr>
+          <p:nvPr>
+            <p:ph type="body" sz="half" idx="2"/>
           </p:nvPr>
         </p:nvSpPr>
         <p:spPr>
           <a:xfrm>
-            <a:off x="457200" y="594359"/>
-            <a:ext cx="3200400" cy="2286000"/>
+            <a:off x="839788" y="2057400"/>
+            <a:ext cx="3932237" cy="3811588"/>
           </a:xfrm>
         </p:spPr>
         <p:txBody>
-          <a:bodyPr anchor="b">
-            <a:normAutofit/>
-          </a:bodyPr>
-          <a:lstStyle>
-            <a:lvl1pPr>
-              <a:defRPr sz="3600" b="0">
-                <a:solidFill>
-                  <a:srgbClr val="FFFFFF"/>
-                </a:solidFill>
-              </a:defRPr>
-            </a:lvl1pPr>
-          </a:lstStyle>
-          <a:p>
-            <a:r>
-              <a:rPr lang="ru-RU" smtClean="0"/>
-              <a:t>Образец заголовка</a:t>
-            </a:r>
-            <a:endParaRPr lang="en-US" dirty="0"/>
-          </a:p>
-        </p:txBody>
-      </p:sp>
-      <p:sp>
-        <p:nvSpPr>
-          <p:cNvPr id="3" name="Content Placeholder 2"/>
-          <p:cNvSpPr>
-            <a:spLocks noGrp="1"/>
-          </p:cNvSpPr>
-          <p:nvPr>
-            <p:ph idx="1"/>
-          </p:nvPr>
-        </p:nvSpPr>
-        <p:spPr>
-          <a:xfrm>
-            <a:off x="4800600" y="731520"/>
-            <a:ext cx="6492240" cy="5257800"/>
-          </a:xfrm>
-        </p:spPr>
-        <p:txBody>
-          <a:bodyPr/>
-          <a:lstStyle/>
-          <a:p>
-            <a:pPr lvl="0"/>
-            <a:r>
-              <a:rPr lang="ru-RU" smtClean="0"/>
-              <a:t>Образец текста</a:t>
-            </a:r>
-          </a:p>
-          <a:p>
-            <a:pPr lvl="1"/>
-            <a:r>
-              <a:rPr lang="ru-RU" smtClean="0"/>
-              <a:t>Второй уровень</a:t>
-            </a:r>
-          </a:p>
-          <a:p>
-            <a:pPr lvl="2"/>
-            <a:r>
-              <a:rPr lang="ru-RU" smtClean="0"/>
-              <a:t>Третий уровень</a:t>
-            </a:r>
-          </a:p>
-          <a:p>
-            <a:pPr lvl="3"/>
-            <a:r>
-              <a:rPr lang="ru-RU" smtClean="0"/>
-              <a:t>Четвертый уровень</a:t>
-            </a:r>
-          </a:p>
-          <a:p>
-            <a:pPr lvl="4"/>
-            <a:r>
-              <a:rPr lang="ru-RU" smtClean="0"/>
-              <a:t>Пятый уровень</a:t>
-            </a:r>
-            <a:endParaRPr lang="en-US" dirty="0"/>
-          </a:p>
-        </p:txBody>
-      </p:sp>
-      <p:sp>
-        <p:nvSpPr>
-          <p:cNvPr id="4" name="Text Placeholder 3"/>
-          <p:cNvSpPr>
-            <a:spLocks noGrp="1"/>
-          </p:cNvSpPr>
-          <p:nvPr>
-            <p:ph type="body" sz="half" idx="2"/>
-          </p:nvPr>
-        </p:nvSpPr>
-        <p:spPr>
-          <a:xfrm>
-            <a:off x="457200" y="2926080"/>
-            <a:ext cx="3200400" cy="3379124"/>
-          </a:xfrm>
-        </p:spPr>
-        <p:txBody>
-          <a:bodyPr lIns="91440" rIns="91440">
-            <a:normAutofit/>
-          </a:bodyPr>
+          <a:bodyPr/>
           <a:lstStyle>
             <a:lvl1pPr marL="0" indent="0">
               <a:buNone/>
-              <a:defRPr sz="1500">
-                <a:solidFill>
-                  <a:srgbClr val="FFFFFF"/>
-                </a:solidFill>
-              </a:defRPr>
+              <a:defRPr sz="1600"/>
             </a:lvl1pPr>
             <a:lvl2pPr marL="457200" indent="0">
               <a:buNone/>
-              <a:defRPr sz="1200"/>
+              <a:defRPr sz="1400"/>
             </a:lvl2pPr>
             <a:lvl3pPr marL="914400" indent="0">
               <a:buNone/>
-              <a:defRPr sz="1000"/>
+              <a:defRPr sz="1200"/>
             </a:lvl3pPr>
             <a:lvl4pPr marL="1371600" indent="0">
               <a:buNone/>
-              <a:defRPr sz="900"/>
+              <a:defRPr sz="1000"/>
             </a:lvl4pPr>
             <a:lvl5pPr marL="1828800" indent="0">
               <a:buNone/>
-              <a:defRPr sz="900"/>
+              <a:defRPr sz="1000"/>
             </a:lvl5pPr>
             <a:lvl6pPr marL="2286000" indent="0">
               <a:buNone/>
-              <a:defRPr sz="900"/>
+              <a:defRPr sz="1000"/>
             </a:lvl6pPr>
             <a:lvl7pPr marL="2743200" indent="0">
               <a:buNone/>
-              <a:defRPr sz="900"/>
+              <a:defRPr sz="1000"/>
             </a:lvl7pPr>
             <a:lvl8pPr marL="3200400" indent="0">
               <a:buNone/>
-              <a:defRPr sz="900"/>
+              <a:defRPr sz="1000"/>
             </a:lvl8pPr>
             <a:lvl9pPr marL="3657600" indent="0">
               <a:buNone/>
-              <a:defRPr sz="900"/>
+              <a:defRPr sz="1000"/>
             </a:lvl9pPr>
           </a:lstStyle>
           <a:p>
@@ -3045,7 +2536,7 @@
       </p:sp>
       <p:sp>
         <p:nvSpPr>
-          <p:cNvPr id="5" name="Date Placeholder 4"/>
+          <p:cNvPr id="5" name="Дата 4"/>
           <p:cNvSpPr>
             <a:spLocks noGrp="1"/>
           </p:cNvSpPr>
@@ -3053,19 +2544,10 @@
             <p:ph type="dt" sz="half" idx="10"/>
           </p:nvPr>
         </p:nvSpPr>
-        <p:spPr>
-          <a:xfrm>
-            <a:off x="465512" y="6459785"/>
-            <a:ext cx="2618510" cy="365125"/>
-          </a:xfrm>
-        </p:spPr>
-        <p:txBody>
-          <a:bodyPr/>
-          <a:lstStyle>
-            <a:lvl1pPr algn="l">
-              <a:defRPr/>
-            </a:lvl1pPr>
-          </a:lstStyle>
+        <p:spPr/>
+        <p:txBody>
+          <a:bodyPr/>
+          <a:lstStyle/>
           <a:p>
             <a:fld id="{A7D08EAE-43AF-44C1-A7D9-E10A9ACFDA1E}" type="datetime1">
               <a:rPr lang="ru-RU" smtClean="0"/>
@@ -3077,7 +2559,7 @@
       </p:sp>
       <p:sp>
         <p:nvSpPr>
-          <p:cNvPr id="6" name="Footer Placeholder 5"/>
+          <p:cNvPr id="6" name="Нижний колонтитул 5"/>
           <p:cNvSpPr>
             <a:spLocks noGrp="1"/>
           </p:cNvSpPr>
@@ -3085,23 +2567,10 @@
             <p:ph type="ftr" sz="quarter" idx="11"/>
           </p:nvPr>
         </p:nvSpPr>
-        <p:spPr>
-          <a:xfrm>
-            <a:off x="4800600" y="6459785"/>
-            <a:ext cx="4648200" cy="365125"/>
-          </a:xfrm>
-        </p:spPr>
-        <p:txBody>
-          <a:bodyPr/>
-          <a:lstStyle>
-            <a:lvl1pPr algn="l">
-              <a:defRPr>
-                <a:solidFill>
-                  <a:schemeClr val="tx2"/>
-                </a:solidFill>
-              </a:defRPr>
-            </a:lvl1pPr>
-          </a:lstStyle>
+        <p:spPr/>
+        <p:txBody>
+          <a:bodyPr/>
+          <a:lstStyle/>
           <a:p>
             <a:endParaRPr lang="ru-RU"/>
           </a:p>
@@ -3109,7 +2578,7 @@
       </p:sp>
       <p:sp>
         <p:nvSpPr>
-          <p:cNvPr id="7" name="Slide Number Placeholder 6"/>
+          <p:cNvPr id="7" name="Номер слайда 6"/>
           <p:cNvSpPr>
             <a:spLocks noGrp="1"/>
           </p:cNvSpPr>
@@ -3120,15 +2589,7 @@
         <p:spPr/>
         <p:txBody>
           <a:bodyPr/>
-          <a:lstStyle>
-            <a:lvl1pPr>
-              <a:defRPr>
-                <a:solidFill>
-                  <a:schemeClr val="tx2"/>
-                </a:solidFill>
-              </a:defRPr>
-            </a:lvl1pPr>
-          </a:lstStyle>
+          <a:lstStyle/>
           <a:p>
             <a:fld id="{C4F09F00-B2EF-4E92-A50A-EB2934570B6C}" type="slidenum">
               <a:rPr lang="ru-RU" smtClean="0"/>
@@ -3141,7 +2602,7 @@
     </p:spTree>
     <p:extLst>
       <p:ext uri="{BB962C8B-B14F-4D97-AF65-F5344CB8AC3E}">
-        <p14:creationId xmlns:p14="http://schemas.microsoft.com/office/powerpoint/2010/main" val="3435553500"/>
+        <p14:creationId xmlns:p14="http://schemas.microsoft.com/office/powerpoint/2010/main" val="2916020741"/>
       </p:ext>
     </p:extLst>
   </p:cSld>
@@ -3152,7 +2613,7 @@
 </file>
 
 <file path=ppt/slideLayouts/slideLayout9.xml><?xml version="1.0" encoding="utf-8"?>
-<p:sldLayout xmlns:a="http://schemas.openxmlformats.org/drawingml/2006/main" xmlns:r="http://schemas.openxmlformats.org/officeDocument/2006/relationships" xmlns:p="http://schemas.openxmlformats.org/presentationml/2006/main" showMasterSp="0" type="picTx" preserve="1">
+<p:sldLayout xmlns:a="http://schemas.openxmlformats.org/drawingml/2006/main" xmlns:r="http://schemas.openxmlformats.org/officeDocument/2006/relationships" xmlns:p="http://schemas.openxmlformats.org/presentationml/2006/main" type="picTx" preserve="1">
   <p:cSld name="Рисунок с подписью">
     <p:spTree>
       <p:nvGrpSpPr>
@@ -3170,150 +2631,58 @@
       </p:grpSpPr>
       <p:sp>
         <p:nvSpPr>
-          <p:cNvPr id="8" name="Rectangle 7"/>
-          <p:cNvSpPr/>
-          <p:nvPr/>
+          <p:cNvPr id="2" name="Заголовок 1"/>
+          <p:cNvSpPr>
+            <a:spLocks noGrp="1"/>
+          </p:cNvSpPr>
+          <p:nvPr>
+            <p:ph type="title"/>
+          </p:nvPr>
         </p:nvSpPr>
         <p:spPr>
           <a:xfrm>
-            <a:off x="0" y="4953000"/>
-            <a:ext cx="12188825" cy="1905000"/>
+            <a:off x="839788" y="457200"/>
+            <a:ext cx="3932237" cy="1600200"/>
           </a:xfrm>
-          <a:prstGeom prst="rect">
-            <a:avLst/>
-          </a:prstGeom>
-          <a:solidFill>
-            <a:schemeClr val="accent2"/>
-          </a:solidFill>
-          <a:ln>
-            <a:noFill/>
-          </a:ln>
         </p:spPr>
-        <p:style>
-          <a:lnRef idx="2">
-            <a:schemeClr val="accent1">
-              <a:shade val="50000"/>
-            </a:schemeClr>
-          </a:lnRef>
-          <a:fillRef idx="1">
-            <a:schemeClr val="accent1"/>
-          </a:fillRef>
-          <a:effectRef idx="0">
-            <a:schemeClr val="accent1"/>
-          </a:effectRef>
-          <a:fontRef idx="minor">
-            <a:schemeClr val="lt1"/>
-          </a:fontRef>
-        </p:style>
-      </p:sp>
-      <p:sp>
-        <p:nvSpPr>
-          <p:cNvPr id="9" name="Rectangle 8"/>
-          <p:cNvSpPr/>
-          <p:nvPr/>
+        <p:txBody>
+          <a:bodyPr anchor="b"/>
+          <a:lstStyle>
+            <a:lvl1pPr>
+              <a:defRPr sz="3200"/>
+            </a:lvl1pPr>
+          </a:lstStyle>
+          <a:p>
+            <a:r>
+              <a:rPr lang="ru-RU" smtClean="0"/>
+              <a:t>Образец заголовка</a:t>
+            </a:r>
+            <a:endParaRPr lang="ru-RU"/>
+          </a:p>
+        </p:txBody>
+      </p:sp>
+      <p:sp>
+        <p:nvSpPr>
+          <p:cNvPr id="3" name="Рисунок 2"/>
+          <p:cNvSpPr>
+            <a:spLocks noGrp="1"/>
+          </p:cNvSpPr>
+          <p:nvPr>
+            <p:ph type="pic" idx="1"/>
+          </p:nvPr>
         </p:nvSpPr>
         <p:spPr>
           <a:xfrm>
-            <a:off x="15" y="4915076"/>
-            <a:ext cx="12188825" cy="64008"/>
-          </a:xfrm>
-          <a:prstGeom prst="rect">
-            <a:avLst/>
-          </a:prstGeom>
-          <a:solidFill>
-            <a:schemeClr val="accent1"/>
-          </a:solidFill>
-          <a:ln>
-            <a:noFill/>
-          </a:ln>
-        </p:spPr>
-        <p:style>
-          <a:lnRef idx="2">
-            <a:schemeClr val="accent1">
-              <a:shade val="50000"/>
-            </a:schemeClr>
-          </a:lnRef>
-          <a:fillRef idx="1">
-            <a:schemeClr val="accent1"/>
-          </a:fillRef>
-          <a:effectRef idx="0">
-            <a:schemeClr val="accent1"/>
-          </a:effectRef>
-          <a:fontRef idx="minor">
-            <a:schemeClr val="lt1"/>
-          </a:fontRef>
-        </p:style>
-      </p:sp>
-      <p:sp>
-        <p:nvSpPr>
-          <p:cNvPr id="2" name="Title 1"/>
-          <p:cNvSpPr>
-            <a:spLocks noGrp="1"/>
-          </p:cNvSpPr>
-          <p:nvPr>
-            <p:ph type="title"/>
-          </p:nvPr>
-        </p:nvSpPr>
-        <p:spPr>
-          <a:xfrm>
-            <a:off x="1097280" y="5074920"/>
-            <a:ext cx="10113264" cy="822960"/>
+            <a:off x="5183188" y="987425"/>
+            <a:ext cx="6172200" cy="4873625"/>
           </a:xfrm>
         </p:spPr>
         <p:txBody>
-          <a:bodyPr lIns="91440" tIns="0" rIns="91440" bIns="0" anchor="b">
-            <a:noAutofit/>
-          </a:bodyPr>
-          <a:lstStyle>
-            <a:lvl1pPr>
-              <a:defRPr sz="3600" b="0">
-                <a:solidFill>
-                  <a:srgbClr val="FFFFFF"/>
-                </a:solidFill>
-              </a:defRPr>
-            </a:lvl1pPr>
-          </a:lstStyle>
-          <a:p>
-            <a:r>
-              <a:rPr lang="ru-RU" smtClean="0"/>
-              <a:t>Образец заголовка</a:t>
-            </a:r>
-            <a:endParaRPr lang="en-US" dirty="0"/>
-          </a:p>
-        </p:txBody>
-      </p:sp>
-      <p:sp>
-        <p:nvSpPr>
-          <p:cNvPr id="3" name="Picture Placeholder 2"/>
-          <p:cNvSpPr>
-            <a:spLocks noGrp="1" noChangeAspect="1"/>
-          </p:cNvSpPr>
-          <p:nvPr>
-            <p:ph type="pic" idx="1"/>
-          </p:nvPr>
-        </p:nvSpPr>
-        <p:spPr>
-          <a:xfrm>
-            <a:off x="15" y="0"/>
-            <a:ext cx="12191985" cy="4915076"/>
-          </a:xfrm>
-          <a:blipFill>
-            <a:blip r:embed="rId2"/>
-            <a:stretch>
-              <a:fillRect/>
-            </a:stretch>
-          </a:blipFill>
-        </p:spPr>
-        <p:txBody>
-          <a:bodyPr lIns="457200" tIns="457200" anchor="t"/>
+          <a:bodyPr/>
           <a:lstStyle>
             <a:lvl1pPr marL="0" indent="0">
               <a:buNone/>
-              <a:defRPr sz="3200">
-                <a:solidFill>
-                  <a:schemeClr val="bg1"/>
-                </a:solidFill>
-              </a:defRPr>
+              <a:defRPr sz="3200"/>
             </a:lvl1pPr>
             <a:lvl2pPr marL="457200" indent="0">
               <a:buNone/>
@@ -3349,17 +2718,13 @@
             </a:lvl9pPr>
           </a:lstStyle>
           <a:p>
-            <a:r>
-              <a:rPr lang="ru-RU" smtClean="0"/>
-              <a:t>Вставка рисунка</a:t>
-            </a:r>
-            <a:endParaRPr lang="en-US" dirty="0"/>
-          </a:p>
-        </p:txBody>
-      </p:sp>
-      <p:sp>
-        <p:nvSpPr>
-          <p:cNvPr id="4" name="Text Placeholder 3"/>
+            <a:endParaRPr lang="ru-RU"/>
+          </a:p>
+        </p:txBody>
+      </p:sp>
+      <p:sp>
+        <p:nvSpPr>
+          <p:cNvPr id="4" name="Текст 3"/>
           <p:cNvSpPr>
             <a:spLocks noGrp="1"/>
           </p:cNvSpPr>
@@ -3369,60 +2734,48 @@
         </p:nvSpPr>
         <p:spPr>
           <a:xfrm>
-            <a:off x="1097280" y="5907023"/>
-            <a:ext cx="10113264" cy="594360"/>
+            <a:off x="839788" y="2057400"/>
+            <a:ext cx="3932237" cy="3811588"/>
           </a:xfrm>
         </p:spPr>
         <p:txBody>
-          <a:bodyPr lIns="91440" tIns="0" rIns="91440" bIns="0">
-            <a:normAutofit/>
-          </a:bodyPr>
+          <a:bodyPr/>
           <a:lstStyle>
             <a:lvl1pPr marL="0" indent="0">
-              <a:spcBef>
-                <a:spcPts val="0"/>
-              </a:spcBef>
-              <a:spcAft>
-                <a:spcPts val="600"/>
-              </a:spcAft>
               <a:buNone/>
-              <a:defRPr sz="1500">
-                <a:solidFill>
-                  <a:srgbClr val="FFFFFF"/>
-                </a:solidFill>
-              </a:defRPr>
+              <a:defRPr sz="1600"/>
             </a:lvl1pPr>
             <a:lvl2pPr marL="457200" indent="0">
               <a:buNone/>
-              <a:defRPr sz="1200"/>
+              <a:defRPr sz="1400"/>
             </a:lvl2pPr>
             <a:lvl3pPr marL="914400" indent="0">
               <a:buNone/>
-              <a:defRPr sz="1000"/>
+              <a:defRPr sz="1200"/>
             </a:lvl3pPr>
             <a:lvl4pPr marL="1371600" indent="0">
               <a:buNone/>
-              <a:defRPr sz="900"/>
+              <a:defRPr sz="1000"/>
             </a:lvl4pPr>
             <a:lvl5pPr marL="1828800" indent="0">
               <a:buNone/>
-              <a:defRPr sz="900"/>
+              <a:defRPr sz="1000"/>
             </a:lvl5pPr>
             <a:lvl6pPr marL="2286000" indent="0">
               <a:buNone/>
-              <a:defRPr sz="900"/>
+              <a:defRPr sz="1000"/>
             </a:lvl6pPr>
             <a:lvl7pPr marL="2743200" indent="0">
               <a:buNone/>
-              <a:defRPr sz="900"/>
+              <a:defRPr sz="1000"/>
             </a:lvl7pPr>
             <a:lvl8pPr marL="3200400" indent="0">
               <a:buNone/>
-              <a:defRPr sz="900"/>
+              <a:defRPr sz="1000"/>
             </a:lvl8pPr>
             <a:lvl9pPr marL="3657600" indent="0">
               <a:buNone/>
-              <a:defRPr sz="900"/>
+              <a:defRPr sz="1000"/>
             </a:lvl9pPr>
           </a:lstStyle>
           <a:p>
@@ -3436,7 +2789,7 @@
       </p:sp>
       <p:sp>
         <p:nvSpPr>
-          <p:cNvPr id="5" name="Date Placeholder 4"/>
+          <p:cNvPr id="5" name="Дата 4"/>
           <p:cNvSpPr>
             <a:spLocks noGrp="1"/>
           </p:cNvSpPr>
@@ -3459,7 +2812,7 @@
       </p:sp>
       <p:sp>
         <p:nvSpPr>
-          <p:cNvPr id="6" name="Footer Placeholder 5"/>
+          <p:cNvPr id="6" name="Нижний колонтитул 5"/>
           <p:cNvSpPr>
             <a:spLocks noGrp="1"/>
           </p:cNvSpPr>
@@ -3478,7 +2831,7 @@
       </p:sp>
       <p:sp>
         <p:nvSpPr>
-          <p:cNvPr id="7" name="Slide Number Placeholder 6"/>
+          <p:cNvPr id="7" name="Номер слайда 6"/>
           <p:cNvSpPr>
             <a:spLocks noGrp="1"/>
           </p:cNvSpPr>
@@ -3502,7 +2855,7 @@
     </p:spTree>
     <p:extLst>
       <p:ext uri="{BB962C8B-B14F-4D97-AF65-F5344CB8AC3E}">
-        <p14:creationId xmlns:p14="http://schemas.microsoft.com/office/powerpoint/2010/main" val="4145691443"/>
+        <p14:creationId xmlns:p14="http://schemas.microsoft.com/office/powerpoint/2010/main" val="1284030913"/>
       </p:ext>
     </p:extLst>
   </p:cSld>
@@ -3536,101 +2889,25 @@
       </p:grpSpPr>
       <p:sp>
         <p:nvSpPr>
-          <p:cNvPr id="7" name="Rectangle 6"/>
-          <p:cNvSpPr/>
-          <p:nvPr/>
+          <p:cNvPr id="2" name="Заголовок 1"/>
+          <p:cNvSpPr>
+            <a:spLocks noGrp="1"/>
+          </p:cNvSpPr>
+          <p:nvPr>
+            <p:ph type="title"/>
+          </p:nvPr>
         </p:nvSpPr>
         <p:spPr>
           <a:xfrm>
-            <a:off x="1" y="6400800"/>
-            <a:ext cx="12192000" cy="457200"/>
-          </a:xfrm>
-          <a:prstGeom prst="rect">
-            <a:avLst/>
-          </a:prstGeom>
-          <a:solidFill>
-            <a:schemeClr val="accent2"/>
-          </a:solidFill>
-          <a:ln>
-            <a:noFill/>
-          </a:ln>
-        </p:spPr>
-        <p:style>
-          <a:lnRef idx="2">
-            <a:schemeClr val="accent1">
-              <a:shade val="50000"/>
-            </a:schemeClr>
-          </a:lnRef>
-          <a:fillRef idx="1">
-            <a:schemeClr val="accent1"/>
-          </a:fillRef>
-          <a:effectRef idx="0">
-            <a:schemeClr val="accent1"/>
-          </a:effectRef>
-          <a:fontRef idx="minor">
-            <a:schemeClr val="lt1"/>
-          </a:fontRef>
-        </p:style>
-      </p:sp>
-      <p:sp>
-        <p:nvSpPr>
-          <p:cNvPr id="9" name="Rectangle 8"/>
-          <p:cNvSpPr/>
-          <p:nvPr/>
-        </p:nvSpPr>
-        <p:spPr>
-          <a:xfrm>
-            <a:off x="0" y="6334316"/>
-            <a:ext cx="12192001" cy="65998"/>
-          </a:xfrm>
-          <a:prstGeom prst="rect">
-            <a:avLst/>
-          </a:prstGeom>
-          <a:solidFill>
-            <a:schemeClr val="accent1"/>
-          </a:solidFill>
-          <a:ln>
-            <a:noFill/>
-          </a:ln>
-        </p:spPr>
-        <p:style>
-          <a:lnRef idx="2">
-            <a:schemeClr val="accent1">
-              <a:shade val="50000"/>
-            </a:schemeClr>
-          </a:lnRef>
-          <a:fillRef idx="1">
-            <a:schemeClr val="accent1"/>
-          </a:fillRef>
-          <a:effectRef idx="0">
-            <a:schemeClr val="accent1"/>
-          </a:effectRef>
-          <a:fontRef idx="minor">
-            <a:schemeClr val="lt1"/>
-          </a:fontRef>
-        </p:style>
-      </p:sp>
-      <p:sp>
-        <p:nvSpPr>
-          <p:cNvPr id="2" name="Title Placeholder 1"/>
-          <p:cNvSpPr>
-            <a:spLocks noGrp="1"/>
-          </p:cNvSpPr>
-          <p:nvPr>
-            <p:ph type="title"/>
-          </p:nvPr>
-        </p:nvSpPr>
-        <p:spPr>
-          <a:xfrm>
-            <a:off x="1097280" y="286603"/>
-            <a:ext cx="10058400" cy="1450757"/>
+            <a:off x="838200" y="365125"/>
+            <a:ext cx="10515600" cy="1325563"/>
           </a:xfrm>
           <a:prstGeom prst="rect">
             <a:avLst/>
           </a:prstGeom>
         </p:spPr>
         <p:txBody>
-          <a:bodyPr vert="horz" lIns="91440" tIns="45720" rIns="91440" bIns="45720" rtlCol="0" anchor="b">
+          <a:bodyPr vert="horz" lIns="91440" tIns="45720" rIns="91440" bIns="45720" rtlCol="0" anchor="ctr">
             <a:normAutofit/>
           </a:bodyPr>
           <a:lstStyle/>
@@ -3639,13 +2916,13 @@
               <a:rPr lang="ru-RU" smtClean="0"/>
               <a:t>Образец заголовка</a:t>
             </a:r>
-            <a:endParaRPr lang="en-US" dirty="0"/>
-          </a:p>
-        </p:txBody>
-      </p:sp>
-      <p:sp>
-        <p:nvSpPr>
-          <p:cNvPr id="3" name="Text Placeholder 2"/>
+            <a:endParaRPr lang="ru-RU"/>
+          </a:p>
+        </p:txBody>
+      </p:sp>
+      <p:sp>
+        <p:nvSpPr>
+          <p:cNvPr id="3" name="Текст 2"/>
           <p:cNvSpPr>
             <a:spLocks noGrp="1"/>
           </p:cNvSpPr>
@@ -3655,15 +2932,15 @@
         </p:nvSpPr>
         <p:spPr>
           <a:xfrm>
-            <a:off x="1097280" y="1845734"/>
-            <a:ext cx="10058400" cy="4023360"/>
+            <a:off x="838200" y="1825625"/>
+            <a:ext cx="10515600" cy="4351338"/>
           </a:xfrm>
           <a:prstGeom prst="rect">
             <a:avLst/>
           </a:prstGeom>
         </p:spPr>
         <p:txBody>
-          <a:bodyPr vert="horz" lIns="0" tIns="45720" rIns="0" bIns="45720" rtlCol="0">
+          <a:bodyPr vert="horz" lIns="91440" tIns="45720" rIns="91440" bIns="45720" rtlCol="0">
             <a:normAutofit/>
           </a:bodyPr>
           <a:lstStyle/>
@@ -3701,13 +2978,13 @@
               <a:rPr lang="ru-RU" smtClean="0"/>
               <a:t>Пятый уровень</a:t>
             </a:r>
-            <a:endParaRPr lang="en-US" dirty="0"/>
-          </a:p>
-        </p:txBody>
-      </p:sp>
-      <p:sp>
-        <p:nvSpPr>
-          <p:cNvPr id="4" name="Date Placeholder 3"/>
+            <a:endParaRPr lang="ru-RU"/>
+          </a:p>
+        </p:txBody>
+      </p:sp>
+      <p:sp>
+        <p:nvSpPr>
+          <p:cNvPr id="4" name="Дата 3"/>
           <p:cNvSpPr>
             <a:spLocks noGrp="1"/>
           </p:cNvSpPr>
@@ -3717,8 +2994,8 @@
         </p:nvSpPr>
         <p:spPr>
           <a:xfrm>
-            <a:off x="1097280" y="6459785"/>
-            <a:ext cx="2472271" cy="365125"/>
+            <a:off x="838200" y="6356350"/>
+            <a:ext cx="2743200" cy="365125"/>
           </a:xfrm>
           <a:prstGeom prst="rect">
             <a:avLst/>
@@ -3728,9 +3005,11 @@
           <a:bodyPr vert="horz" lIns="91440" tIns="45720" rIns="91440" bIns="45720" rtlCol="0" anchor="ctr"/>
           <a:lstStyle>
             <a:lvl1pPr algn="l">
-              <a:defRPr sz="900">
-                <a:solidFill>
-                  <a:srgbClr val="FFFFFF"/>
+              <a:defRPr sz="1200">
+                <a:solidFill>
+                  <a:schemeClr val="tx1">
+                    <a:tint val="75000"/>
+                  </a:schemeClr>
                 </a:solidFill>
               </a:defRPr>
             </a:lvl1pPr>
@@ -3746,7 +3025,7 @@
       </p:sp>
       <p:sp>
         <p:nvSpPr>
-          <p:cNvPr id="5" name="Footer Placeholder 4"/>
+          <p:cNvPr id="5" name="Нижний колонтитул 4"/>
           <p:cNvSpPr>
             <a:spLocks noGrp="1"/>
           </p:cNvSpPr>
@@ -3756,8 +3035,8 @@
         </p:nvSpPr>
         <p:spPr>
           <a:xfrm>
-            <a:off x="3686185" y="6459785"/>
-            <a:ext cx="4822804" cy="365125"/>
+            <a:off x="4038600" y="6356350"/>
+            <a:ext cx="4114800" cy="365125"/>
           </a:xfrm>
           <a:prstGeom prst="rect">
             <a:avLst/>
@@ -3767,9 +3046,11 @@
           <a:bodyPr vert="horz" lIns="91440" tIns="45720" rIns="91440" bIns="45720" rtlCol="0" anchor="ctr"/>
           <a:lstStyle>
             <a:lvl1pPr algn="ctr">
-              <a:defRPr sz="900" cap="all" baseline="0">
-                <a:solidFill>
-                  <a:srgbClr val="FFFFFF"/>
+              <a:defRPr sz="1200">
+                <a:solidFill>
+                  <a:schemeClr val="tx1">
+                    <a:tint val="75000"/>
+                  </a:schemeClr>
                 </a:solidFill>
               </a:defRPr>
             </a:lvl1pPr>
@@ -3781,7 +3062,7 @@
       </p:sp>
       <p:sp>
         <p:nvSpPr>
-          <p:cNvPr id="6" name="Slide Number Placeholder 5"/>
+          <p:cNvPr id="6" name="Номер слайда 5"/>
           <p:cNvSpPr>
             <a:spLocks noGrp="1"/>
           </p:cNvSpPr>
@@ -3791,8 +3072,8 @@
         </p:nvSpPr>
         <p:spPr>
           <a:xfrm>
-            <a:off x="9900458" y="6459785"/>
-            <a:ext cx="1312025" cy="365125"/>
+            <a:off x="8610600" y="6356350"/>
+            <a:ext cx="2743200" cy="365125"/>
           </a:xfrm>
           <a:prstGeom prst="rect">
             <a:avLst/>
@@ -3802,9 +3083,11 @@
           <a:bodyPr vert="horz" lIns="91440" tIns="45720" rIns="91440" bIns="45720" rtlCol="0" anchor="ctr"/>
           <a:lstStyle>
             <a:lvl1pPr algn="r">
-              <a:defRPr sz="1050">
-                <a:solidFill>
-                  <a:srgbClr val="FFFFFF"/>
+              <a:defRPr sz="1200">
+                <a:solidFill>
+                  <a:schemeClr val="tx1">
+                    <a:tint val="75000"/>
+                  </a:schemeClr>
                 </a:solidFill>
               </a:defRPr>
             </a:lvl1pPr>
@@ -3818,82 +3101,41 @@
           </a:p>
         </p:txBody>
       </p:sp>
-      <p:cxnSp>
-        <p:nvCxnSpPr>
-          <p:cNvPr id="10" name="Straight Connector 9"/>
-          <p:cNvCxnSpPr/>
-          <p:nvPr/>
-        </p:nvCxnSpPr>
-        <p:spPr>
-          <a:xfrm>
-            <a:off x="1193532" y="1737845"/>
-            <a:ext cx="9966960" cy="0"/>
-          </a:xfrm>
-          <a:prstGeom prst="line">
-            <a:avLst/>
-          </a:prstGeom>
-          <a:ln w="6350">
-            <a:solidFill>
-              <a:schemeClr val="tx1">
-                <a:lumMod val="50000"/>
-                <a:lumOff val="50000"/>
-              </a:schemeClr>
-            </a:solidFill>
-          </a:ln>
-        </p:spPr>
-        <p:style>
-          <a:lnRef idx="1">
-            <a:schemeClr val="accent1"/>
-          </a:lnRef>
-          <a:fillRef idx="0">
-            <a:schemeClr val="accent1"/>
-          </a:fillRef>
-          <a:effectRef idx="0">
-            <a:schemeClr val="accent1"/>
-          </a:effectRef>
-          <a:fontRef idx="minor">
-            <a:schemeClr val="tx1"/>
-          </a:fontRef>
-        </p:style>
-      </p:cxnSp>
     </p:spTree>
     <p:extLst>
       <p:ext uri="{BB962C8B-B14F-4D97-AF65-F5344CB8AC3E}">
-        <p14:creationId xmlns:p14="http://schemas.microsoft.com/office/powerpoint/2010/main" val="2907476723"/>
+        <p14:creationId xmlns:p14="http://schemas.microsoft.com/office/powerpoint/2010/main" val="1186167713"/>
       </p:ext>
     </p:extLst>
   </p:cSld>
   <p:clrMap bg1="lt1" tx1="dk1" bg2="lt2" tx2="dk2" accent1="accent1" accent2="accent2" accent3="accent3" accent4="accent4" accent5="accent5" accent6="accent6" hlink="hlink" folHlink="folHlink"/>
   <p:sldLayoutIdLst>
-    <p:sldLayoutId id="2147483678" r:id="rId1"/>
-    <p:sldLayoutId id="2147483679" r:id="rId2"/>
-    <p:sldLayoutId id="2147483680" r:id="rId3"/>
-    <p:sldLayoutId id="2147483681" r:id="rId4"/>
-    <p:sldLayoutId id="2147483682" r:id="rId5"/>
-    <p:sldLayoutId id="2147483683" r:id="rId6"/>
-    <p:sldLayoutId id="2147483684" r:id="rId7"/>
-    <p:sldLayoutId id="2147483685" r:id="rId8"/>
-    <p:sldLayoutId id="2147483686" r:id="rId9"/>
-    <p:sldLayoutId id="2147483687" r:id="rId10"/>
-    <p:sldLayoutId id="2147483688" r:id="rId11"/>
+    <p:sldLayoutId id="2147483726" r:id="rId1"/>
+    <p:sldLayoutId id="2147483727" r:id="rId2"/>
+    <p:sldLayoutId id="2147483728" r:id="rId3"/>
+    <p:sldLayoutId id="2147483729" r:id="rId4"/>
+    <p:sldLayoutId id="2147483730" r:id="rId5"/>
+    <p:sldLayoutId id="2147483731" r:id="rId6"/>
+    <p:sldLayoutId id="2147483732" r:id="rId7"/>
+    <p:sldLayoutId id="2147483733" r:id="rId8"/>
+    <p:sldLayoutId id="2147483734" r:id="rId9"/>
+    <p:sldLayoutId id="2147483735" r:id="rId10"/>
+    <p:sldLayoutId id="2147483736" r:id="rId11"/>
   </p:sldLayoutIdLst>
   <p:hf hdr="0" ftr="0" dt="0"/>
   <p:txStyles>
     <p:titleStyle>
       <a:lvl1pPr algn="l" defTabSz="914400" rtl="0" eaLnBrk="1" latinLnBrk="0" hangingPunct="1">
         <a:lnSpc>
-          <a:spcPct val="85000"/>
+          <a:spcPct val="90000"/>
         </a:lnSpc>
         <a:spcBef>
           <a:spcPct val="0"/>
         </a:spcBef>
         <a:buNone/>
-        <a:defRPr sz="4800" kern="1200" spc="-50" baseline="0">
+        <a:defRPr sz="4400" kern="1200">
           <a:solidFill>
-            <a:schemeClr val="tx1">
-              <a:lumMod val="75000"/>
-              <a:lumOff val="25000"/>
-            </a:schemeClr>
+            <a:schemeClr val="tx1"/>
           </a:solidFill>
           <a:latin typeface="+mj-lt"/>
           <a:ea typeface="+mj-ea"/>
@@ -3902,244 +3144,162 @@
       </a:lvl1pPr>
     </p:titleStyle>
     <p:bodyStyle>
-      <a:lvl1pPr marL="91440" indent="-91440" algn="l" defTabSz="914400" rtl="0" eaLnBrk="1" latinLnBrk="0" hangingPunct="1">
+      <a:lvl1pPr marL="228600" indent="-228600" algn="l" defTabSz="914400" rtl="0" eaLnBrk="1" latinLnBrk="0" hangingPunct="1">
         <a:lnSpc>
           <a:spcPct val="90000"/>
         </a:lnSpc>
         <a:spcBef>
-          <a:spcPts val="1200"/>
+          <a:spcPts val="1000"/>
         </a:spcBef>
-        <a:spcAft>
-          <a:spcPts val="200"/>
-        </a:spcAft>
-        <a:buClr>
-          <a:schemeClr val="accent1"/>
-        </a:buClr>
-        <a:buSzPct val="100000"/>
-        <a:buFont typeface="Calibri" panose="020F0502020204030204" pitchFamily="34" charset="0"/>
-        <a:buChar char=" "/>
-        <a:defRPr sz="2000" kern="1200">
+        <a:buFont typeface="Arial" panose="020B0604020202020204" pitchFamily="34" charset="0"/>
+        <a:buChar char="•"/>
+        <a:defRPr sz="2800" kern="1200">
           <a:solidFill>
-            <a:schemeClr val="tx1">
-              <a:lumMod val="75000"/>
-              <a:lumOff val="25000"/>
-            </a:schemeClr>
+            <a:schemeClr val="tx1"/>
           </a:solidFill>
           <a:latin typeface="+mn-lt"/>
           <a:ea typeface="+mn-ea"/>
           <a:cs typeface="+mn-cs"/>
         </a:defRPr>
       </a:lvl1pPr>
-      <a:lvl2pPr marL="384048" indent="-182880" algn="l" defTabSz="914400" rtl="0" eaLnBrk="1" latinLnBrk="0" hangingPunct="1">
+      <a:lvl2pPr marL="685800" indent="-228600" algn="l" defTabSz="914400" rtl="0" eaLnBrk="1" latinLnBrk="0" hangingPunct="1">
         <a:lnSpc>
           <a:spcPct val="90000"/>
         </a:lnSpc>
         <a:spcBef>
-          <a:spcPts val="200"/>
+          <a:spcPts val="500"/>
         </a:spcBef>
-        <a:spcAft>
-          <a:spcPts val="400"/>
-        </a:spcAft>
-        <a:buClr>
-          <a:schemeClr val="accent1"/>
-        </a:buClr>
-        <a:buFont typeface="Calibri" pitchFamily="34" charset="0"/>
-        <a:buChar char="◦"/>
-        <a:defRPr sz="1800" kern="1200">
+        <a:buFont typeface="Arial" panose="020B0604020202020204" pitchFamily="34" charset="0"/>
+        <a:buChar char="•"/>
+        <a:defRPr sz="2400" kern="1200">
           <a:solidFill>
-            <a:schemeClr val="tx1">
-              <a:lumMod val="75000"/>
-              <a:lumOff val="25000"/>
-            </a:schemeClr>
+            <a:schemeClr val="tx1"/>
           </a:solidFill>
           <a:latin typeface="+mn-lt"/>
           <a:ea typeface="+mn-ea"/>
           <a:cs typeface="+mn-cs"/>
         </a:defRPr>
       </a:lvl2pPr>
-      <a:lvl3pPr marL="566928" indent="-182880" algn="l" defTabSz="914400" rtl="0" eaLnBrk="1" latinLnBrk="0" hangingPunct="1">
+      <a:lvl3pPr marL="1143000" indent="-228600" algn="l" defTabSz="914400" rtl="0" eaLnBrk="1" latinLnBrk="0" hangingPunct="1">
         <a:lnSpc>
           <a:spcPct val="90000"/>
         </a:lnSpc>
         <a:spcBef>
-          <a:spcPts val="200"/>
+          <a:spcPts val="500"/>
         </a:spcBef>
-        <a:spcAft>
-          <a:spcPts val="400"/>
-        </a:spcAft>
-        <a:buClr>
-          <a:schemeClr val="accent1"/>
-        </a:buClr>
-        <a:buFont typeface="Calibri" pitchFamily="34" charset="0"/>
-        <a:buChar char="◦"/>
-        <a:defRPr sz="1400" kern="1200">
+        <a:buFont typeface="Arial" panose="020B0604020202020204" pitchFamily="34" charset="0"/>
+        <a:buChar char="•"/>
+        <a:defRPr sz="2000" kern="1200">
           <a:solidFill>
-            <a:schemeClr val="tx1">
-              <a:lumMod val="75000"/>
-              <a:lumOff val="25000"/>
-            </a:schemeClr>
+            <a:schemeClr val="tx1"/>
           </a:solidFill>
           <a:latin typeface="+mn-lt"/>
           <a:ea typeface="+mn-ea"/>
           <a:cs typeface="+mn-cs"/>
         </a:defRPr>
       </a:lvl3pPr>
-      <a:lvl4pPr marL="749808" indent="-182880" algn="l" defTabSz="914400" rtl="0" eaLnBrk="1" latinLnBrk="0" hangingPunct="1">
+      <a:lvl4pPr marL="1600200" indent="-228600" algn="l" defTabSz="914400" rtl="0" eaLnBrk="1" latinLnBrk="0" hangingPunct="1">
         <a:lnSpc>
           <a:spcPct val="90000"/>
         </a:lnSpc>
         <a:spcBef>
-          <a:spcPts val="200"/>
+          <a:spcPts val="500"/>
         </a:spcBef>
-        <a:spcAft>
-          <a:spcPts val="400"/>
-        </a:spcAft>
-        <a:buClr>
-          <a:schemeClr val="accent1"/>
-        </a:buClr>
-        <a:buFont typeface="Calibri" pitchFamily="34" charset="0"/>
-        <a:buChar char="◦"/>
-        <a:defRPr sz="1400" kern="1200">
+        <a:buFont typeface="Arial" panose="020B0604020202020204" pitchFamily="34" charset="0"/>
+        <a:buChar char="•"/>
+        <a:defRPr sz="1800" kern="1200">
           <a:solidFill>
-            <a:schemeClr val="tx1">
-              <a:lumMod val="75000"/>
-              <a:lumOff val="25000"/>
-            </a:schemeClr>
+            <a:schemeClr val="tx1"/>
           </a:solidFill>
           <a:latin typeface="+mn-lt"/>
           <a:ea typeface="+mn-ea"/>
           <a:cs typeface="+mn-cs"/>
         </a:defRPr>
       </a:lvl4pPr>
-      <a:lvl5pPr marL="932688" indent="-182880" algn="l" defTabSz="914400" rtl="0" eaLnBrk="1" latinLnBrk="0" hangingPunct="1">
+      <a:lvl5pPr marL="2057400" indent="-228600" algn="l" defTabSz="914400" rtl="0" eaLnBrk="1" latinLnBrk="0" hangingPunct="1">
         <a:lnSpc>
           <a:spcPct val="90000"/>
         </a:lnSpc>
         <a:spcBef>
-          <a:spcPts val="200"/>
+          <a:spcPts val="500"/>
         </a:spcBef>
-        <a:spcAft>
-          <a:spcPts val="400"/>
-        </a:spcAft>
-        <a:buClr>
-          <a:schemeClr val="accent1"/>
-        </a:buClr>
-        <a:buFont typeface="Calibri" pitchFamily="34" charset="0"/>
-        <a:buChar char="◦"/>
-        <a:defRPr sz="1400" kern="1200">
+        <a:buFont typeface="Arial" panose="020B0604020202020204" pitchFamily="34" charset="0"/>
+        <a:buChar char="•"/>
+        <a:defRPr sz="1800" kern="1200">
           <a:solidFill>
-            <a:schemeClr val="tx1">
-              <a:lumMod val="75000"/>
-              <a:lumOff val="25000"/>
-            </a:schemeClr>
+            <a:schemeClr val="tx1"/>
           </a:solidFill>
           <a:latin typeface="+mn-lt"/>
           <a:ea typeface="+mn-ea"/>
           <a:cs typeface="+mn-cs"/>
         </a:defRPr>
       </a:lvl5pPr>
-      <a:lvl6pPr marL="1100000" indent="-228600" algn="l" defTabSz="914400" rtl="0" eaLnBrk="1" latinLnBrk="0" hangingPunct="1">
+      <a:lvl6pPr marL="2514600" indent="-228600" algn="l" defTabSz="914400" rtl="0" eaLnBrk="1" latinLnBrk="0" hangingPunct="1">
         <a:lnSpc>
           <a:spcPct val="90000"/>
         </a:lnSpc>
         <a:spcBef>
-          <a:spcPts val="200"/>
+          <a:spcPts val="500"/>
         </a:spcBef>
-        <a:spcAft>
-          <a:spcPts val="400"/>
-        </a:spcAft>
-        <a:buClr>
-          <a:schemeClr val="accent1"/>
-        </a:buClr>
-        <a:buFont typeface="Calibri" pitchFamily="34" charset="0"/>
-        <a:buChar char="◦"/>
-        <a:defRPr sz="1400" kern="1200">
+        <a:buFont typeface="Arial" panose="020B0604020202020204" pitchFamily="34" charset="0"/>
+        <a:buChar char="•"/>
+        <a:defRPr sz="1800" kern="1200">
           <a:solidFill>
-            <a:schemeClr val="tx1">
-              <a:lumMod val="75000"/>
-              <a:lumOff val="25000"/>
-            </a:schemeClr>
+            <a:schemeClr val="tx1"/>
           </a:solidFill>
           <a:latin typeface="+mn-lt"/>
           <a:ea typeface="+mn-ea"/>
           <a:cs typeface="+mn-cs"/>
         </a:defRPr>
       </a:lvl6pPr>
-      <a:lvl7pPr marL="1300000" indent="-228600" algn="l" defTabSz="914400" rtl="0" eaLnBrk="1" latinLnBrk="0" hangingPunct="1">
+      <a:lvl7pPr marL="2971800" indent="-228600" algn="l" defTabSz="914400" rtl="0" eaLnBrk="1" latinLnBrk="0" hangingPunct="1">
         <a:lnSpc>
           <a:spcPct val="90000"/>
         </a:lnSpc>
         <a:spcBef>
-          <a:spcPts val="200"/>
+          <a:spcPts val="500"/>
         </a:spcBef>
-        <a:spcAft>
-          <a:spcPts val="400"/>
-        </a:spcAft>
-        <a:buClr>
-          <a:schemeClr val="accent1"/>
-        </a:buClr>
-        <a:buFont typeface="Calibri" pitchFamily="34" charset="0"/>
-        <a:buChar char="◦"/>
-        <a:defRPr sz="1400" kern="1200">
+        <a:buFont typeface="Arial" panose="020B0604020202020204" pitchFamily="34" charset="0"/>
+        <a:buChar char="•"/>
+        <a:defRPr sz="1800" kern="1200">
           <a:solidFill>
-            <a:schemeClr val="tx1">
-              <a:lumMod val="75000"/>
-              <a:lumOff val="25000"/>
-            </a:schemeClr>
+            <a:schemeClr val="tx1"/>
           </a:solidFill>
           <a:latin typeface="+mn-lt"/>
           <a:ea typeface="+mn-ea"/>
           <a:cs typeface="+mn-cs"/>
         </a:defRPr>
       </a:lvl7pPr>
-      <a:lvl8pPr marL="1500000" indent="-228600" algn="l" defTabSz="914400" rtl="0" eaLnBrk="1" latinLnBrk="0" hangingPunct="1">
+      <a:lvl8pPr marL="3429000" indent="-228600" algn="l" defTabSz="914400" rtl="0" eaLnBrk="1" latinLnBrk="0" hangingPunct="1">
         <a:lnSpc>
           <a:spcPct val="90000"/>
         </a:lnSpc>
         <a:spcBef>
-          <a:spcPts val="200"/>
+          <a:spcPts val="500"/>
         </a:spcBef>
-        <a:spcAft>
-          <a:spcPts val="400"/>
-        </a:spcAft>
-        <a:buClr>
-          <a:schemeClr val="accent1"/>
-        </a:buClr>
-        <a:buFont typeface="Calibri" pitchFamily="34" charset="0"/>
-        <a:buChar char="◦"/>
-        <a:defRPr sz="1400" kern="1200">
+        <a:buFont typeface="Arial" panose="020B0604020202020204" pitchFamily="34" charset="0"/>
+        <a:buChar char="•"/>
+        <a:defRPr sz="1800" kern="1200">
           <a:solidFill>
-            <a:schemeClr val="tx1">
-              <a:lumMod val="75000"/>
-              <a:lumOff val="25000"/>
-            </a:schemeClr>
+            <a:schemeClr val="tx1"/>
           </a:solidFill>
           <a:latin typeface="+mn-lt"/>
           <a:ea typeface="+mn-ea"/>
           <a:cs typeface="+mn-cs"/>
         </a:defRPr>
       </a:lvl8pPr>
-      <a:lvl9pPr marL="1700000" indent="-228600" algn="l" defTabSz="914400" rtl="0" eaLnBrk="1" latinLnBrk="0" hangingPunct="1">
+      <a:lvl9pPr marL="3886200" indent="-228600" algn="l" defTabSz="914400" rtl="0" eaLnBrk="1" latinLnBrk="0" hangingPunct="1">
         <a:lnSpc>
           <a:spcPct val="90000"/>
         </a:lnSpc>
         <a:spcBef>
-          <a:spcPts val="200"/>
+          <a:spcPts val="500"/>
         </a:spcBef>
-        <a:spcAft>
-          <a:spcPts val="400"/>
-        </a:spcAft>
-        <a:buClr>
-          <a:schemeClr val="accent1"/>
-        </a:buClr>
-        <a:buFont typeface="Calibri" pitchFamily="34" charset="0"/>
-        <a:buChar char="◦"/>
-        <a:defRPr sz="1400" kern="1200">
+        <a:buFont typeface="Arial" panose="020B0604020202020204" pitchFamily="34" charset="0"/>
+        <a:buChar char="•"/>
+        <a:defRPr sz="1800" kern="1200">
           <a:solidFill>
-            <a:schemeClr val="tx1">
-              <a:lumMod val="75000"/>
-              <a:lumOff val="25000"/>
-            </a:schemeClr>
+            <a:schemeClr val="tx1"/>
           </a:solidFill>
           <a:latin typeface="+mn-lt"/>
           <a:ea typeface="+mn-ea"/>
@@ -4149,7 +3309,7 @@
     </p:bodyStyle>
     <p:otherStyle>
       <a:defPPr>
-        <a:defRPr lang="en-US"/>
+        <a:defRPr lang="ru-RU"/>
       </a:defPPr>
       <a:lvl1pPr marL="0" algn="l" defTabSz="914400" rtl="0" eaLnBrk="1" latinLnBrk="0" hangingPunct="1">
         <a:defRPr sz="1800" kern="1200">
@@ -4316,6 +3476,7 @@
           </a:bodyPr>
           <a:lstStyle/>
           <a:p>
+            <a:pPr algn="l"/>
             <a:r>
               <a:rPr lang="ru-RU" sz="2000" b="1" cap="none" spc="0" dirty="0" smtClean="0">
                 <a:solidFill>
@@ -4342,6 +3503,7 @@
             </a:r>
           </a:p>
           <a:p>
+            <a:pPr algn="l"/>
             <a:r>
               <a:rPr lang="ru-RU" sz="2000" b="1" cap="none" spc="0" dirty="0" smtClean="0">
                 <a:solidFill>
@@ -5006,8 +4168,8 @@
         </p:blipFill>
         <p:spPr>
           <a:xfrm>
-            <a:off x="5907315" y="3997540"/>
-            <a:ext cx="5305168" cy="2081909"/>
+            <a:off x="1314450" y="2124869"/>
+            <a:ext cx="9563100" cy="3752850"/>
           </a:xfrm>
           <a:prstGeom prst="rect">
             <a:avLst/>
@@ -5681,38 +4843,9 @@
           </a:p>
         </p:txBody>
       </p:sp>
-      <p:sp>
-        <p:nvSpPr>
-          <p:cNvPr id="5" name="Номер слайда 4"/>
-          <p:cNvSpPr>
-            <a:spLocks noGrp="1"/>
-          </p:cNvSpPr>
-          <p:nvPr>
-            <p:ph type="sldNum" sz="quarter" idx="12"/>
-          </p:nvPr>
-        </p:nvSpPr>
-        <p:spPr/>
-        <p:txBody>
-          <a:bodyPr/>
-          <a:lstStyle/>
-          <a:p>
-            <a:fld id="{C4F09F00-B2EF-4E92-A50A-EB2934570B6C}" type="slidenum">
-              <a:rPr lang="ru-RU" sz="1800" smtClean="0">
-                <a:latin typeface="Times New Roman" panose="02020603050405020304" pitchFamily="18" charset="0"/>
-                <a:cs typeface="Times New Roman" panose="02020603050405020304" pitchFamily="18" charset="0"/>
-              </a:rPr>
-              <a:t>15</a:t>
-            </a:fld>
-            <a:endParaRPr lang="ru-RU" dirty="0">
-              <a:latin typeface="Times New Roman" panose="02020603050405020304" pitchFamily="18" charset="0"/>
-              <a:cs typeface="Times New Roman" panose="02020603050405020304" pitchFamily="18" charset="0"/>
-            </a:endParaRPr>
-          </a:p>
-        </p:txBody>
-      </p:sp>
       <p:pic>
         <p:nvPicPr>
-          <p:cNvPr id="6" name="Объект 5"/>
+          <p:cNvPr id="4" name="Объект 3"/>
           <p:cNvPicPr>
             <a:picLocks noGrp="1" noChangeAspect="1"/>
           </p:cNvPicPr>
@@ -5721,7 +4854,7 @@
           </p:nvPr>
         </p:nvPicPr>
         <p:blipFill>
-          <a:blip r:embed="rId2" cstate="print">
+          <a:blip r:embed="rId2">
             <a:extLst>
               <a:ext uri="{28A0092B-C50C-407E-A947-70E740481C1C}">
                 <a14:useLocalDpi xmlns:a14="http://schemas.microsoft.com/office/drawing/2010/main" val="0"/>
@@ -5734,11 +4867,40 @@
         </p:blipFill>
         <p:spPr>
           <a:xfrm>
-            <a:off x="2165326" y="1846263"/>
-            <a:ext cx="7921673" cy="4022725"/>
+            <a:off x="1710400" y="1825625"/>
+            <a:ext cx="8771200" cy="4351338"/>
           </a:xfrm>
         </p:spPr>
       </p:pic>
+      <p:sp>
+        <p:nvSpPr>
+          <p:cNvPr id="5" name="Номер слайда 4"/>
+          <p:cNvSpPr>
+            <a:spLocks noGrp="1"/>
+          </p:cNvSpPr>
+          <p:nvPr>
+            <p:ph type="sldNum" sz="quarter" idx="12"/>
+          </p:nvPr>
+        </p:nvSpPr>
+        <p:spPr/>
+        <p:txBody>
+          <a:bodyPr/>
+          <a:lstStyle/>
+          <a:p>
+            <a:fld id="{C4F09F00-B2EF-4E92-A50A-EB2934570B6C}" type="slidenum">
+              <a:rPr lang="ru-RU" sz="1800" smtClean="0">
+                <a:latin typeface="Times New Roman" panose="02020603050405020304" pitchFamily="18" charset="0"/>
+                <a:cs typeface="Times New Roman" panose="02020603050405020304" pitchFamily="18" charset="0"/>
+              </a:rPr>
+              <a:t>15</a:t>
+            </a:fld>
+            <a:endParaRPr lang="ru-RU" dirty="0">
+              <a:latin typeface="Times New Roman" panose="02020603050405020304" pitchFamily="18" charset="0"/>
+              <a:cs typeface="Times New Roman" panose="02020603050405020304" pitchFamily="18" charset="0"/>
+            </a:endParaRPr>
+          </a:p>
+        </p:txBody>
+      </p:sp>
     </p:spTree>
     <p:extLst>
       <p:ext uri="{BB962C8B-B14F-4D97-AF65-F5344CB8AC3E}">
@@ -6089,23 +5251,7 @@
                   <a:schemeClr val="tx1"/>
                 </a:solidFill>
               </a:rPr>
-              <a:t>Реализация </a:t>
-            </a:r>
-            <a:r>
-              <a:rPr lang="ru-RU" sz="1600" dirty="0" smtClean="0">
-                <a:solidFill>
-                  <a:schemeClr val="tx1"/>
-                </a:solidFill>
-              </a:rPr>
-              <a:t>более качественной и </a:t>
-            </a:r>
-            <a:r>
-              <a:rPr lang="ru-RU" sz="1600" dirty="0" smtClean="0">
-                <a:solidFill>
-                  <a:schemeClr val="tx1"/>
-                </a:solidFill>
-              </a:rPr>
-              <a:t>устойчивой модели прогнозирования цен на товары в магазинах.</a:t>
+              <a:t>Реализация более качественной и устойчивой модели прогнозирования цен на товары в магазинах.</a:t>
             </a:r>
             <a:endParaRPr lang="ru-RU" sz="1600" dirty="0">
               <a:solidFill>
@@ -6227,7 +5373,9 @@
         </p:nvSpPr>
         <p:spPr/>
         <p:txBody>
-          <a:bodyPr/>
+          <a:bodyPr>
+            <a:normAutofit fontScale="92500" lnSpcReduction="20000"/>
+          </a:bodyPr>
           <a:lstStyle/>
           <a:p>
             <a:pPr algn="just"/>
@@ -6537,74 +5685,6 @@
           </a:p>
         </p:txBody>
       </p:sp>
-      <p:sp>
-        <p:nvSpPr>
-          <p:cNvPr id="4" name="Номер слайда 3"/>
-          <p:cNvSpPr>
-            <a:spLocks noGrp="1"/>
-          </p:cNvSpPr>
-          <p:nvPr>
-            <p:ph type="sldNum" sz="quarter" idx="12"/>
-          </p:nvPr>
-        </p:nvSpPr>
-        <p:spPr/>
-        <p:txBody>
-          <a:bodyPr/>
-          <a:lstStyle/>
-          <a:p>
-            <a:fld id="{C4F09F00-B2EF-4E92-A50A-EB2934570B6C}" type="slidenum">
-              <a:rPr lang="ru-RU" sz="1800" smtClean="0">
-                <a:latin typeface="Times New Roman" panose="02020603050405020304" pitchFamily="18" charset="0"/>
-                <a:cs typeface="Times New Roman" panose="02020603050405020304" pitchFamily="18" charset="0"/>
-              </a:rPr>
-              <a:t>3</a:t>
-            </a:fld>
-            <a:endParaRPr lang="ru-RU" sz="1800" dirty="0">
-              <a:latin typeface="Times New Roman" panose="02020603050405020304" pitchFamily="18" charset="0"/>
-              <a:cs typeface="Times New Roman" panose="02020603050405020304" pitchFamily="18" charset="0"/>
-            </a:endParaRPr>
-          </a:p>
-        </p:txBody>
-      </p:sp>
-      <p:sp>
-        <p:nvSpPr>
-          <p:cNvPr id="7" name="AutoShape 8" descr="https://games.mail.ru/hotbox/content_files/gallery/1a/4f/invizimals_screenshot_589d1ea8.jpeg"/>
-          <p:cNvSpPr>
-            <a:spLocks noChangeAspect="1" noChangeArrowheads="1"/>
-          </p:cNvSpPr>
-          <p:nvPr/>
-        </p:nvSpPr>
-        <p:spPr bwMode="auto">
-          <a:xfrm>
-            <a:off x="155575" y="-144463"/>
-            <a:ext cx="304800" cy="304801"/>
-          </a:xfrm>
-          <a:prstGeom prst="rect">
-            <a:avLst/>
-          </a:prstGeom>
-          <a:noFill/>
-          <a:extLst>
-            <a:ext uri="{909E8E84-426E-40DD-AFC4-6F175D3DCCD1}">
-              <a14:hiddenFill xmlns:a14="http://schemas.microsoft.com/office/drawing/2010/main">
-                <a:solidFill>
-                  <a:srgbClr val="FFFFFF"/>
-                </a:solidFill>
-              </a14:hiddenFill>
-            </a:ext>
-          </a:extLst>
-        </p:spPr>
-        <p:txBody>
-          <a:bodyPr vert="horz" wrap="square" lIns="91440" tIns="45720" rIns="91440" bIns="45720" numCol="1" anchor="t" anchorCtr="0" compatLnSpc="1">
-            <a:prstTxWarp prst="textNoShape">
-              <a:avLst/>
-            </a:prstTxWarp>
-          </a:bodyPr>
-          <a:lstStyle/>
-          <a:p>
-            <a:endParaRPr lang="ru-RU"/>
-          </a:p>
-        </p:txBody>
-      </p:sp>
       <p:pic>
         <p:nvPicPr>
           <p:cNvPr id="5" name="Объект 4"/>
@@ -6629,11 +5709,79 @@
         </p:blipFill>
         <p:spPr>
           <a:xfrm>
-            <a:off x="4122379" y="1969831"/>
-            <a:ext cx="4008202" cy="4022725"/>
+            <a:off x="3928185" y="1825625"/>
+            <a:ext cx="4335629" cy="4351338"/>
           </a:xfrm>
         </p:spPr>
       </p:pic>
+      <p:sp>
+        <p:nvSpPr>
+          <p:cNvPr id="4" name="Номер слайда 3"/>
+          <p:cNvSpPr>
+            <a:spLocks noGrp="1"/>
+          </p:cNvSpPr>
+          <p:nvPr>
+            <p:ph type="sldNum" sz="quarter" idx="12"/>
+          </p:nvPr>
+        </p:nvSpPr>
+        <p:spPr/>
+        <p:txBody>
+          <a:bodyPr/>
+          <a:lstStyle/>
+          <a:p>
+            <a:fld id="{C4F09F00-B2EF-4E92-A50A-EB2934570B6C}" type="slidenum">
+              <a:rPr lang="ru-RU" sz="1800" smtClean="0">
+                <a:latin typeface="Times New Roman" panose="02020603050405020304" pitchFamily="18" charset="0"/>
+                <a:cs typeface="Times New Roman" panose="02020603050405020304" pitchFamily="18" charset="0"/>
+              </a:rPr>
+              <a:t>3</a:t>
+            </a:fld>
+            <a:endParaRPr lang="ru-RU" sz="1800" dirty="0">
+              <a:latin typeface="Times New Roman" panose="02020603050405020304" pitchFamily="18" charset="0"/>
+              <a:cs typeface="Times New Roman" panose="02020603050405020304" pitchFamily="18" charset="0"/>
+            </a:endParaRPr>
+          </a:p>
+        </p:txBody>
+      </p:sp>
+      <p:sp>
+        <p:nvSpPr>
+          <p:cNvPr id="7" name="AutoShape 8" descr="https://games.mail.ru/hotbox/content_files/gallery/1a/4f/invizimals_screenshot_589d1ea8.jpeg"/>
+          <p:cNvSpPr>
+            <a:spLocks noChangeAspect="1" noChangeArrowheads="1"/>
+          </p:cNvSpPr>
+          <p:nvPr/>
+        </p:nvSpPr>
+        <p:spPr bwMode="auto">
+          <a:xfrm>
+            <a:off x="155575" y="-144463"/>
+            <a:ext cx="304800" cy="304801"/>
+          </a:xfrm>
+          <a:prstGeom prst="rect">
+            <a:avLst/>
+          </a:prstGeom>
+          <a:noFill/>
+          <a:extLst>
+            <a:ext uri="{909E8E84-426E-40DD-AFC4-6F175D3DCCD1}">
+              <a14:hiddenFill xmlns:a14="http://schemas.microsoft.com/office/drawing/2010/main">
+                <a:solidFill>
+                  <a:srgbClr val="FFFFFF"/>
+                </a:solidFill>
+              </a14:hiddenFill>
+            </a:ext>
+          </a:extLst>
+        </p:spPr>
+        <p:txBody>
+          <a:bodyPr vert="horz" wrap="square" lIns="91440" tIns="45720" rIns="91440" bIns="45720" numCol="1" anchor="t" anchorCtr="0" compatLnSpc="1">
+            <a:prstTxWarp prst="textNoShape">
+              <a:avLst/>
+            </a:prstTxWarp>
+          </a:bodyPr>
+          <a:lstStyle/>
+          <a:p>
+            <a:endParaRPr lang="ru-RU"/>
+          </a:p>
+        </p:txBody>
+      </p:sp>
     </p:spTree>
     <p:extLst>
       <p:ext uri="{BB962C8B-B14F-4D97-AF65-F5344CB8AC3E}">
@@ -6694,11 +5842,6 @@
               </a:rPr>
               <a:t>Диаграмма вариантов использования</a:t>
             </a:r>
-            <a:endParaRPr lang="ru-RU" dirty="0">
-              <a:solidFill>
-                <a:schemeClr val="tx1"/>
-              </a:solidFill>
-            </a:endParaRPr>
           </a:p>
         </p:txBody>
       </p:sp>
@@ -6726,8 +5869,8 @@
         </p:blipFill>
         <p:spPr>
           <a:xfrm>
-            <a:off x="3104463" y="1846263"/>
-            <a:ext cx="6043399" cy="4022725"/>
+            <a:off x="3005137" y="1943894"/>
+            <a:ext cx="6181725" cy="4114800"/>
           </a:xfrm>
         </p:spPr>
       </p:pic>
@@ -7085,35 +6228,6 @@
           </a:p>
         </p:txBody>
       </p:sp>
-      <p:sp>
-        <p:nvSpPr>
-          <p:cNvPr id="5" name="Номер слайда 4"/>
-          <p:cNvSpPr>
-            <a:spLocks noGrp="1"/>
-          </p:cNvSpPr>
-          <p:nvPr>
-            <p:ph type="sldNum" sz="quarter" idx="12"/>
-          </p:nvPr>
-        </p:nvSpPr>
-        <p:spPr/>
-        <p:txBody>
-          <a:bodyPr/>
-          <a:lstStyle/>
-          <a:p>
-            <a:fld id="{C4F09F00-B2EF-4E92-A50A-EB2934570B6C}" type="slidenum">
-              <a:rPr lang="ru-RU" sz="1800" smtClean="0">
-                <a:latin typeface="Times New Roman" panose="02020603050405020304" pitchFamily="18" charset="0"/>
-                <a:cs typeface="Times New Roman" panose="02020603050405020304" pitchFamily="18" charset="0"/>
-              </a:rPr>
-              <a:t>6</a:t>
-            </a:fld>
-            <a:endParaRPr lang="ru-RU" sz="1800" dirty="0">
-              <a:latin typeface="Times New Roman" panose="02020603050405020304" pitchFamily="18" charset="0"/>
-              <a:cs typeface="Times New Roman" panose="02020603050405020304" pitchFamily="18" charset="0"/>
-            </a:endParaRPr>
-          </a:p>
-        </p:txBody>
-      </p:sp>
       <p:pic>
         <p:nvPicPr>
           <p:cNvPr id="1026" name="Picture 2" descr="Точечная диаграмма с прямой линией тренда"/>
@@ -7157,6 +6271,35 @@
           </a:extLst>
         </p:spPr>
       </p:pic>
+      <p:sp>
+        <p:nvSpPr>
+          <p:cNvPr id="5" name="Номер слайда 4"/>
+          <p:cNvSpPr>
+            <a:spLocks noGrp="1"/>
+          </p:cNvSpPr>
+          <p:nvPr>
+            <p:ph type="sldNum" sz="quarter" idx="12"/>
+          </p:nvPr>
+        </p:nvSpPr>
+        <p:spPr/>
+        <p:txBody>
+          <a:bodyPr/>
+          <a:lstStyle/>
+          <a:p>
+            <a:fld id="{C4F09F00-B2EF-4E92-A50A-EB2934570B6C}" type="slidenum">
+              <a:rPr lang="ru-RU" sz="1800" smtClean="0">
+                <a:latin typeface="Times New Roman" panose="02020603050405020304" pitchFamily="18" charset="0"/>
+                <a:cs typeface="Times New Roman" panose="02020603050405020304" pitchFamily="18" charset="0"/>
+              </a:rPr>
+              <a:t>6</a:t>
+            </a:fld>
+            <a:endParaRPr lang="ru-RU" sz="1800" dirty="0">
+              <a:latin typeface="Times New Roman" panose="02020603050405020304" pitchFamily="18" charset="0"/>
+              <a:cs typeface="Times New Roman" panose="02020603050405020304" pitchFamily="18" charset="0"/>
+            </a:endParaRPr>
+          </a:p>
+        </p:txBody>
+      </p:sp>
       <p:pic>
         <p:nvPicPr>
           <p:cNvPr id="1028" name="Picture 4" descr="Точечная диаграмма с логарифмической линией тренда"/>
@@ -7544,6 +6687,272 @@
       </p:sp>
       <p:sp>
         <p:nvSpPr>
+          <p:cNvPr id="3" name="Объект 2"/>
+          <p:cNvSpPr>
+            <a:spLocks noGrp="1"/>
+          </p:cNvSpPr>
+          <p:nvPr>
+            <p:ph idx="1"/>
+          </p:nvPr>
+        </p:nvSpPr>
+        <p:spPr/>
+        <p:txBody>
+          <a:bodyPr/>
+          <a:lstStyle/>
+          <a:p>
+            <a:pPr lvl="1">
+              <a:buFont typeface="Arial" panose="020B0604020202020204" pitchFamily="34" charset="0"/>
+              <a:buChar char="•"/>
+            </a:pPr>
+            <a:endParaRPr lang="ru-RU" dirty="0" smtClean="0"/>
+          </a:p>
+          <a:p>
+            <a:pPr lvl="1">
+              <a:buFont typeface="Arial" panose="020B0604020202020204" pitchFamily="34" charset="0"/>
+              <a:buChar char="•"/>
+            </a:pPr>
+            <a:r>
+              <a:rPr lang="ru-RU" dirty="0" smtClean="0">
+                <a:solidFill>
+                  <a:schemeClr val="tx1"/>
+                </a:solidFill>
+              </a:rPr>
+              <a:t>Хранимые функции для выборки</a:t>
+            </a:r>
+          </a:p>
+          <a:p>
+            <a:pPr lvl="2">
+              <a:buFont typeface="Arial" panose="020B0604020202020204" pitchFamily="34" charset="0"/>
+              <a:buChar char="•"/>
+            </a:pPr>
+            <a:r>
+              <a:rPr lang="en-US" dirty="0" err="1" smtClean="0">
+                <a:solidFill>
+                  <a:schemeClr val="tx1"/>
+                </a:solidFill>
+              </a:rPr>
+              <a:t>get_products_by_shopid</a:t>
+            </a:r>
+            <a:r>
+              <a:rPr lang="en-US" dirty="0" smtClean="0">
+                <a:solidFill>
+                  <a:schemeClr val="tx1"/>
+                </a:solidFill>
+              </a:rPr>
+              <a:t>(</a:t>
+            </a:r>
+            <a:r>
+              <a:rPr lang="en-US" dirty="0" err="1" smtClean="0">
+                <a:solidFill>
+                  <a:schemeClr val="tx1"/>
+                </a:solidFill>
+              </a:rPr>
+              <a:t>shop_id</a:t>
+            </a:r>
+            <a:r>
+              <a:rPr lang="en-US" dirty="0" smtClean="0">
+                <a:solidFill>
+                  <a:schemeClr val="tx1"/>
+                </a:solidFill>
+              </a:rPr>
+              <a:t>)</a:t>
+            </a:r>
+            <a:endParaRPr lang="en-US" dirty="0">
+              <a:solidFill>
+                <a:schemeClr val="tx1"/>
+              </a:solidFill>
+            </a:endParaRPr>
+          </a:p>
+          <a:p>
+            <a:pPr lvl="2">
+              <a:buFont typeface="Arial" panose="020B0604020202020204" pitchFamily="34" charset="0"/>
+              <a:buChar char="•"/>
+            </a:pPr>
+            <a:r>
+              <a:rPr lang="en-US" dirty="0" err="1" smtClean="0">
+                <a:solidFill>
+                  <a:schemeClr val="tx1"/>
+                </a:solidFill>
+              </a:rPr>
+              <a:t>get_coststory_by_shopid_prodid</a:t>
+            </a:r>
+            <a:r>
+              <a:rPr lang="en-US" dirty="0" smtClean="0">
+                <a:solidFill>
+                  <a:schemeClr val="tx1"/>
+                </a:solidFill>
+              </a:rPr>
+              <a:t>(</a:t>
+            </a:r>
+            <a:r>
+              <a:rPr lang="en-US" dirty="0" err="1" smtClean="0">
+                <a:solidFill>
+                  <a:schemeClr val="tx1"/>
+                </a:solidFill>
+              </a:rPr>
+              <a:t>shop_id</a:t>
+            </a:r>
+            <a:r>
+              <a:rPr lang="en-US" dirty="0" smtClean="0">
+                <a:solidFill>
+                  <a:schemeClr val="tx1"/>
+                </a:solidFill>
+              </a:rPr>
+              <a:t>, </a:t>
+            </a:r>
+            <a:r>
+              <a:rPr lang="en-US" dirty="0" err="1" smtClean="0">
+                <a:solidFill>
+                  <a:schemeClr val="tx1"/>
+                </a:solidFill>
+              </a:rPr>
+              <a:t>prod_id</a:t>
+            </a:r>
+            <a:r>
+              <a:rPr lang="en-US" dirty="0" smtClean="0">
+                <a:solidFill>
+                  <a:schemeClr val="tx1"/>
+                </a:solidFill>
+              </a:rPr>
+              <a:t>)</a:t>
+            </a:r>
+            <a:endParaRPr lang="en-US" dirty="0">
+              <a:solidFill>
+                <a:schemeClr val="tx1"/>
+              </a:solidFill>
+            </a:endParaRPr>
+          </a:p>
+          <a:p>
+            <a:pPr lvl="2">
+              <a:buFont typeface="Arial" panose="020B0604020202020204" pitchFamily="34" charset="0"/>
+              <a:buChar char="•"/>
+            </a:pPr>
+            <a:r>
+              <a:rPr lang="en-US" dirty="0" err="1" smtClean="0">
+                <a:solidFill>
+                  <a:schemeClr val="tx1"/>
+                </a:solidFill>
+              </a:rPr>
+              <a:t>get_salereceipts_by_shopid</a:t>
+            </a:r>
+            <a:r>
+              <a:rPr lang="en-US" dirty="0" smtClean="0">
+                <a:solidFill>
+                  <a:schemeClr val="tx1"/>
+                </a:solidFill>
+              </a:rPr>
+              <a:t>(</a:t>
+            </a:r>
+            <a:r>
+              <a:rPr lang="en-US" dirty="0" err="1" smtClean="0">
+                <a:solidFill>
+                  <a:schemeClr val="tx1"/>
+                </a:solidFill>
+              </a:rPr>
+              <a:t>shop_id</a:t>
+            </a:r>
+            <a:r>
+              <a:rPr lang="en-US" dirty="0" smtClean="0">
+                <a:solidFill>
+                  <a:schemeClr val="tx1"/>
+                </a:solidFill>
+              </a:rPr>
+              <a:t>)</a:t>
+            </a:r>
+            <a:endParaRPr lang="en-US" dirty="0">
+              <a:solidFill>
+                <a:schemeClr val="tx1"/>
+              </a:solidFill>
+            </a:endParaRPr>
+          </a:p>
+          <a:p>
+            <a:pPr lvl="2">
+              <a:buFont typeface="Arial" panose="020B0604020202020204" pitchFamily="34" charset="0"/>
+              <a:buChar char="•"/>
+            </a:pPr>
+            <a:r>
+              <a:rPr lang="en-US" dirty="0" err="1" smtClean="0">
+                <a:solidFill>
+                  <a:schemeClr val="tx1"/>
+                </a:solidFill>
+              </a:rPr>
+              <a:t>get_content_from_salereceipt</a:t>
+            </a:r>
+            <a:r>
+              <a:rPr lang="en-US" dirty="0" smtClean="0">
+                <a:solidFill>
+                  <a:schemeClr val="tx1"/>
+                </a:solidFill>
+              </a:rPr>
+              <a:t>(</a:t>
+            </a:r>
+            <a:r>
+              <a:rPr lang="en-US" dirty="0" err="1" smtClean="0">
+                <a:solidFill>
+                  <a:schemeClr val="tx1"/>
+                </a:solidFill>
+              </a:rPr>
+              <a:t>sr_id</a:t>
+            </a:r>
+            <a:r>
+              <a:rPr lang="en-US" dirty="0" smtClean="0">
+                <a:solidFill>
+                  <a:schemeClr val="tx1"/>
+                </a:solidFill>
+              </a:rPr>
+              <a:t>)</a:t>
+            </a:r>
+            <a:endParaRPr lang="ru-RU" dirty="0" smtClean="0">
+              <a:solidFill>
+                <a:schemeClr val="tx1"/>
+              </a:solidFill>
+            </a:endParaRPr>
+          </a:p>
+          <a:p>
+            <a:pPr lvl="1">
+              <a:buFont typeface="Arial" panose="020B0604020202020204" pitchFamily="34" charset="0"/>
+              <a:buChar char="•"/>
+            </a:pPr>
+            <a:r>
+              <a:rPr lang="ru-RU" dirty="0" smtClean="0">
+                <a:solidFill>
+                  <a:schemeClr val="tx1"/>
+                </a:solidFill>
+              </a:rPr>
+              <a:t>Триггер для обновления истории цен</a:t>
+            </a:r>
+          </a:p>
+          <a:p>
+            <a:pPr lvl="2">
+              <a:buFont typeface="Arial" panose="020B0604020202020204" pitchFamily="34" charset="0"/>
+              <a:buChar char="•"/>
+            </a:pPr>
+            <a:r>
+              <a:rPr lang="en-US" dirty="0" err="1">
+                <a:solidFill>
+                  <a:schemeClr val="tx1"/>
+                </a:solidFill>
+              </a:rPr>
+              <a:t>r</a:t>
+            </a:r>
+            <a:r>
+              <a:rPr lang="en-US" dirty="0" err="1" smtClean="0">
+                <a:solidFill>
+                  <a:schemeClr val="tx1"/>
+                </a:solidFill>
+              </a:rPr>
+              <a:t>emove_too_old_coststory</a:t>
+            </a:r>
+            <a:endParaRPr lang="ru-RU" dirty="0" smtClean="0">
+              <a:solidFill>
+                <a:schemeClr val="tx1"/>
+              </a:solidFill>
+            </a:endParaRPr>
+          </a:p>
+        </p:txBody>
+      </p:sp>
+      <p:sp>
+        <p:nvSpPr>
           <p:cNvPr id="4" name="Номер слайда 3"/>
           <p:cNvSpPr>
             <a:spLocks noGrp="1"/>
@@ -7567,272 +6976,6 @@
             <a:endParaRPr lang="ru-RU" sz="1800" dirty="0">
               <a:latin typeface="Times New Roman" panose="02020603050405020304" pitchFamily="18" charset="0"/>
               <a:cs typeface="Times New Roman" panose="02020603050405020304" pitchFamily="18" charset="0"/>
-            </a:endParaRPr>
-          </a:p>
-        </p:txBody>
-      </p:sp>
-      <p:sp>
-        <p:nvSpPr>
-          <p:cNvPr id="3" name="Объект 2"/>
-          <p:cNvSpPr>
-            <a:spLocks noGrp="1"/>
-          </p:cNvSpPr>
-          <p:nvPr>
-            <p:ph idx="1"/>
-          </p:nvPr>
-        </p:nvSpPr>
-        <p:spPr/>
-        <p:txBody>
-          <a:bodyPr/>
-          <a:lstStyle/>
-          <a:p>
-            <a:pPr lvl="1">
-              <a:buFont typeface="Arial" panose="020B0604020202020204" pitchFamily="34" charset="0"/>
-              <a:buChar char="•"/>
-            </a:pPr>
-            <a:endParaRPr lang="ru-RU" dirty="0" smtClean="0"/>
-          </a:p>
-          <a:p>
-            <a:pPr lvl="1">
-              <a:buFont typeface="Arial" panose="020B0604020202020204" pitchFamily="34" charset="0"/>
-              <a:buChar char="•"/>
-            </a:pPr>
-            <a:r>
-              <a:rPr lang="ru-RU" dirty="0" smtClean="0">
-                <a:solidFill>
-                  <a:schemeClr val="tx1"/>
-                </a:solidFill>
-              </a:rPr>
-              <a:t>Хранимые функции для выборки</a:t>
-            </a:r>
-          </a:p>
-          <a:p>
-            <a:pPr lvl="2">
-              <a:buFont typeface="Arial" panose="020B0604020202020204" pitchFamily="34" charset="0"/>
-              <a:buChar char="•"/>
-            </a:pPr>
-            <a:r>
-              <a:rPr lang="en-US" dirty="0" err="1" smtClean="0">
-                <a:solidFill>
-                  <a:schemeClr val="tx1"/>
-                </a:solidFill>
-              </a:rPr>
-              <a:t>get_products_by_shopid</a:t>
-            </a:r>
-            <a:r>
-              <a:rPr lang="en-US" dirty="0" smtClean="0">
-                <a:solidFill>
-                  <a:schemeClr val="tx1"/>
-                </a:solidFill>
-              </a:rPr>
-              <a:t>(</a:t>
-            </a:r>
-            <a:r>
-              <a:rPr lang="en-US" dirty="0" err="1" smtClean="0">
-                <a:solidFill>
-                  <a:schemeClr val="tx1"/>
-                </a:solidFill>
-              </a:rPr>
-              <a:t>shop_id</a:t>
-            </a:r>
-            <a:r>
-              <a:rPr lang="en-US" dirty="0" smtClean="0">
-                <a:solidFill>
-                  <a:schemeClr val="tx1"/>
-                </a:solidFill>
-              </a:rPr>
-              <a:t>)</a:t>
-            </a:r>
-            <a:endParaRPr lang="en-US" dirty="0">
-              <a:solidFill>
-                <a:schemeClr val="tx1"/>
-              </a:solidFill>
-            </a:endParaRPr>
-          </a:p>
-          <a:p>
-            <a:pPr lvl="2">
-              <a:buFont typeface="Arial" panose="020B0604020202020204" pitchFamily="34" charset="0"/>
-              <a:buChar char="•"/>
-            </a:pPr>
-            <a:r>
-              <a:rPr lang="en-US" dirty="0" err="1" smtClean="0">
-                <a:solidFill>
-                  <a:schemeClr val="tx1"/>
-                </a:solidFill>
-              </a:rPr>
-              <a:t>get_coststory_by_shopid_prodid</a:t>
-            </a:r>
-            <a:r>
-              <a:rPr lang="en-US" dirty="0" smtClean="0">
-                <a:solidFill>
-                  <a:schemeClr val="tx1"/>
-                </a:solidFill>
-              </a:rPr>
-              <a:t>(</a:t>
-            </a:r>
-            <a:r>
-              <a:rPr lang="en-US" dirty="0" err="1" smtClean="0">
-                <a:solidFill>
-                  <a:schemeClr val="tx1"/>
-                </a:solidFill>
-              </a:rPr>
-              <a:t>shop_id</a:t>
-            </a:r>
-            <a:r>
-              <a:rPr lang="en-US" dirty="0" smtClean="0">
-                <a:solidFill>
-                  <a:schemeClr val="tx1"/>
-                </a:solidFill>
-              </a:rPr>
-              <a:t>, </a:t>
-            </a:r>
-            <a:r>
-              <a:rPr lang="en-US" dirty="0" err="1" smtClean="0">
-                <a:solidFill>
-                  <a:schemeClr val="tx1"/>
-                </a:solidFill>
-              </a:rPr>
-              <a:t>prod_id</a:t>
-            </a:r>
-            <a:r>
-              <a:rPr lang="en-US" dirty="0" smtClean="0">
-                <a:solidFill>
-                  <a:schemeClr val="tx1"/>
-                </a:solidFill>
-              </a:rPr>
-              <a:t>)</a:t>
-            </a:r>
-            <a:endParaRPr lang="en-US" dirty="0">
-              <a:solidFill>
-                <a:schemeClr val="tx1"/>
-              </a:solidFill>
-            </a:endParaRPr>
-          </a:p>
-          <a:p>
-            <a:pPr lvl="2">
-              <a:buFont typeface="Arial" panose="020B0604020202020204" pitchFamily="34" charset="0"/>
-              <a:buChar char="•"/>
-            </a:pPr>
-            <a:r>
-              <a:rPr lang="en-US" dirty="0" err="1" smtClean="0">
-                <a:solidFill>
-                  <a:schemeClr val="tx1"/>
-                </a:solidFill>
-              </a:rPr>
-              <a:t>get_salereceipts_by_shopid</a:t>
-            </a:r>
-            <a:r>
-              <a:rPr lang="en-US" dirty="0" smtClean="0">
-                <a:solidFill>
-                  <a:schemeClr val="tx1"/>
-                </a:solidFill>
-              </a:rPr>
-              <a:t>(</a:t>
-            </a:r>
-            <a:r>
-              <a:rPr lang="en-US" dirty="0" err="1" smtClean="0">
-                <a:solidFill>
-                  <a:schemeClr val="tx1"/>
-                </a:solidFill>
-              </a:rPr>
-              <a:t>shop_id</a:t>
-            </a:r>
-            <a:r>
-              <a:rPr lang="en-US" dirty="0" smtClean="0">
-                <a:solidFill>
-                  <a:schemeClr val="tx1"/>
-                </a:solidFill>
-              </a:rPr>
-              <a:t>)</a:t>
-            </a:r>
-            <a:endParaRPr lang="en-US" dirty="0">
-              <a:solidFill>
-                <a:schemeClr val="tx1"/>
-              </a:solidFill>
-            </a:endParaRPr>
-          </a:p>
-          <a:p>
-            <a:pPr lvl="2">
-              <a:buFont typeface="Arial" panose="020B0604020202020204" pitchFamily="34" charset="0"/>
-              <a:buChar char="•"/>
-            </a:pPr>
-            <a:r>
-              <a:rPr lang="en-US" dirty="0" err="1" smtClean="0">
-                <a:solidFill>
-                  <a:schemeClr val="tx1"/>
-                </a:solidFill>
-              </a:rPr>
-              <a:t>get_content_from_salereceipt</a:t>
-            </a:r>
-            <a:r>
-              <a:rPr lang="en-US" dirty="0" smtClean="0">
-                <a:solidFill>
-                  <a:schemeClr val="tx1"/>
-                </a:solidFill>
-              </a:rPr>
-              <a:t>(</a:t>
-            </a:r>
-            <a:r>
-              <a:rPr lang="en-US" dirty="0" err="1" smtClean="0">
-                <a:solidFill>
-                  <a:schemeClr val="tx1"/>
-                </a:solidFill>
-              </a:rPr>
-              <a:t>sr_id</a:t>
-            </a:r>
-            <a:r>
-              <a:rPr lang="en-US" dirty="0" smtClean="0">
-                <a:solidFill>
-                  <a:schemeClr val="tx1"/>
-                </a:solidFill>
-              </a:rPr>
-              <a:t>)</a:t>
-            </a:r>
-            <a:endParaRPr lang="ru-RU" dirty="0" smtClean="0">
-              <a:solidFill>
-                <a:schemeClr val="tx1"/>
-              </a:solidFill>
-            </a:endParaRPr>
-          </a:p>
-          <a:p>
-            <a:pPr lvl="1">
-              <a:buFont typeface="Arial" panose="020B0604020202020204" pitchFamily="34" charset="0"/>
-              <a:buChar char="•"/>
-            </a:pPr>
-            <a:r>
-              <a:rPr lang="ru-RU" dirty="0" smtClean="0">
-                <a:solidFill>
-                  <a:schemeClr val="tx1"/>
-                </a:solidFill>
-              </a:rPr>
-              <a:t>Триггер для обновления истории цен</a:t>
-            </a:r>
-          </a:p>
-          <a:p>
-            <a:pPr lvl="2">
-              <a:buFont typeface="Arial" panose="020B0604020202020204" pitchFamily="34" charset="0"/>
-              <a:buChar char="•"/>
-            </a:pPr>
-            <a:r>
-              <a:rPr lang="en-US" dirty="0" err="1">
-                <a:solidFill>
-                  <a:schemeClr val="tx1"/>
-                </a:solidFill>
-              </a:rPr>
-              <a:t>r</a:t>
-            </a:r>
-            <a:r>
-              <a:rPr lang="en-US" dirty="0" err="1" smtClean="0">
-                <a:solidFill>
-                  <a:schemeClr val="tx1"/>
-                </a:solidFill>
-              </a:rPr>
-              <a:t>emove_too_old_coststory</a:t>
-            </a:r>
-            <a:endParaRPr lang="ru-RU" dirty="0" smtClean="0">
-              <a:solidFill>
-                <a:schemeClr val="tx1"/>
-              </a:solidFill>
             </a:endParaRPr>
           </a:p>
         </p:txBody>
@@ -7929,8 +7072,8 @@
         </p:blipFill>
         <p:spPr>
           <a:xfrm>
-            <a:off x="2073065" y="1846263"/>
-            <a:ext cx="8106195" cy="4022725"/>
+            <a:off x="1711808" y="1825625"/>
+            <a:ext cx="8768384" cy="4351338"/>
           </a:xfrm>
         </p:spPr>
       </p:pic>
@@ -7978,47 +7121,47 @@
 </file>
 
 <file path=ppt/theme/theme1.xml><?xml version="1.0" encoding="utf-8"?>
-<a:theme xmlns:a="http://schemas.openxmlformats.org/drawingml/2006/main" name="Ретро">
+<a:theme xmlns:a="http://schemas.openxmlformats.org/drawingml/2006/main" name="Тема Office">
   <a:themeElements>
-    <a:clrScheme name="Ретро">
+    <a:clrScheme name="Стандартная">
       <a:dk1>
-        <a:srgbClr val="000000"/>
+        <a:sysClr val="windowText" lastClr="000000"/>
       </a:dk1>
       <a:lt1>
         <a:sysClr val="window" lastClr="FFFFFF"/>
       </a:lt1>
       <a:dk2>
-        <a:srgbClr val="637052"/>
+        <a:srgbClr val="44546A"/>
       </a:dk2>
       <a:lt2>
-        <a:srgbClr val="CCDDEA"/>
+        <a:srgbClr val="E7E6E6"/>
       </a:lt2>
       <a:accent1>
-        <a:srgbClr val="E48312"/>
+        <a:srgbClr val="5B9BD5"/>
       </a:accent1>
       <a:accent2>
-        <a:srgbClr val="BD582C"/>
+        <a:srgbClr val="ED7D31"/>
       </a:accent2>
       <a:accent3>
-        <a:srgbClr val="865640"/>
+        <a:srgbClr val="A5A5A5"/>
       </a:accent3>
       <a:accent4>
-        <a:srgbClr val="9B8357"/>
+        <a:srgbClr val="FFC000"/>
       </a:accent4>
       <a:accent5>
-        <a:srgbClr val="C2BC80"/>
+        <a:srgbClr val="4472C4"/>
       </a:accent5>
       <a:accent6>
-        <a:srgbClr val="94A088"/>
+        <a:srgbClr val="70AD47"/>
       </a:accent6>
       <a:hlink>
-        <a:srgbClr val="2998E3"/>
+        <a:srgbClr val="0563C1"/>
       </a:hlink>
       <a:folHlink>
-        <a:srgbClr val="8C8C8C"/>
+        <a:srgbClr val="954F72"/>
       </a:folHlink>
     </a:clrScheme>
-    <a:fontScheme name="Ретро">
+    <a:fontScheme name="Стандартная">
       <a:majorFont>
         <a:latin typeface="Calibri Light" panose="020F0302020204030204"/>
         <a:ea typeface=""/>
@@ -8090,7 +7233,7 @@
         <a:font script="Geor" typeface="Sylfaen"/>
       </a:minorFont>
     </a:fontScheme>
-    <a:fmtScheme name="Ретро">
+    <a:fmtScheme name="Стандартная">
       <a:fillStyleLst>
         <a:solidFill>
           <a:schemeClr val="phClr"/>
@@ -8099,81 +7242,76 @@
           <a:gsLst>
             <a:gs pos="0">
               <a:schemeClr val="phClr">
-                <a:tint val="65000"/>
-                <a:shade val="92000"/>
-                <a:satMod val="130000"/>
+                <a:lumMod val="110000"/>
+                <a:satMod val="105000"/>
+                <a:tint val="67000"/>
               </a:schemeClr>
             </a:gs>
-            <a:gs pos="45000">
+            <a:gs pos="50000">
               <a:schemeClr val="phClr">
-                <a:tint val="60000"/>
-                <a:shade val="99000"/>
-                <a:satMod val="120000"/>
+                <a:lumMod val="105000"/>
+                <a:satMod val="103000"/>
+                <a:tint val="73000"/>
               </a:schemeClr>
             </a:gs>
             <a:gs pos="100000">
               <a:schemeClr val="phClr">
-                <a:tint val="55000"/>
-                <a:satMod val="140000"/>
+                <a:lumMod val="105000"/>
+                <a:satMod val="109000"/>
+                <a:tint val="81000"/>
               </a:schemeClr>
             </a:gs>
           </a:gsLst>
-          <a:path path="circle">
-            <a:fillToRect l="100000" t="100000" r="100000" b="100000"/>
-          </a:path>
+          <a:lin ang="5400000" scaled="0"/>
         </a:gradFill>
         <a:gradFill rotWithShape="1">
           <a:gsLst>
             <a:gs pos="0">
               <a:schemeClr val="phClr">
-                <a:shade val="85000"/>
-                <a:satMod val="130000"/>
+                <a:satMod val="103000"/>
+                <a:lumMod val="102000"/>
+                <a:tint val="94000"/>
               </a:schemeClr>
             </a:gs>
-            <a:gs pos="34000">
+            <a:gs pos="50000">
               <a:schemeClr val="phClr">
-                <a:shade val="87000"/>
-                <a:satMod val="125000"/>
-              </a:schemeClr>
-            </a:gs>
-            <a:gs pos="70000">
-              <a:schemeClr val="phClr">
-                <a:tint val="100000"/>
-                <a:shade val="90000"/>
-                <a:satMod val="130000"/>
+                <a:satMod val="110000"/>
+                <a:lumMod val="100000"/>
+                <a:shade val="100000"/>
               </a:schemeClr>
             </a:gs>
             <a:gs pos="100000">
               <a:schemeClr val="phClr">
-                <a:tint val="100000"/>
-                <a:shade val="100000"/>
-                <a:satMod val="110000"/>
+                <a:lumMod val="99000"/>
+                <a:satMod val="120000"/>
+                <a:shade val="78000"/>
               </a:schemeClr>
             </a:gs>
           </a:gsLst>
-          <a:path path="circle">
-            <a:fillToRect l="100000" t="100000" r="100000" b="100000"/>
-          </a:path>
+          <a:lin ang="5400000" scaled="0"/>
         </a:gradFill>
       </a:fillStyleLst>
       <a:lnStyleLst>
+        <a:ln w="6350" cap="flat" cmpd="sng" algn="ctr">
+          <a:solidFill>
+            <a:schemeClr val="phClr"/>
+          </a:solidFill>
+          <a:prstDash val="solid"/>
+          <a:miter lim="800000"/>
+        </a:ln>
         <a:ln w="12700" cap="flat" cmpd="sng" algn="ctr">
           <a:solidFill>
             <a:schemeClr val="phClr"/>
           </a:solidFill>
           <a:prstDash val="solid"/>
+          <a:miter lim="800000"/>
         </a:ln>
-        <a:ln w="15875" cap="flat" cmpd="sng" algn="ctr">
+        <a:ln w="19050" cap="flat" cmpd="sng" algn="ctr">
           <a:solidFill>
             <a:schemeClr val="phClr"/>
           </a:solidFill>
           <a:prstDash val="solid"/>
-        </a:ln>
-        <a:ln w="25400" cap="flat" cmpd="sng" algn="ctr">
-          <a:solidFill>
-            <a:schemeClr val="phClr"/>
-          </a:solidFill>
-          <a:prstDash val="solid"/>
+          <a:miter lim="800000"/>
         </a:ln>
       </a:lnStyleLst>
       <a:effectStyleLst>
@@ -8181,33 +7319,16 @@
           <a:effectLst/>
         </a:effectStyle>
         <a:effectStyle>
+          <a:effectLst/>
+        </a:effectStyle>
+        <a:effectStyle>
           <a:effectLst>
-            <a:outerShdw blurRad="38100" dist="25400" dir="2700000" algn="br" rotWithShape="0">
+            <a:outerShdw blurRad="57150" dist="19050" dir="5400000" algn="ctr" rotWithShape="0">
               <a:srgbClr val="000000">
-                <a:alpha val="60000"/>
+                <a:alpha val="63000"/>
               </a:srgbClr>
             </a:outerShdw>
           </a:effectLst>
-        </a:effectStyle>
-        <a:effectStyle>
-          <a:effectLst>
-            <a:outerShdw blurRad="44450" dist="25400" dir="2700000" algn="br" rotWithShape="0">
-              <a:srgbClr val="000000">
-                <a:alpha val="60000"/>
-              </a:srgbClr>
-            </a:outerShdw>
-          </a:effectLst>
-          <a:scene3d>
-            <a:camera prst="orthographicFront">
-              <a:rot lat="0" lon="0" rev="0"/>
-            </a:camera>
-            <a:lightRig rig="threePt" dir="t">
-              <a:rot lat="0" lon="0" rev="19800000"/>
-            </a:lightRig>
-          </a:scene3d>
-          <a:sp3d prstMaterial="flat">
-            <a:bevelT w="25400" h="31750"/>
-          </a:sp3d>
         </a:effectStyle>
       </a:effectStyleLst>
       <a:bgFillStyleLst>
@@ -8216,36 +7337,36 @@
         </a:solidFill>
         <a:solidFill>
           <a:schemeClr val="phClr">
-            <a:tint val="90000"/>
-            <a:shade val="97000"/>
-            <a:satMod val="130000"/>
+            <a:tint val="95000"/>
+            <a:satMod val="170000"/>
           </a:schemeClr>
         </a:solidFill>
         <a:gradFill rotWithShape="1">
           <a:gsLst>
             <a:gs pos="0">
               <a:schemeClr val="phClr">
-                <a:tint val="96000"/>
-                <a:shade val="99000"/>
-                <a:satMod val="140000"/>
+                <a:tint val="93000"/>
+                <a:satMod val="150000"/>
+                <a:shade val="98000"/>
+                <a:lumMod val="102000"/>
               </a:schemeClr>
             </a:gs>
-            <a:gs pos="65000">
+            <a:gs pos="50000">
               <a:schemeClr val="phClr">
-                <a:tint val="100000"/>
-                <a:shade val="80000"/>
+                <a:tint val="98000"/>
                 <a:satMod val="130000"/>
+                <a:shade val="90000"/>
+                <a:lumMod val="103000"/>
               </a:schemeClr>
             </a:gs>
             <a:gs pos="100000">
               <a:schemeClr val="phClr">
-                <a:tint val="100000"/>
-                <a:shade val="48000"/>
+                <a:shade val="63000"/>
                 <a:satMod val="120000"/>
               </a:schemeClr>
             </a:gs>
           </a:gsLst>
-          <a:lin ang="16200000" scaled="0"/>
+          <a:lin ang="5400000" scaled="0"/>
         </a:gradFill>
       </a:bgFillStyleLst>
     </a:fmtScheme>
@@ -8254,7 +7375,7 @@
   <a:extraClrSchemeLst/>
   <a:extLst>
     <a:ext uri="{05A4C25C-085E-4340-85A3-A5531E510DB2}">
-      <thm15:themeFamily xmlns:thm15="http://schemas.microsoft.com/office/thememl/2012/main" name="Retrospect" id="{5F128B03-DCCA-4EEB-AB3B-CF2899314A46}" vid="{3F1AAB62-24C6-49D2-8E01-B56FAC9A3DCD}"/>
+      <thm15:themeFamily xmlns:thm15="http://schemas.microsoft.com/office/thememl/2012/main" name="Office Theme" id="{62F939B6-93AF-4DB8-9C6B-D6C7DFDC589F}" vid="{4A3C46E8-61CC-4603-A589-7422A47A8E4A}"/>
     </a:ext>
   </a:extLst>
 </a:theme>

--- a/docs/Presentation.pptx
+++ b/docs/Presentation.pptx
@@ -213,7 +213,7 @@
           <a:p>
             <a:fld id="{6E6D9DCE-A04C-4D8C-8931-135BCE43B3A4}" type="datetimeFigureOut">
               <a:rPr lang="ru-RU" smtClean="0"/>
-              <a:t>07.06.2022</a:t>
+              <a:t>10.06.2022</a:t>
             </a:fld>
             <a:endParaRPr lang="ru-RU"/>
           </a:p>
@@ -696,7 +696,7 @@
           <a:p>
             <a:fld id="{03C8B24E-9072-4A63-9CF3-2091FBEE0926}" type="datetime1">
               <a:rPr lang="ru-RU" smtClean="0"/>
-              <a:t>07.06.2022</a:t>
+              <a:t>10.06.2022</a:t>
             </a:fld>
             <a:endParaRPr lang="ru-RU"/>
           </a:p>
@@ -866,7 +866,7 @@
           <a:p>
             <a:fld id="{A2DF9016-3B0A-48DB-AA68-59A340F15C97}" type="datetime1">
               <a:rPr lang="ru-RU" smtClean="0"/>
-              <a:t>07.06.2022</a:t>
+              <a:t>10.06.2022</a:t>
             </a:fld>
             <a:endParaRPr lang="ru-RU"/>
           </a:p>
@@ -1046,7 +1046,7 @@
           <a:p>
             <a:fld id="{ED610CF0-5587-4445-8FAA-D1C14AACBF04}" type="datetime1">
               <a:rPr lang="ru-RU" smtClean="0"/>
-              <a:t>07.06.2022</a:t>
+              <a:t>10.06.2022</a:t>
             </a:fld>
             <a:endParaRPr lang="ru-RU"/>
           </a:p>
@@ -1216,7 +1216,7 @@
           <a:p>
             <a:fld id="{7D08D0F9-4486-4C0D-A4C3-9DF41EB36BAE}" type="datetime1">
               <a:rPr lang="ru-RU" smtClean="0"/>
-              <a:t>07.06.2022</a:t>
+              <a:t>10.06.2022</a:t>
             </a:fld>
             <a:endParaRPr lang="ru-RU"/>
           </a:p>
@@ -1462,7 +1462,7 @@
           <a:p>
             <a:fld id="{DCBAD543-8B65-47C4-9868-AF907E0250FD}" type="datetime1">
               <a:rPr lang="ru-RU" smtClean="0"/>
-              <a:t>07.06.2022</a:t>
+              <a:t>10.06.2022</a:t>
             </a:fld>
             <a:endParaRPr lang="ru-RU"/>
           </a:p>
@@ -1694,7 +1694,7 @@
           <a:p>
             <a:fld id="{D011704B-73F3-4C9F-8E51-784348AA7A81}" type="datetime1">
               <a:rPr lang="ru-RU" smtClean="0"/>
-              <a:t>07.06.2022</a:t>
+              <a:t>10.06.2022</a:t>
             </a:fld>
             <a:endParaRPr lang="ru-RU"/>
           </a:p>
@@ -2061,7 +2061,7 @@
           <a:p>
             <a:fld id="{0ECF71ED-13A9-4254-AC52-66FE8A8F1C23}" type="datetime1">
               <a:rPr lang="ru-RU" smtClean="0"/>
-              <a:t>07.06.2022</a:t>
+              <a:t>10.06.2022</a:t>
             </a:fld>
             <a:endParaRPr lang="ru-RU"/>
           </a:p>
@@ -2179,7 +2179,7 @@
           <a:p>
             <a:fld id="{D4D53A68-8569-454A-A05A-DDDF27B07A9D}" type="datetime1">
               <a:rPr lang="ru-RU" smtClean="0"/>
-              <a:t>07.06.2022</a:t>
+              <a:t>10.06.2022</a:t>
             </a:fld>
             <a:endParaRPr lang="ru-RU"/>
           </a:p>
@@ -2274,7 +2274,7 @@
           <a:p>
             <a:fld id="{DEBD3B65-C67D-4788-8DD4-B5879859E161}" type="datetime1">
               <a:rPr lang="ru-RU" smtClean="0"/>
-              <a:t>07.06.2022</a:t>
+              <a:t>10.06.2022</a:t>
             </a:fld>
             <a:endParaRPr lang="ru-RU"/>
           </a:p>
@@ -2551,7 +2551,7 @@
           <a:p>
             <a:fld id="{A7D08EAE-43AF-44C1-A7D9-E10A9ACFDA1E}" type="datetime1">
               <a:rPr lang="ru-RU" smtClean="0"/>
-              <a:t>07.06.2022</a:t>
+              <a:t>10.06.2022</a:t>
             </a:fld>
             <a:endParaRPr lang="ru-RU"/>
           </a:p>
@@ -2804,7 +2804,7 @@
           <a:p>
             <a:fld id="{4AC49E42-2C28-4AEE-A493-6691E23865B3}" type="datetime1">
               <a:rPr lang="ru-RU" smtClean="0"/>
-              <a:t>07.06.2022</a:t>
+              <a:t>10.06.2022</a:t>
             </a:fld>
             <a:endParaRPr lang="ru-RU"/>
           </a:p>
@@ -3017,7 +3017,7 @@
           <a:p>
             <a:fld id="{E56321EE-D23F-4780-B318-01CDAA890F27}" type="datetime1">
               <a:rPr lang="ru-RU" smtClean="0"/>
-              <a:t>07.06.2022</a:t>
+              <a:t>10.06.2022</a:t>
             </a:fld>
             <a:endParaRPr lang="ru-RU"/>
           </a:p>
@@ -4168,8 +4168,8 @@
         </p:blipFill>
         <p:spPr>
           <a:xfrm>
-            <a:off x="1314450" y="2124869"/>
-            <a:ext cx="9563100" cy="3752850"/>
+            <a:off x="5907314" y="3927247"/>
+            <a:ext cx="4970235" cy="1950471"/>
           </a:xfrm>
           <a:prstGeom prst="rect">
             <a:avLst/>
